--- a/Защита.pptx
+++ b/Защита.pptx
@@ -5,25 +5,26 @@
     <p:sldMasterId id="2147483648" r:id="rId1"/>
   </p:sldMasterIdLst>
   <p:notesMasterIdLst>
-    <p:notesMasterId r:id="rId13"/>
+    <p:notesMasterId r:id="rId14"/>
   </p:notesMasterIdLst>
   <p:sldIdLst>
     <p:sldId id="270" r:id="rId2"/>
     <p:sldId id="261" r:id="rId3"/>
     <p:sldId id="278" r:id="rId4"/>
-    <p:sldId id="279" r:id="rId5"/>
-    <p:sldId id="273" r:id="rId6"/>
-    <p:sldId id="274" r:id="rId7"/>
-    <p:sldId id="271" r:id="rId8"/>
-    <p:sldId id="276" r:id="rId9"/>
-    <p:sldId id="272" r:id="rId10"/>
-    <p:sldId id="280" r:id="rId11"/>
-    <p:sldId id="277" r:id="rId12"/>
+    <p:sldId id="282" r:id="rId5"/>
+    <p:sldId id="279" r:id="rId6"/>
+    <p:sldId id="273" r:id="rId7"/>
+    <p:sldId id="274" r:id="rId8"/>
+    <p:sldId id="271" r:id="rId9"/>
+    <p:sldId id="276" r:id="rId10"/>
+    <p:sldId id="272" r:id="rId11"/>
+    <p:sldId id="280" r:id="rId12"/>
+    <p:sldId id="277" r:id="rId13"/>
   </p:sldIdLst>
   <p:sldSz cx="12192000" cy="6858000"/>
   <p:notesSz cx="6858000" cy="9144000"/>
   <p:custDataLst>
-    <p:tags r:id="rId14"/>
+    <p:tags r:id="rId15"/>
   </p:custDataLst>
   <p:defaultTextStyle>
     <a:defPPr>
@@ -1055,6 +1056,753 @@
     <dgm:fillClrLst meth="repeat">
       <a:schemeClr val="accent2">
         <a:tint val="40000"/>
+      </a:schemeClr>
+    </dgm:fillClrLst>
+    <dgm:linClrLst meth="repeat">
+      <a:schemeClr val="lt1"/>
+    </dgm:linClrLst>
+    <dgm:effectClrLst/>
+    <dgm:txLinClrLst/>
+    <dgm:txFillClrLst meth="repeat">
+      <a:schemeClr val="dk1"/>
+    </dgm:txFillClrLst>
+    <dgm:txEffectClrLst/>
+  </dgm:styleLbl>
+  <dgm:styleLbl name="revTx">
+    <dgm:fillClrLst meth="repeat">
+      <a:schemeClr val="lt1">
+        <a:alpha val="0"/>
+      </a:schemeClr>
+    </dgm:fillClrLst>
+    <dgm:linClrLst meth="repeat">
+      <a:schemeClr val="dk1">
+        <a:alpha val="0"/>
+      </a:schemeClr>
+    </dgm:linClrLst>
+    <dgm:effectClrLst/>
+    <dgm:txLinClrLst/>
+    <dgm:txFillClrLst meth="repeat">
+      <a:schemeClr val="tx1"/>
+    </dgm:txFillClrLst>
+    <dgm:txEffectClrLst/>
+  </dgm:styleLbl>
+</dgm:colorsDef>
+</file>
+
+<file path=ppt/diagrams/colors2.xml><?xml version="1.0" encoding="utf-8"?>
+<dgm:colorsDef xmlns:dgm="http://schemas.openxmlformats.org/drawingml/2006/diagram" xmlns:a="http://schemas.openxmlformats.org/drawingml/2006/main" uniqueId="urn:microsoft.com/office/officeart/2005/8/colors/accent1_2">
+  <dgm:title val=""/>
+  <dgm:desc val=""/>
+  <dgm:catLst>
+    <dgm:cat type="accent1" pri="11200"/>
+  </dgm:catLst>
+  <dgm:styleLbl name="node0">
+    <dgm:fillClrLst meth="repeat">
+      <a:schemeClr val="accent1"/>
+    </dgm:fillClrLst>
+    <dgm:linClrLst meth="repeat">
+      <a:schemeClr val="lt1"/>
+    </dgm:linClrLst>
+    <dgm:effectClrLst/>
+    <dgm:txLinClrLst/>
+    <dgm:txFillClrLst/>
+    <dgm:txEffectClrLst/>
+  </dgm:styleLbl>
+  <dgm:styleLbl name="alignNode1">
+    <dgm:fillClrLst meth="repeat">
+      <a:schemeClr val="accent1"/>
+    </dgm:fillClrLst>
+    <dgm:linClrLst meth="repeat">
+      <a:schemeClr val="accent1"/>
+    </dgm:linClrLst>
+    <dgm:effectClrLst/>
+    <dgm:txLinClrLst/>
+    <dgm:txFillClrLst/>
+    <dgm:txEffectClrLst/>
+  </dgm:styleLbl>
+  <dgm:styleLbl name="node1">
+    <dgm:fillClrLst meth="repeat">
+      <a:schemeClr val="accent1"/>
+    </dgm:fillClrLst>
+    <dgm:linClrLst meth="repeat">
+      <a:schemeClr val="lt1"/>
+    </dgm:linClrLst>
+    <dgm:effectClrLst/>
+    <dgm:txLinClrLst/>
+    <dgm:txFillClrLst/>
+    <dgm:txEffectClrLst/>
+  </dgm:styleLbl>
+  <dgm:styleLbl name="lnNode1">
+    <dgm:fillClrLst meth="repeat">
+      <a:schemeClr val="accent1"/>
+    </dgm:fillClrLst>
+    <dgm:linClrLst meth="repeat">
+      <a:schemeClr val="lt1"/>
+    </dgm:linClrLst>
+    <dgm:effectClrLst/>
+    <dgm:txLinClrLst/>
+    <dgm:txFillClrLst/>
+    <dgm:txEffectClrLst/>
+  </dgm:styleLbl>
+  <dgm:styleLbl name="vennNode1">
+    <dgm:fillClrLst meth="repeat">
+      <a:schemeClr val="accent1">
+        <a:alpha val="50000"/>
+      </a:schemeClr>
+    </dgm:fillClrLst>
+    <dgm:linClrLst meth="repeat">
+      <a:schemeClr val="lt1"/>
+    </dgm:linClrLst>
+    <dgm:effectClrLst/>
+    <dgm:txLinClrLst/>
+    <dgm:txFillClrLst/>
+    <dgm:txEffectClrLst/>
+  </dgm:styleLbl>
+  <dgm:styleLbl name="node2">
+    <dgm:fillClrLst meth="repeat">
+      <a:schemeClr val="accent1"/>
+    </dgm:fillClrLst>
+    <dgm:linClrLst meth="repeat">
+      <a:schemeClr val="lt1"/>
+    </dgm:linClrLst>
+    <dgm:effectClrLst/>
+    <dgm:txLinClrLst/>
+    <dgm:txFillClrLst/>
+    <dgm:txEffectClrLst/>
+  </dgm:styleLbl>
+  <dgm:styleLbl name="node3">
+    <dgm:fillClrLst meth="repeat">
+      <a:schemeClr val="accent1"/>
+    </dgm:fillClrLst>
+    <dgm:linClrLst meth="repeat">
+      <a:schemeClr val="lt1"/>
+    </dgm:linClrLst>
+    <dgm:effectClrLst/>
+    <dgm:txLinClrLst/>
+    <dgm:txFillClrLst/>
+    <dgm:txEffectClrLst/>
+  </dgm:styleLbl>
+  <dgm:styleLbl name="node4">
+    <dgm:fillClrLst meth="repeat">
+      <a:schemeClr val="accent1"/>
+    </dgm:fillClrLst>
+    <dgm:linClrLst meth="repeat">
+      <a:schemeClr val="lt1"/>
+    </dgm:linClrLst>
+    <dgm:effectClrLst/>
+    <dgm:txLinClrLst/>
+    <dgm:txFillClrLst/>
+    <dgm:txEffectClrLst/>
+  </dgm:styleLbl>
+  <dgm:styleLbl name="fgImgPlace1">
+    <dgm:fillClrLst meth="repeat">
+      <a:schemeClr val="accent1">
+        <a:tint val="50000"/>
+      </a:schemeClr>
+    </dgm:fillClrLst>
+    <dgm:linClrLst meth="repeat">
+      <a:schemeClr val="lt1"/>
+    </dgm:linClrLst>
+    <dgm:effectClrLst/>
+    <dgm:txLinClrLst/>
+    <dgm:txFillClrLst meth="repeat">
+      <a:schemeClr val="lt1"/>
+    </dgm:txFillClrLst>
+    <dgm:txEffectClrLst/>
+  </dgm:styleLbl>
+  <dgm:styleLbl name="alignImgPlace1">
+    <dgm:fillClrLst meth="repeat">
+      <a:schemeClr val="accent1">
+        <a:tint val="50000"/>
+      </a:schemeClr>
+    </dgm:fillClrLst>
+    <dgm:linClrLst meth="repeat">
+      <a:schemeClr val="lt1"/>
+    </dgm:linClrLst>
+    <dgm:effectClrLst/>
+    <dgm:txLinClrLst/>
+    <dgm:txFillClrLst meth="repeat">
+      <a:schemeClr val="lt1"/>
+    </dgm:txFillClrLst>
+    <dgm:txEffectClrLst/>
+  </dgm:styleLbl>
+  <dgm:styleLbl name="bgImgPlace1">
+    <dgm:fillClrLst meth="repeat">
+      <a:schemeClr val="accent1">
+        <a:tint val="50000"/>
+      </a:schemeClr>
+    </dgm:fillClrLst>
+    <dgm:linClrLst meth="repeat">
+      <a:schemeClr val="lt1"/>
+    </dgm:linClrLst>
+    <dgm:effectClrLst/>
+    <dgm:txLinClrLst/>
+    <dgm:txFillClrLst meth="repeat">
+      <a:schemeClr val="lt1"/>
+    </dgm:txFillClrLst>
+    <dgm:txEffectClrLst/>
+  </dgm:styleLbl>
+  <dgm:styleLbl name="sibTrans2D1">
+    <dgm:fillClrLst meth="repeat">
+      <a:schemeClr val="accent1">
+        <a:tint val="60000"/>
+      </a:schemeClr>
+    </dgm:fillClrLst>
+    <dgm:linClrLst meth="repeat">
+      <a:schemeClr val="accent1">
+        <a:tint val="60000"/>
+      </a:schemeClr>
+    </dgm:linClrLst>
+    <dgm:effectClrLst/>
+    <dgm:txLinClrLst/>
+    <dgm:txFillClrLst/>
+    <dgm:txEffectClrLst/>
+  </dgm:styleLbl>
+  <dgm:styleLbl name="fgSibTrans2D1">
+    <dgm:fillClrLst meth="repeat">
+      <a:schemeClr val="accent1">
+        <a:tint val="60000"/>
+      </a:schemeClr>
+    </dgm:fillClrLst>
+    <dgm:linClrLst meth="repeat">
+      <a:schemeClr val="accent1">
+        <a:tint val="60000"/>
+      </a:schemeClr>
+    </dgm:linClrLst>
+    <dgm:effectClrLst/>
+    <dgm:txLinClrLst/>
+    <dgm:txFillClrLst/>
+    <dgm:txEffectClrLst/>
+  </dgm:styleLbl>
+  <dgm:styleLbl name="bgSibTrans2D1">
+    <dgm:fillClrLst meth="repeat">
+      <a:schemeClr val="accent1">
+        <a:tint val="60000"/>
+      </a:schemeClr>
+    </dgm:fillClrLst>
+    <dgm:linClrLst meth="repeat">
+      <a:schemeClr val="accent1">
+        <a:tint val="60000"/>
+      </a:schemeClr>
+    </dgm:linClrLst>
+    <dgm:effectClrLst/>
+    <dgm:txLinClrLst/>
+    <dgm:txFillClrLst/>
+    <dgm:txEffectClrLst/>
+  </dgm:styleLbl>
+  <dgm:styleLbl name="sibTrans1D1">
+    <dgm:fillClrLst meth="repeat">
+      <a:schemeClr val="accent1"/>
+    </dgm:fillClrLst>
+    <dgm:linClrLst meth="repeat">
+      <a:schemeClr val="accent1"/>
+    </dgm:linClrLst>
+    <dgm:effectClrLst/>
+    <dgm:txLinClrLst/>
+    <dgm:txFillClrLst meth="repeat">
+      <a:schemeClr val="tx1"/>
+    </dgm:txFillClrLst>
+    <dgm:txEffectClrLst/>
+  </dgm:styleLbl>
+  <dgm:styleLbl name="callout">
+    <dgm:fillClrLst meth="repeat">
+      <a:schemeClr val="accent1"/>
+    </dgm:fillClrLst>
+    <dgm:linClrLst meth="repeat">
+      <a:schemeClr val="accent1">
+        <a:tint val="50000"/>
+      </a:schemeClr>
+    </dgm:linClrLst>
+    <dgm:effectClrLst/>
+    <dgm:txLinClrLst/>
+    <dgm:txFillClrLst meth="repeat">
+      <a:schemeClr val="tx1"/>
+    </dgm:txFillClrLst>
+    <dgm:txEffectClrLst/>
+  </dgm:styleLbl>
+  <dgm:styleLbl name="asst0">
+    <dgm:fillClrLst meth="repeat">
+      <a:schemeClr val="accent1"/>
+    </dgm:fillClrLst>
+    <dgm:linClrLst meth="repeat">
+      <a:schemeClr val="lt1"/>
+    </dgm:linClrLst>
+    <dgm:effectClrLst/>
+    <dgm:txLinClrLst/>
+    <dgm:txFillClrLst/>
+    <dgm:txEffectClrLst/>
+  </dgm:styleLbl>
+  <dgm:styleLbl name="asst1">
+    <dgm:fillClrLst meth="repeat">
+      <a:schemeClr val="accent1"/>
+    </dgm:fillClrLst>
+    <dgm:linClrLst meth="repeat">
+      <a:schemeClr val="lt1"/>
+    </dgm:linClrLst>
+    <dgm:effectClrLst/>
+    <dgm:txLinClrLst/>
+    <dgm:txFillClrLst/>
+    <dgm:txEffectClrLst/>
+  </dgm:styleLbl>
+  <dgm:styleLbl name="asst2">
+    <dgm:fillClrLst meth="repeat">
+      <a:schemeClr val="accent1"/>
+    </dgm:fillClrLst>
+    <dgm:linClrLst meth="repeat">
+      <a:schemeClr val="lt1"/>
+    </dgm:linClrLst>
+    <dgm:effectClrLst/>
+    <dgm:txLinClrLst/>
+    <dgm:txFillClrLst/>
+    <dgm:txEffectClrLst/>
+  </dgm:styleLbl>
+  <dgm:styleLbl name="asst3">
+    <dgm:fillClrLst meth="repeat">
+      <a:schemeClr val="accent1"/>
+    </dgm:fillClrLst>
+    <dgm:linClrLst meth="repeat">
+      <a:schemeClr val="lt1"/>
+    </dgm:linClrLst>
+    <dgm:effectClrLst/>
+    <dgm:txLinClrLst/>
+    <dgm:txFillClrLst/>
+    <dgm:txEffectClrLst/>
+  </dgm:styleLbl>
+  <dgm:styleLbl name="asst4">
+    <dgm:fillClrLst meth="repeat">
+      <a:schemeClr val="accent1"/>
+    </dgm:fillClrLst>
+    <dgm:linClrLst meth="repeat">
+      <a:schemeClr val="lt1"/>
+    </dgm:linClrLst>
+    <dgm:effectClrLst/>
+    <dgm:txLinClrLst/>
+    <dgm:txFillClrLst/>
+    <dgm:txEffectClrLst/>
+  </dgm:styleLbl>
+  <dgm:styleLbl name="parChTrans2D1">
+    <dgm:fillClrLst meth="repeat">
+      <a:schemeClr val="accent1">
+        <a:tint val="60000"/>
+      </a:schemeClr>
+    </dgm:fillClrLst>
+    <dgm:linClrLst meth="repeat">
+      <a:schemeClr val="accent1">
+        <a:tint val="60000"/>
+      </a:schemeClr>
+    </dgm:linClrLst>
+    <dgm:effectClrLst/>
+    <dgm:txLinClrLst/>
+    <dgm:txFillClrLst meth="repeat">
+      <a:schemeClr val="lt1"/>
+    </dgm:txFillClrLst>
+    <dgm:txEffectClrLst/>
+  </dgm:styleLbl>
+  <dgm:styleLbl name="parChTrans2D2">
+    <dgm:fillClrLst meth="repeat">
+      <a:schemeClr val="accent1"/>
+    </dgm:fillClrLst>
+    <dgm:linClrLst meth="repeat">
+      <a:schemeClr val="accent1"/>
+    </dgm:linClrLst>
+    <dgm:effectClrLst/>
+    <dgm:txLinClrLst/>
+    <dgm:txFillClrLst meth="repeat">
+      <a:schemeClr val="lt1"/>
+    </dgm:txFillClrLst>
+    <dgm:txEffectClrLst/>
+  </dgm:styleLbl>
+  <dgm:styleLbl name="parChTrans2D3">
+    <dgm:fillClrLst meth="repeat">
+      <a:schemeClr val="accent1"/>
+    </dgm:fillClrLst>
+    <dgm:linClrLst meth="repeat">
+      <a:schemeClr val="accent1"/>
+    </dgm:linClrLst>
+    <dgm:effectClrLst/>
+    <dgm:txLinClrLst/>
+    <dgm:txFillClrLst meth="repeat">
+      <a:schemeClr val="lt1"/>
+    </dgm:txFillClrLst>
+    <dgm:txEffectClrLst/>
+  </dgm:styleLbl>
+  <dgm:styleLbl name="parChTrans2D4">
+    <dgm:fillClrLst meth="repeat">
+      <a:schemeClr val="accent1"/>
+    </dgm:fillClrLst>
+    <dgm:linClrLst meth="repeat">
+      <a:schemeClr val="accent1"/>
+    </dgm:linClrLst>
+    <dgm:effectClrLst/>
+    <dgm:txLinClrLst/>
+    <dgm:txFillClrLst meth="repeat">
+      <a:schemeClr val="lt1"/>
+    </dgm:txFillClrLst>
+    <dgm:txEffectClrLst/>
+  </dgm:styleLbl>
+  <dgm:styleLbl name="parChTrans1D1">
+    <dgm:fillClrLst meth="repeat">
+      <a:schemeClr val="accent1"/>
+    </dgm:fillClrLst>
+    <dgm:linClrLst meth="repeat">
+      <a:schemeClr val="accent1">
+        <a:shade val="60000"/>
+      </a:schemeClr>
+    </dgm:linClrLst>
+    <dgm:effectClrLst/>
+    <dgm:txLinClrLst/>
+    <dgm:txFillClrLst meth="repeat">
+      <a:schemeClr val="tx1"/>
+    </dgm:txFillClrLst>
+    <dgm:txEffectClrLst/>
+  </dgm:styleLbl>
+  <dgm:styleLbl name="parChTrans1D2">
+    <dgm:fillClrLst meth="repeat">
+      <a:schemeClr val="accent1"/>
+    </dgm:fillClrLst>
+    <dgm:linClrLst meth="repeat">
+      <a:schemeClr val="accent1">
+        <a:shade val="60000"/>
+      </a:schemeClr>
+    </dgm:linClrLst>
+    <dgm:effectClrLst/>
+    <dgm:txLinClrLst/>
+    <dgm:txFillClrLst meth="repeat">
+      <a:schemeClr val="tx1"/>
+    </dgm:txFillClrLst>
+    <dgm:txEffectClrLst/>
+  </dgm:styleLbl>
+  <dgm:styleLbl name="parChTrans1D3">
+    <dgm:fillClrLst meth="repeat">
+      <a:schemeClr val="accent1"/>
+    </dgm:fillClrLst>
+    <dgm:linClrLst meth="repeat">
+      <a:schemeClr val="accent1">
+        <a:shade val="80000"/>
+      </a:schemeClr>
+    </dgm:linClrLst>
+    <dgm:effectClrLst/>
+    <dgm:txLinClrLst/>
+    <dgm:txFillClrLst meth="repeat">
+      <a:schemeClr val="tx1"/>
+    </dgm:txFillClrLst>
+    <dgm:txEffectClrLst/>
+  </dgm:styleLbl>
+  <dgm:styleLbl name="parChTrans1D4">
+    <dgm:fillClrLst meth="repeat">
+      <a:schemeClr val="accent1"/>
+    </dgm:fillClrLst>
+    <dgm:linClrLst meth="repeat">
+      <a:schemeClr val="accent1">
+        <a:shade val="80000"/>
+      </a:schemeClr>
+    </dgm:linClrLst>
+    <dgm:effectClrLst/>
+    <dgm:txLinClrLst/>
+    <dgm:txFillClrLst meth="repeat">
+      <a:schemeClr val="tx1"/>
+    </dgm:txFillClrLst>
+    <dgm:txEffectClrLst/>
+  </dgm:styleLbl>
+  <dgm:styleLbl name="fgAcc1">
+    <dgm:fillClrLst meth="repeat">
+      <a:schemeClr val="lt1">
+        <a:alpha val="90000"/>
+      </a:schemeClr>
+    </dgm:fillClrLst>
+    <dgm:linClrLst meth="repeat">
+      <a:schemeClr val="accent1"/>
+    </dgm:linClrLst>
+    <dgm:effectClrLst/>
+    <dgm:txLinClrLst/>
+    <dgm:txFillClrLst meth="repeat">
+      <a:schemeClr val="dk1"/>
+    </dgm:txFillClrLst>
+    <dgm:txEffectClrLst/>
+  </dgm:styleLbl>
+  <dgm:styleLbl name="conFgAcc1">
+    <dgm:fillClrLst meth="repeat">
+      <a:schemeClr val="lt1">
+        <a:alpha val="90000"/>
+      </a:schemeClr>
+    </dgm:fillClrLst>
+    <dgm:linClrLst meth="repeat">
+      <a:schemeClr val="accent1"/>
+    </dgm:linClrLst>
+    <dgm:effectClrLst/>
+    <dgm:txLinClrLst/>
+    <dgm:txFillClrLst meth="repeat">
+      <a:schemeClr val="dk1"/>
+    </dgm:txFillClrLst>
+    <dgm:txEffectClrLst/>
+  </dgm:styleLbl>
+  <dgm:styleLbl name="alignAcc1">
+    <dgm:fillClrLst meth="repeat">
+      <a:schemeClr val="lt1">
+        <a:alpha val="90000"/>
+      </a:schemeClr>
+    </dgm:fillClrLst>
+    <dgm:linClrLst meth="repeat">
+      <a:schemeClr val="accent1"/>
+    </dgm:linClrLst>
+    <dgm:effectClrLst/>
+    <dgm:txLinClrLst/>
+    <dgm:txFillClrLst meth="repeat">
+      <a:schemeClr val="dk1"/>
+    </dgm:txFillClrLst>
+    <dgm:txEffectClrLst/>
+  </dgm:styleLbl>
+  <dgm:styleLbl name="trAlignAcc1">
+    <dgm:fillClrLst meth="repeat">
+      <a:schemeClr val="lt1">
+        <a:alpha val="40000"/>
+      </a:schemeClr>
+    </dgm:fillClrLst>
+    <dgm:linClrLst meth="repeat">
+      <a:schemeClr val="accent1"/>
+    </dgm:linClrLst>
+    <dgm:effectClrLst/>
+    <dgm:txLinClrLst/>
+    <dgm:txFillClrLst meth="repeat">
+      <a:schemeClr val="dk1"/>
+    </dgm:txFillClrLst>
+    <dgm:txEffectClrLst/>
+  </dgm:styleLbl>
+  <dgm:styleLbl name="bgAcc1">
+    <dgm:fillClrLst meth="repeat">
+      <a:schemeClr val="lt1">
+        <a:alpha val="90000"/>
+      </a:schemeClr>
+    </dgm:fillClrLst>
+    <dgm:linClrLst meth="repeat">
+      <a:schemeClr val="accent1"/>
+    </dgm:linClrLst>
+    <dgm:effectClrLst/>
+    <dgm:txLinClrLst/>
+    <dgm:txFillClrLst meth="repeat">
+      <a:schemeClr val="dk1"/>
+    </dgm:txFillClrLst>
+    <dgm:txEffectClrLst/>
+  </dgm:styleLbl>
+  <dgm:styleLbl name="solidFgAcc1">
+    <dgm:fillClrLst meth="repeat">
+      <a:schemeClr val="lt1"/>
+    </dgm:fillClrLst>
+    <dgm:linClrLst meth="repeat">
+      <a:schemeClr val="accent1"/>
+    </dgm:linClrLst>
+    <dgm:effectClrLst/>
+    <dgm:txLinClrLst/>
+    <dgm:txFillClrLst meth="repeat">
+      <a:schemeClr val="dk1"/>
+    </dgm:txFillClrLst>
+    <dgm:txEffectClrLst/>
+  </dgm:styleLbl>
+  <dgm:styleLbl name="solidAlignAcc1">
+    <dgm:fillClrLst meth="repeat">
+      <a:schemeClr val="lt1"/>
+    </dgm:fillClrLst>
+    <dgm:linClrLst meth="repeat">
+      <a:schemeClr val="accent1"/>
+    </dgm:linClrLst>
+    <dgm:effectClrLst/>
+    <dgm:txLinClrLst/>
+    <dgm:txFillClrLst meth="repeat">
+      <a:schemeClr val="dk1"/>
+    </dgm:txFillClrLst>
+    <dgm:txEffectClrLst/>
+  </dgm:styleLbl>
+  <dgm:styleLbl name="solidBgAcc1">
+    <dgm:fillClrLst meth="repeat">
+      <a:schemeClr val="lt1"/>
+    </dgm:fillClrLst>
+    <dgm:linClrLst meth="repeat">
+      <a:schemeClr val="accent1"/>
+    </dgm:linClrLst>
+    <dgm:effectClrLst/>
+    <dgm:txLinClrLst/>
+    <dgm:txFillClrLst meth="repeat">
+      <a:schemeClr val="dk1"/>
+    </dgm:txFillClrLst>
+    <dgm:txEffectClrLst/>
+  </dgm:styleLbl>
+  <dgm:styleLbl name="fgAccFollowNode1">
+    <dgm:fillClrLst meth="repeat">
+      <a:schemeClr val="accent1">
+        <a:alpha val="90000"/>
+        <a:tint val="40000"/>
+      </a:schemeClr>
+    </dgm:fillClrLst>
+    <dgm:linClrLst meth="repeat">
+      <a:schemeClr val="accent1">
+        <a:alpha val="90000"/>
+        <a:tint val="40000"/>
+      </a:schemeClr>
+    </dgm:linClrLst>
+    <dgm:effectClrLst/>
+    <dgm:txLinClrLst/>
+    <dgm:txFillClrLst meth="repeat">
+      <a:schemeClr val="dk1"/>
+    </dgm:txFillClrLst>
+    <dgm:txEffectClrLst/>
+  </dgm:styleLbl>
+  <dgm:styleLbl name="alignAccFollowNode1">
+    <dgm:fillClrLst meth="repeat">
+      <a:schemeClr val="accent1">
+        <a:alpha val="90000"/>
+        <a:tint val="40000"/>
+      </a:schemeClr>
+    </dgm:fillClrLst>
+    <dgm:linClrLst meth="repeat">
+      <a:schemeClr val="accent1">
+        <a:alpha val="90000"/>
+        <a:tint val="40000"/>
+      </a:schemeClr>
+    </dgm:linClrLst>
+    <dgm:effectClrLst/>
+    <dgm:txLinClrLst/>
+    <dgm:txFillClrLst meth="repeat">
+      <a:schemeClr val="dk1"/>
+    </dgm:txFillClrLst>
+    <dgm:txEffectClrLst/>
+  </dgm:styleLbl>
+  <dgm:styleLbl name="bgAccFollowNode1">
+    <dgm:fillClrLst meth="repeat">
+      <a:schemeClr val="accent1">
+        <a:alpha val="90000"/>
+        <a:tint val="40000"/>
+      </a:schemeClr>
+    </dgm:fillClrLst>
+    <dgm:linClrLst meth="repeat">
+      <a:schemeClr val="accent1">
+        <a:alpha val="90000"/>
+        <a:tint val="40000"/>
+      </a:schemeClr>
+    </dgm:linClrLst>
+    <dgm:effectClrLst/>
+    <dgm:txLinClrLst/>
+    <dgm:txFillClrLst meth="repeat">
+      <a:schemeClr val="dk1"/>
+    </dgm:txFillClrLst>
+    <dgm:txEffectClrLst/>
+  </dgm:styleLbl>
+  <dgm:styleLbl name="fgAcc0">
+    <dgm:fillClrLst meth="repeat">
+      <a:schemeClr val="lt1">
+        <a:alpha val="90000"/>
+      </a:schemeClr>
+    </dgm:fillClrLst>
+    <dgm:linClrLst meth="repeat">
+      <a:schemeClr val="accent1"/>
+    </dgm:linClrLst>
+    <dgm:effectClrLst/>
+    <dgm:txLinClrLst/>
+    <dgm:txFillClrLst meth="repeat">
+      <a:schemeClr val="dk1"/>
+    </dgm:txFillClrLst>
+    <dgm:txEffectClrLst/>
+  </dgm:styleLbl>
+  <dgm:styleLbl name="fgAcc2">
+    <dgm:fillClrLst meth="repeat">
+      <a:schemeClr val="lt1">
+        <a:alpha val="90000"/>
+      </a:schemeClr>
+    </dgm:fillClrLst>
+    <dgm:linClrLst meth="repeat">
+      <a:schemeClr val="accent1"/>
+    </dgm:linClrLst>
+    <dgm:effectClrLst/>
+    <dgm:txLinClrLst/>
+    <dgm:txFillClrLst meth="repeat">
+      <a:schemeClr val="dk1"/>
+    </dgm:txFillClrLst>
+    <dgm:txEffectClrLst/>
+  </dgm:styleLbl>
+  <dgm:styleLbl name="fgAcc3">
+    <dgm:fillClrLst meth="repeat">
+      <a:schemeClr val="lt1">
+        <a:alpha val="90000"/>
+      </a:schemeClr>
+    </dgm:fillClrLst>
+    <dgm:linClrLst meth="repeat">
+      <a:schemeClr val="accent1"/>
+    </dgm:linClrLst>
+    <dgm:effectClrLst/>
+    <dgm:txLinClrLst/>
+    <dgm:txFillClrLst meth="repeat">
+      <a:schemeClr val="dk1"/>
+    </dgm:txFillClrLst>
+    <dgm:txEffectClrLst/>
+  </dgm:styleLbl>
+  <dgm:styleLbl name="fgAcc4">
+    <dgm:fillClrLst meth="repeat">
+      <a:schemeClr val="lt1">
+        <a:alpha val="90000"/>
+      </a:schemeClr>
+    </dgm:fillClrLst>
+    <dgm:linClrLst meth="repeat">
+      <a:schemeClr val="accent1"/>
+    </dgm:linClrLst>
+    <dgm:effectClrLst/>
+    <dgm:txLinClrLst/>
+    <dgm:txFillClrLst meth="repeat">
+      <a:schemeClr val="dk1"/>
+    </dgm:txFillClrLst>
+    <dgm:txEffectClrLst/>
+  </dgm:styleLbl>
+  <dgm:styleLbl name="bgShp">
+    <dgm:fillClrLst meth="repeat">
+      <a:schemeClr val="accent1">
+        <a:tint val="40000"/>
+      </a:schemeClr>
+    </dgm:fillClrLst>
+    <dgm:linClrLst meth="repeat">
+      <a:schemeClr val="accent1"/>
+    </dgm:linClrLst>
+    <dgm:effectClrLst/>
+    <dgm:txLinClrLst/>
+    <dgm:txFillClrLst meth="repeat">
+      <a:schemeClr val="dk1"/>
+    </dgm:txFillClrLst>
+    <dgm:txEffectClrLst/>
+  </dgm:styleLbl>
+  <dgm:styleLbl name="dkBgShp">
+    <dgm:fillClrLst meth="repeat">
+      <a:schemeClr val="accent1">
+        <a:shade val="80000"/>
+      </a:schemeClr>
+    </dgm:fillClrLst>
+    <dgm:linClrLst meth="repeat">
+      <a:schemeClr val="accent1"/>
+    </dgm:linClrLst>
+    <dgm:effectClrLst/>
+    <dgm:txLinClrLst/>
+    <dgm:txFillClrLst meth="repeat">
+      <a:schemeClr val="lt1"/>
+    </dgm:txFillClrLst>
+    <dgm:txEffectClrLst/>
+  </dgm:styleLbl>
+  <dgm:styleLbl name="trBgShp">
+    <dgm:fillClrLst meth="repeat">
+      <a:schemeClr val="accent1">
+        <a:tint val="50000"/>
+        <a:alpha val="40000"/>
+      </a:schemeClr>
+    </dgm:fillClrLst>
+    <dgm:linClrLst meth="repeat">
+      <a:schemeClr val="accent1"/>
+    </dgm:linClrLst>
+    <dgm:effectClrLst/>
+    <dgm:txLinClrLst/>
+    <dgm:txFillClrLst meth="repeat">
+      <a:schemeClr val="lt1"/>
+    </dgm:txFillClrLst>
+    <dgm:txEffectClrLst/>
+  </dgm:styleLbl>
+  <dgm:styleLbl name="fgShp">
+    <dgm:fillClrLst meth="repeat">
+      <a:schemeClr val="accent1">
+        <a:tint val="60000"/>
       </a:schemeClr>
     </dgm:fillClrLst>
     <dgm:linClrLst meth="repeat">
@@ -1434,6 +2182,657 @@
     <dgm:cxn modelId="{B8069896-2802-4215-BB82-8D6439192D94}" type="presParOf" srcId="{8611FEB5-C37B-4DA1-B20D-081E56A5AA98}" destId="{AF07DC48-9CD1-459B-944C-7726ED4F0B02}" srcOrd="7" destOrd="0" presId="urn:microsoft.com/office/officeart/2008/layout/VerticalCurvedList"/>
     <dgm:cxn modelId="{0D40288A-60DA-441E-910C-EE3505AF285D}" type="presParOf" srcId="{8611FEB5-C37B-4DA1-B20D-081E56A5AA98}" destId="{89992808-E607-40D8-B2E0-938838AFB9DE}" srcOrd="8" destOrd="0" presId="urn:microsoft.com/office/officeart/2008/layout/VerticalCurvedList"/>
     <dgm:cxn modelId="{6E73D8CA-F276-4C38-A5FA-23655DC3F662}" type="presParOf" srcId="{89992808-E607-40D8-B2E0-938838AFB9DE}" destId="{0BD37DC7-0BE9-4121-B95C-90606C45BD74}" srcOrd="0" destOrd="0" presId="urn:microsoft.com/office/officeart/2008/layout/VerticalCurvedList"/>
+  </dgm:cxnLst>
+  <dgm:bg/>
+  <dgm:whole/>
+  <dgm:extLst>
+    <a:ext uri="http://schemas.microsoft.com/office/drawing/2008/diagram">
+      <dsp:dataModelExt xmlns:dsp="http://schemas.microsoft.com/office/drawing/2008/diagram" relId="rId6" minVer="http://schemas.openxmlformats.org/drawingml/2006/diagram"/>
+    </a:ext>
+  </dgm:extLst>
+</dgm:dataModel>
+</file>
+
+<file path=ppt/diagrams/data2.xml><?xml version="1.0" encoding="utf-8"?>
+<dgm:dataModel xmlns:dgm="http://schemas.openxmlformats.org/drawingml/2006/diagram" xmlns:a="http://schemas.openxmlformats.org/drawingml/2006/main">
+  <dgm:ptLst>
+    <dgm:pt modelId="{AF75B34D-D82E-46B4-B02E-FA0976065162}" type="doc">
+      <dgm:prSet loTypeId="urn:microsoft.com/office/officeart/2005/8/layout/hList1" loCatId="list" qsTypeId="urn:microsoft.com/office/officeart/2005/8/quickstyle/simple3" qsCatId="simple" csTypeId="urn:microsoft.com/office/officeart/2005/8/colors/accent1_2" csCatId="accent1" phldr="1"/>
+      <dgm:spPr/>
+      <dgm:t>
+        <a:bodyPr/>
+        <a:lstStyle/>
+        <a:p>
+          <a:endParaRPr lang="ru-RU"/>
+        </a:p>
+      </dgm:t>
+    </dgm:pt>
+    <dgm:pt modelId="{87769088-8CC0-4C27-938A-3ED153DCF763}">
+      <dgm:prSet phldrT="[Текст]" custT="1">
+        <dgm:style>
+          <a:lnRef idx="2">
+            <a:schemeClr val="accent1"/>
+          </a:lnRef>
+          <a:fillRef idx="1">
+            <a:schemeClr val="lt1"/>
+          </a:fillRef>
+          <a:effectRef idx="0">
+            <a:schemeClr val="accent1"/>
+          </a:effectRef>
+          <a:fontRef idx="minor">
+            <a:schemeClr val="dk1"/>
+          </a:fontRef>
+        </dgm:style>
+      </dgm:prSet>
+      <dgm:spPr/>
+      <dgm:t>
+        <a:bodyPr/>
+        <a:lstStyle/>
+        <a:p>
+          <a:r>
+            <a:rPr lang="ru-RU" sz="2400" dirty="0"/>
+            <a:t>Лабораторные работы</a:t>
+          </a:r>
+        </a:p>
+      </dgm:t>
+    </dgm:pt>
+    <dgm:pt modelId="{DB33B7FF-259B-43FC-81D3-1C2A9087382B}" type="parTrans" cxnId="{4B4CA84D-E26B-4926-BDDD-4296BB933927}">
+      <dgm:prSet/>
+      <dgm:spPr/>
+      <dgm:t>
+        <a:bodyPr/>
+        <a:lstStyle/>
+        <a:p>
+          <a:endParaRPr lang="ru-RU" sz="2400"/>
+        </a:p>
+      </dgm:t>
+    </dgm:pt>
+    <dgm:pt modelId="{767770E6-99E9-4AD7-B593-2ECDFF6D0C83}" type="sibTrans" cxnId="{4B4CA84D-E26B-4926-BDDD-4296BB933927}">
+      <dgm:prSet/>
+      <dgm:spPr/>
+      <dgm:t>
+        <a:bodyPr/>
+        <a:lstStyle/>
+        <a:p>
+          <a:endParaRPr lang="ru-RU" sz="2400"/>
+        </a:p>
+      </dgm:t>
+    </dgm:pt>
+    <dgm:pt modelId="{33488E82-86D4-4F10-BF52-B22A968C501F}">
+      <dgm:prSet phldrT="[Текст]" custT="1"/>
+      <dgm:spPr/>
+      <dgm:t>
+        <a:bodyPr/>
+        <a:lstStyle/>
+        <a:p>
+          <a:r>
+            <a:rPr lang="ru-RU" sz="2400" dirty="0"/>
+            <a:t>Техническое обслуживание робота</a:t>
+          </a:r>
+        </a:p>
+      </dgm:t>
+    </dgm:pt>
+    <dgm:pt modelId="{12EFDDED-5DBB-45AB-9EE2-95467809C35F}" type="parTrans" cxnId="{FB3DE1B8-E155-4891-9254-8899E44F9348}">
+      <dgm:prSet/>
+      <dgm:spPr/>
+      <dgm:t>
+        <a:bodyPr/>
+        <a:lstStyle/>
+        <a:p>
+          <a:endParaRPr lang="ru-RU" sz="2400"/>
+        </a:p>
+      </dgm:t>
+    </dgm:pt>
+    <dgm:pt modelId="{993E2AFC-65E4-4CED-B7AD-00EFC0490275}" type="sibTrans" cxnId="{FB3DE1B8-E155-4891-9254-8899E44F9348}">
+      <dgm:prSet/>
+      <dgm:spPr/>
+      <dgm:t>
+        <a:bodyPr/>
+        <a:lstStyle/>
+        <a:p>
+          <a:endParaRPr lang="ru-RU" sz="2400"/>
+        </a:p>
+      </dgm:t>
+    </dgm:pt>
+    <dgm:pt modelId="{C1D1B5B7-6B99-4863-BE32-0F98754F58CC}">
+      <dgm:prSet phldrT="[Текст]" custT="1"/>
+      <dgm:spPr/>
+      <dgm:t>
+        <a:bodyPr/>
+        <a:lstStyle/>
+        <a:p>
+          <a:r>
+            <a:rPr lang="ru-RU" sz="2400" dirty="0"/>
+            <a:t>Использование базового функционала</a:t>
+          </a:r>
+        </a:p>
+      </dgm:t>
+    </dgm:pt>
+    <dgm:pt modelId="{2634DBD0-D529-42E4-ACF6-09355EAA11B5}" type="parTrans" cxnId="{E2A3F1E5-9474-4210-883D-3B3A6C7AF7FF}">
+      <dgm:prSet/>
+      <dgm:spPr/>
+      <dgm:t>
+        <a:bodyPr/>
+        <a:lstStyle/>
+        <a:p>
+          <a:endParaRPr lang="ru-RU" sz="2400"/>
+        </a:p>
+      </dgm:t>
+    </dgm:pt>
+    <dgm:pt modelId="{AD47B22D-1A55-485A-B664-A06C27C9D38E}" type="sibTrans" cxnId="{E2A3F1E5-9474-4210-883D-3B3A6C7AF7FF}">
+      <dgm:prSet/>
+      <dgm:spPr/>
+      <dgm:t>
+        <a:bodyPr/>
+        <a:lstStyle/>
+        <a:p>
+          <a:endParaRPr lang="ru-RU" sz="2400"/>
+        </a:p>
+      </dgm:t>
+    </dgm:pt>
+    <dgm:pt modelId="{1932C84E-0F41-4011-92DB-8A277EF092E6}">
+      <dgm:prSet phldrT="[Текст]" custT="1">
+        <dgm:style>
+          <a:lnRef idx="2">
+            <a:schemeClr val="accent1"/>
+          </a:lnRef>
+          <a:fillRef idx="1">
+            <a:schemeClr val="lt1"/>
+          </a:fillRef>
+          <a:effectRef idx="0">
+            <a:schemeClr val="accent1"/>
+          </a:effectRef>
+          <a:fontRef idx="minor">
+            <a:schemeClr val="dk1"/>
+          </a:fontRef>
+        </dgm:style>
+      </dgm:prSet>
+      <dgm:spPr/>
+      <dgm:t>
+        <a:bodyPr/>
+        <a:lstStyle/>
+        <a:p>
+          <a:r>
+            <a:rPr lang="ru-RU" sz="2400" dirty="0"/>
+            <a:t>Методические указания</a:t>
+          </a:r>
+        </a:p>
+      </dgm:t>
+    </dgm:pt>
+    <dgm:pt modelId="{3D8CB81F-302F-4C3A-B48E-9C59D558C28E}" type="parTrans" cxnId="{A2370234-2775-4B8E-9631-AD0AFA489D0F}">
+      <dgm:prSet/>
+      <dgm:spPr/>
+      <dgm:t>
+        <a:bodyPr/>
+        <a:lstStyle/>
+        <a:p>
+          <a:endParaRPr lang="ru-RU" sz="2400"/>
+        </a:p>
+      </dgm:t>
+    </dgm:pt>
+    <dgm:pt modelId="{5E572F8C-203E-473C-873B-B74BDD31C896}" type="sibTrans" cxnId="{A2370234-2775-4B8E-9631-AD0AFA489D0F}">
+      <dgm:prSet/>
+      <dgm:spPr/>
+      <dgm:t>
+        <a:bodyPr/>
+        <a:lstStyle/>
+        <a:p>
+          <a:endParaRPr lang="ru-RU" sz="2400"/>
+        </a:p>
+      </dgm:t>
+    </dgm:pt>
+    <dgm:pt modelId="{1C611B4E-C4C8-4A7E-AEE1-DEAD80350F8B}">
+      <dgm:prSet phldrT="[Текст]" custT="1"/>
+      <dgm:spPr/>
+      <dgm:t>
+        <a:bodyPr/>
+        <a:lstStyle/>
+        <a:p>
+          <a:r>
+            <a:rPr lang="ru-RU" sz="2400" dirty="0"/>
+            <a:t>Работа с аппаратными элементами</a:t>
+          </a:r>
+        </a:p>
+      </dgm:t>
+    </dgm:pt>
+    <dgm:pt modelId="{6E550464-B3E4-433A-BC15-65C1684AD0A2}" type="parTrans" cxnId="{FC6AB48C-23DE-44FB-BDF8-1251CA37A3CA}">
+      <dgm:prSet/>
+      <dgm:spPr/>
+      <dgm:t>
+        <a:bodyPr/>
+        <a:lstStyle/>
+        <a:p>
+          <a:endParaRPr lang="ru-RU" sz="2400"/>
+        </a:p>
+      </dgm:t>
+    </dgm:pt>
+    <dgm:pt modelId="{6A22E90F-323C-4215-AFF9-C037394D96FD}" type="sibTrans" cxnId="{FC6AB48C-23DE-44FB-BDF8-1251CA37A3CA}">
+      <dgm:prSet/>
+      <dgm:spPr/>
+      <dgm:t>
+        <a:bodyPr/>
+        <a:lstStyle/>
+        <a:p>
+          <a:endParaRPr lang="ru-RU" sz="2400"/>
+        </a:p>
+      </dgm:t>
+    </dgm:pt>
+    <dgm:pt modelId="{7727D466-DBCB-4ED1-BD1D-6C76B83E779B}">
+      <dgm:prSet phldrT="[Текст]" custT="1">
+        <dgm:style>
+          <a:lnRef idx="2">
+            <a:schemeClr val="accent1"/>
+          </a:lnRef>
+          <a:fillRef idx="1">
+            <a:schemeClr val="lt1"/>
+          </a:fillRef>
+          <a:effectRef idx="0">
+            <a:schemeClr val="accent1"/>
+          </a:effectRef>
+          <a:fontRef idx="minor">
+            <a:schemeClr val="dk1"/>
+          </a:fontRef>
+        </dgm:style>
+      </dgm:prSet>
+      <dgm:spPr/>
+      <dgm:t>
+        <a:bodyPr/>
+        <a:lstStyle/>
+        <a:p>
+          <a:r>
+            <a:rPr lang="ru-RU" sz="2400" dirty="0"/>
+            <a:t>Исходный </a:t>
+          </a:r>
+          <a:br>
+            <a:rPr lang="ru-RU" sz="2400" dirty="0"/>
+          </a:br>
+          <a:r>
+            <a:rPr lang="ru-RU" sz="2400" dirty="0"/>
+            <a:t>код</a:t>
+          </a:r>
+        </a:p>
+      </dgm:t>
+    </dgm:pt>
+    <dgm:pt modelId="{7A1F40BD-E397-4EC0-94CF-9B098B5431F6}" type="parTrans" cxnId="{7592D2CA-434A-450F-A518-16772FF1AFDE}">
+      <dgm:prSet/>
+      <dgm:spPr/>
+      <dgm:t>
+        <a:bodyPr/>
+        <a:lstStyle/>
+        <a:p>
+          <a:endParaRPr lang="ru-RU" sz="2400"/>
+        </a:p>
+      </dgm:t>
+    </dgm:pt>
+    <dgm:pt modelId="{16666D07-3A73-4411-8244-03680033E83D}" type="sibTrans" cxnId="{7592D2CA-434A-450F-A518-16772FF1AFDE}">
+      <dgm:prSet/>
+      <dgm:spPr/>
+      <dgm:t>
+        <a:bodyPr/>
+        <a:lstStyle/>
+        <a:p>
+          <a:endParaRPr lang="ru-RU" sz="2400"/>
+        </a:p>
+      </dgm:t>
+    </dgm:pt>
+    <dgm:pt modelId="{2E32F210-D296-40F7-8FA5-48BD69D7B8BB}">
+      <dgm:prSet phldrT="[Текст]" custT="1"/>
+      <dgm:spPr/>
+      <dgm:t>
+        <a:bodyPr/>
+        <a:lstStyle/>
+        <a:p>
+          <a:r>
+            <a:rPr lang="ru-RU" sz="2400" dirty="0"/>
+            <a:t>Используемые пакеты </a:t>
+          </a:r>
+          <a:r>
+            <a:rPr lang="en-US" sz="2400" dirty="0"/>
+            <a:t>ROS2</a:t>
+          </a:r>
+          <a:endParaRPr lang="ru-RU" sz="2400" dirty="0"/>
+        </a:p>
+      </dgm:t>
+    </dgm:pt>
+    <dgm:pt modelId="{7F3AEBEB-F761-4A02-ABE7-5A3C8C83FC31}" type="parTrans" cxnId="{A91C180F-5F6C-47FA-939F-E0A55D3897D5}">
+      <dgm:prSet/>
+      <dgm:spPr/>
+      <dgm:t>
+        <a:bodyPr/>
+        <a:lstStyle/>
+        <a:p>
+          <a:endParaRPr lang="ru-RU" sz="2400"/>
+        </a:p>
+      </dgm:t>
+    </dgm:pt>
+    <dgm:pt modelId="{81FF575E-1269-45EF-8A08-188D46752D39}" type="sibTrans" cxnId="{A91C180F-5F6C-47FA-939F-E0A55D3897D5}">
+      <dgm:prSet/>
+      <dgm:spPr/>
+      <dgm:t>
+        <a:bodyPr/>
+        <a:lstStyle/>
+        <a:p>
+          <a:endParaRPr lang="ru-RU" sz="2400"/>
+        </a:p>
+      </dgm:t>
+    </dgm:pt>
+    <dgm:pt modelId="{E3D8DA10-98F3-452B-9FF6-5D55A181B690}">
+      <dgm:prSet phldrT="[Текст]" custT="1"/>
+      <dgm:spPr/>
+      <dgm:t>
+        <a:bodyPr/>
+        <a:lstStyle/>
+        <a:p>
+          <a:r>
+            <a:rPr lang="ru-RU" sz="2400" dirty="0"/>
+            <a:t>Прошивка </a:t>
+          </a:r>
+          <a:r>
+            <a:rPr lang="en-US" sz="2400" dirty="0"/>
+            <a:t>STM32</a:t>
+          </a:r>
+          <a:endParaRPr lang="ru-RU" sz="2400" dirty="0"/>
+        </a:p>
+      </dgm:t>
+    </dgm:pt>
+    <dgm:pt modelId="{881CEC65-E23D-4AEB-B258-98CB81554571}" type="parTrans" cxnId="{429F2189-30FC-4209-804B-5D671E82A9E1}">
+      <dgm:prSet/>
+      <dgm:spPr/>
+      <dgm:t>
+        <a:bodyPr/>
+        <a:lstStyle/>
+        <a:p>
+          <a:endParaRPr lang="ru-RU" sz="2400"/>
+        </a:p>
+      </dgm:t>
+    </dgm:pt>
+    <dgm:pt modelId="{A1E9ECC6-4723-4B2A-AAC1-48AE8EC39DA2}" type="sibTrans" cxnId="{429F2189-30FC-4209-804B-5D671E82A9E1}">
+      <dgm:prSet/>
+      <dgm:spPr/>
+      <dgm:t>
+        <a:bodyPr/>
+        <a:lstStyle/>
+        <a:p>
+          <a:endParaRPr lang="ru-RU" sz="2400"/>
+        </a:p>
+      </dgm:t>
+    </dgm:pt>
+    <dgm:pt modelId="{28567FDF-255B-4736-A569-C0B90627C3AC}">
+      <dgm:prSet phldrT="[Текст]" custT="1"/>
+      <dgm:spPr/>
+      <dgm:t>
+        <a:bodyPr/>
+        <a:lstStyle/>
+        <a:p>
+          <a:r>
+            <a:rPr lang="ru-RU" sz="2400" dirty="0"/>
+            <a:t>Реализация автономной навигации</a:t>
+          </a:r>
+        </a:p>
+      </dgm:t>
+    </dgm:pt>
+    <dgm:pt modelId="{9A95207B-F009-4932-834D-CE30145601A2}" type="parTrans" cxnId="{9ACAC082-CA2A-4A2E-918D-28BD447FB6D3}">
+      <dgm:prSet/>
+      <dgm:spPr/>
+      <dgm:t>
+        <a:bodyPr/>
+        <a:lstStyle/>
+        <a:p>
+          <a:endParaRPr lang="ru-RU"/>
+        </a:p>
+      </dgm:t>
+    </dgm:pt>
+    <dgm:pt modelId="{21F61D4B-4613-4BBB-8DFC-7D9331DB23D5}" type="sibTrans" cxnId="{9ACAC082-CA2A-4A2E-918D-28BD447FB6D3}">
+      <dgm:prSet/>
+      <dgm:spPr/>
+      <dgm:t>
+        <a:bodyPr/>
+        <a:lstStyle/>
+        <a:p>
+          <a:endParaRPr lang="ru-RU"/>
+        </a:p>
+      </dgm:t>
+    </dgm:pt>
+    <dgm:pt modelId="{AE30760D-45CE-4B6B-B8CA-D4A09C1185F7}">
+      <dgm:prSet phldrT="[Текст]" custT="1"/>
+      <dgm:spPr/>
+      <dgm:t>
+        <a:bodyPr/>
+        <a:lstStyle/>
+        <a:p>
+          <a:r>
+            <a:rPr lang="ru-RU" sz="2400" dirty="0"/>
+            <a:t>Работа с программными элементами</a:t>
+          </a:r>
+        </a:p>
+      </dgm:t>
+    </dgm:pt>
+    <dgm:pt modelId="{6963EFF7-25AE-4CEB-BAA1-529CCEA3F882}" type="parTrans" cxnId="{607BDB92-09CC-41AC-8CBB-368037F3500D}">
+      <dgm:prSet/>
+      <dgm:spPr/>
+      <dgm:t>
+        <a:bodyPr/>
+        <a:lstStyle/>
+        <a:p>
+          <a:endParaRPr lang="ru-RU"/>
+        </a:p>
+      </dgm:t>
+    </dgm:pt>
+    <dgm:pt modelId="{88D3166F-F249-45CE-A013-BBE60B4B7328}" type="sibTrans" cxnId="{607BDB92-09CC-41AC-8CBB-368037F3500D}">
+      <dgm:prSet/>
+      <dgm:spPr/>
+      <dgm:t>
+        <a:bodyPr/>
+        <a:lstStyle/>
+        <a:p>
+          <a:endParaRPr lang="ru-RU"/>
+        </a:p>
+      </dgm:t>
+    </dgm:pt>
+    <dgm:pt modelId="{C9ABFF2E-2D9B-4AD2-A697-13FADEE0C477}">
+      <dgm:prSet phldrT="[Текст]" custT="1"/>
+      <dgm:spPr/>
+      <dgm:t>
+        <a:bodyPr/>
+        <a:lstStyle/>
+        <a:p>
+          <a:r>
+            <a:rPr lang="ru-RU" sz="2400" dirty="0"/>
+            <a:t>Изучение фреймворка </a:t>
+          </a:r>
+          <a:r>
+            <a:rPr lang="en-US" sz="2400" dirty="0"/>
+            <a:t>ROS2</a:t>
+          </a:r>
+          <a:endParaRPr lang="ru-RU" sz="2400" dirty="0"/>
+        </a:p>
+      </dgm:t>
+    </dgm:pt>
+    <dgm:pt modelId="{CD93CCEA-CD2F-4F56-9044-B6D2AB5984A8}" type="parTrans" cxnId="{7B0B3537-8AE9-4A9F-8BB9-DC0D73FFD865}">
+      <dgm:prSet/>
+      <dgm:spPr/>
+      <dgm:t>
+        <a:bodyPr/>
+        <a:lstStyle/>
+        <a:p>
+          <a:endParaRPr lang="ru-RU"/>
+        </a:p>
+      </dgm:t>
+    </dgm:pt>
+    <dgm:pt modelId="{B4D70E1D-375E-4272-8483-0BD7505EDB6F}" type="sibTrans" cxnId="{7B0B3537-8AE9-4A9F-8BB9-DC0D73FFD865}">
+      <dgm:prSet/>
+      <dgm:spPr/>
+      <dgm:t>
+        <a:bodyPr/>
+        <a:lstStyle/>
+        <a:p>
+          <a:endParaRPr lang="ru-RU"/>
+        </a:p>
+      </dgm:t>
+    </dgm:pt>
+    <dgm:pt modelId="{09B3DBB4-A848-4874-8DF7-6B6B8822E018}">
+      <dgm:prSet phldrT="[Текст]" custT="1"/>
+      <dgm:spPr/>
+      <dgm:t>
+        <a:bodyPr/>
+        <a:lstStyle/>
+        <a:p>
+          <a:r>
+            <a:rPr lang="ru-RU" sz="2400" dirty="0"/>
+            <a:t>Скрипты для </a:t>
+          </a:r>
+          <a:r>
+            <a:rPr lang="en-US" sz="2400" dirty="0"/>
+            <a:t>Linux</a:t>
+          </a:r>
+          <a:endParaRPr lang="ru-RU" sz="2400" dirty="0"/>
+        </a:p>
+      </dgm:t>
+    </dgm:pt>
+    <dgm:pt modelId="{3E788A39-E89F-4544-BBEE-E5690071E6BE}" type="parTrans" cxnId="{7B65AC17-036D-4E6C-A6E7-7A74DE86A6AA}">
+      <dgm:prSet/>
+      <dgm:spPr/>
+      <dgm:t>
+        <a:bodyPr/>
+        <a:lstStyle/>
+        <a:p>
+          <a:endParaRPr lang="ru-RU"/>
+        </a:p>
+      </dgm:t>
+    </dgm:pt>
+    <dgm:pt modelId="{12E6D4D7-4735-4DCD-86EE-FE2772EAE7BE}" type="sibTrans" cxnId="{7B65AC17-036D-4E6C-A6E7-7A74DE86A6AA}">
+      <dgm:prSet/>
+      <dgm:spPr/>
+      <dgm:t>
+        <a:bodyPr/>
+        <a:lstStyle/>
+        <a:p>
+          <a:endParaRPr lang="ru-RU"/>
+        </a:p>
+      </dgm:t>
+    </dgm:pt>
+    <dgm:pt modelId="{68DEFAE9-01F9-499F-9E3E-DF2501F54B3E}" type="pres">
+      <dgm:prSet presAssocID="{AF75B34D-D82E-46B4-B02E-FA0976065162}" presName="Name0" presStyleCnt="0">
+        <dgm:presLayoutVars>
+          <dgm:dir/>
+          <dgm:animLvl val="lvl"/>
+          <dgm:resizeHandles val="exact"/>
+        </dgm:presLayoutVars>
+      </dgm:prSet>
+      <dgm:spPr/>
+    </dgm:pt>
+    <dgm:pt modelId="{F63BF8B3-255F-4ADE-93F7-8D5A6213F871}" type="pres">
+      <dgm:prSet presAssocID="{87769088-8CC0-4C27-938A-3ED153DCF763}" presName="composite" presStyleCnt="0"/>
+      <dgm:spPr/>
+    </dgm:pt>
+    <dgm:pt modelId="{92743DE3-9C2C-4E9F-92D3-30D748DC1BAA}" type="pres">
+      <dgm:prSet presAssocID="{87769088-8CC0-4C27-938A-3ED153DCF763}" presName="parTx" presStyleLbl="alignNode1" presStyleIdx="0" presStyleCnt="3">
+        <dgm:presLayoutVars>
+          <dgm:chMax val="0"/>
+          <dgm:chPref val="0"/>
+          <dgm:bulletEnabled val="1"/>
+        </dgm:presLayoutVars>
+      </dgm:prSet>
+      <dgm:spPr/>
+    </dgm:pt>
+    <dgm:pt modelId="{D2F628E4-8B0F-416E-AF73-C583872C1A43}" type="pres">
+      <dgm:prSet presAssocID="{87769088-8CC0-4C27-938A-3ED153DCF763}" presName="desTx" presStyleLbl="alignAccFollowNode1" presStyleIdx="0" presStyleCnt="3">
+        <dgm:presLayoutVars>
+          <dgm:bulletEnabled val="1"/>
+        </dgm:presLayoutVars>
+      </dgm:prSet>
+      <dgm:spPr/>
+    </dgm:pt>
+    <dgm:pt modelId="{C13313F1-A245-407C-AF56-24768DFC5AE0}" type="pres">
+      <dgm:prSet presAssocID="{767770E6-99E9-4AD7-B593-2ECDFF6D0C83}" presName="space" presStyleCnt="0"/>
+      <dgm:spPr/>
+    </dgm:pt>
+    <dgm:pt modelId="{DC8BBF9C-3BF1-4F01-A2C8-E3707A04F125}" type="pres">
+      <dgm:prSet presAssocID="{1932C84E-0F41-4011-92DB-8A277EF092E6}" presName="composite" presStyleCnt="0"/>
+      <dgm:spPr/>
+    </dgm:pt>
+    <dgm:pt modelId="{E1CE32AD-A840-48ED-A2F8-9EDA30865FAC}" type="pres">
+      <dgm:prSet presAssocID="{1932C84E-0F41-4011-92DB-8A277EF092E6}" presName="parTx" presStyleLbl="alignNode1" presStyleIdx="1" presStyleCnt="3">
+        <dgm:presLayoutVars>
+          <dgm:chMax val="0"/>
+          <dgm:chPref val="0"/>
+          <dgm:bulletEnabled val="1"/>
+        </dgm:presLayoutVars>
+      </dgm:prSet>
+      <dgm:spPr/>
+    </dgm:pt>
+    <dgm:pt modelId="{1351AEA7-8986-4F6D-86B9-9C41C467D933}" type="pres">
+      <dgm:prSet presAssocID="{1932C84E-0F41-4011-92DB-8A277EF092E6}" presName="desTx" presStyleLbl="alignAccFollowNode1" presStyleIdx="1" presStyleCnt="3">
+        <dgm:presLayoutVars>
+          <dgm:bulletEnabled val="1"/>
+        </dgm:presLayoutVars>
+      </dgm:prSet>
+      <dgm:spPr/>
+    </dgm:pt>
+    <dgm:pt modelId="{23DCB3C6-DEB7-4AB8-8B36-CE0AA90C4C23}" type="pres">
+      <dgm:prSet presAssocID="{5E572F8C-203E-473C-873B-B74BDD31C896}" presName="space" presStyleCnt="0"/>
+      <dgm:spPr/>
+    </dgm:pt>
+    <dgm:pt modelId="{060A788D-F012-4999-8575-D988F6E9CD04}" type="pres">
+      <dgm:prSet presAssocID="{7727D466-DBCB-4ED1-BD1D-6C76B83E779B}" presName="composite" presStyleCnt="0"/>
+      <dgm:spPr/>
+    </dgm:pt>
+    <dgm:pt modelId="{3D9FD84C-2C67-43EB-AF44-93C14BAADFBA}" type="pres">
+      <dgm:prSet presAssocID="{7727D466-DBCB-4ED1-BD1D-6C76B83E779B}" presName="parTx" presStyleLbl="alignNode1" presStyleIdx="2" presStyleCnt="3">
+        <dgm:presLayoutVars>
+          <dgm:chMax val="0"/>
+          <dgm:chPref val="0"/>
+          <dgm:bulletEnabled val="1"/>
+        </dgm:presLayoutVars>
+      </dgm:prSet>
+      <dgm:spPr/>
+    </dgm:pt>
+    <dgm:pt modelId="{168B7AE6-721C-42EF-9C56-FA78BB37836E}" type="pres">
+      <dgm:prSet presAssocID="{7727D466-DBCB-4ED1-BD1D-6C76B83E779B}" presName="desTx" presStyleLbl="alignAccFollowNode1" presStyleIdx="2" presStyleCnt="3">
+        <dgm:presLayoutVars>
+          <dgm:bulletEnabled val="1"/>
+        </dgm:presLayoutVars>
+      </dgm:prSet>
+      <dgm:spPr/>
+    </dgm:pt>
+  </dgm:ptLst>
+  <dgm:cxnLst>
+    <dgm:cxn modelId="{BE00260E-9417-451A-A35D-04E218888891}" type="presOf" srcId="{7727D466-DBCB-4ED1-BD1D-6C76B83E779B}" destId="{3D9FD84C-2C67-43EB-AF44-93C14BAADFBA}" srcOrd="0" destOrd="0" presId="urn:microsoft.com/office/officeart/2005/8/layout/hList1"/>
+    <dgm:cxn modelId="{A91C180F-5F6C-47FA-939F-E0A55D3897D5}" srcId="{7727D466-DBCB-4ED1-BD1D-6C76B83E779B}" destId="{2E32F210-D296-40F7-8FA5-48BD69D7B8BB}" srcOrd="0" destOrd="0" parTransId="{7F3AEBEB-F761-4A02-ABE7-5A3C8C83FC31}" sibTransId="{81FF575E-1269-45EF-8A08-188D46752D39}"/>
+    <dgm:cxn modelId="{8CC9E316-187C-4256-85D7-0613D8BAA032}" type="presOf" srcId="{C9ABFF2E-2D9B-4AD2-A697-13FADEE0C477}" destId="{1351AEA7-8986-4F6D-86B9-9C41C467D933}" srcOrd="0" destOrd="2" presId="urn:microsoft.com/office/officeart/2005/8/layout/hList1"/>
+    <dgm:cxn modelId="{7B65AC17-036D-4E6C-A6E7-7A74DE86A6AA}" srcId="{7727D466-DBCB-4ED1-BD1D-6C76B83E779B}" destId="{09B3DBB4-A848-4874-8DF7-6B6B8822E018}" srcOrd="2" destOrd="0" parTransId="{3E788A39-E89F-4544-BBEE-E5690071E6BE}" sibTransId="{12E6D4D7-4735-4DCD-86EE-FE2772EAE7BE}"/>
+    <dgm:cxn modelId="{A2370234-2775-4B8E-9631-AD0AFA489D0F}" srcId="{AF75B34D-D82E-46B4-B02E-FA0976065162}" destId="{1932C84E-0F41-4011-92DB-8A277EF092E6}" srcOrd="1" destOrd="0" parTransId="{3D8CB81F-302F-4C3A-B48E-9C59D558C28E}" sibTransId="{5E572F8C-203E-473C-873B-B74BDD31C896}"/>
+    <dgm:cxn modelId="{7B0B3537-8AE9-4A9F-8BB9-DC0D73FFD865}" srcId="{1932C84E-0F41-4011-92DB-8A277EF092E6}" destId="{C9ABFF2E-2D9B-4AD2-A697-13FADEE0C477}" srcOrd="2" destOrd="0" parTransId="{CD93CCEA-CD2F-4F56-9044-B6D2AB5984A8}" sibTransId="{B4D70E1D-375E-4272-8483-0BD7505EDB6F}"/>
+    <dgm:cxn modelId="{11B87838-B3D2-4254-88CB-A28B85695A3F}" type="presOf" srcId="{28567FDF-255B-4736-A569-C0B90627C3AC}" destId="{D2F628E4-8B0F-416E-AF73-C583872C1A43}" srcOrd="0" destOrd="2" presId="urn:microsoft.com/office/officeart/2005/8/layout/hList1"/>
+    <dgm:cxn modelId="{1A792B4B-7F4D-4EA0-9B93-51479A81993D}" type="presOf" srcId="{09B3DBB4-A848-4874-8DF7-6B6B8822E018}" destId="{168B7AE6-721C-42EF-9C56-FA78BB37836E}" srcOrd="0" destOrd="2" presId="urn:microsoft.com/office/officeart/2005/8/layout/hList1"/>
+    <dgm:cxn modelId="{4B4CA84D-E26B-4926-BDDD-4296BB933927}" srcId="{AF75B34D-D82E-46B4-B02E-FA0976065162}" destId="{87769088-8CC0-4C27-938A-3ED153DCF763}" srcOrd="0" destOrd="0" parTransId="{DB33B7FF-259B-43FC-81D3-1C2A9087382B}" sibTransId="{767770E6-99E9-4AD7-B593-2ECDFF6D0C83}"/>
+    <dgm:cxn modelId="{39EE2753-FF67-4C72-8A6B-930E1000E3E7}" type="presOf" srcId="{2E32F210-D296-40F7-8FA5-48BD69D7B8BB}" destId="{168B7AE6-721C-42EF-9C56-FA78BB37836E}" srcOrd="0" destOrd="0" presId="urn:microsoft.com/office/officeart/2005/8/layout/hList1"/>
+    <dgm:cxn modelId="{9ACAC082-CA2A-4A2E-918D-28BD447FB6D3}" srcId="{87769088-8CC0-4C27-938A-3ED153DCF763}" destId="{28567FDF-255B-4736-A569-C0B90627C3AC}" srcOrd="2" destOrd="0" parTransId="{9A95207B-F009-4932-834D-CE30145601A2}" sibTransId="{21F61D4B-4613-4BBB-8DFC-7D9331DB23D5}"/>
+    <dgm:cxn modelId="{429F2189-30FC-4209-804B-5D671E82A9E1}" srcId="{7727D466-DBCB-4ED1-BD1D-6C76B83E779B}" destId="{E3D8DA10-98F3-452B-9FF6-5D55A181B690}" srcOrd="1" destOrd="0" parTransId="{881CEC65-E23D-4AEB-B258-98CB81554571}" sibTransId="{A1E9ECC6-4723-4B2A-AAC1-48AE8EC39DA2}"/>
+    <dgm:cxn modelId="{B9486A8A-814B-4C70-9C15-218B77A69070}" type="presOf" srcId="{87769088-8CC0-4C27-938A-3ED153DCF763}" destId="{92743DE3-9C2C-4E9F-92D3-30D748DC1BAA}" srcOrd="0" destOrd="0" presId="urn:microsoft.com/office/officeart/2005/8/layout/hList1"/>
+    <dgm:cxn modelId="{FC6AB48C-23DE-44FB-BDF8-1251CA37A3CA}" srcId="{1932C84E-0F41-4011-92DB-8A277EF092E6}" destId="{1C611B4E-C4C8-4A7E-AEE1-DEAD80350F8B}" srcOrd="0" destOrd="0" parTransId="{6E550464-B3E4-433A-BC15-65C1684AD0A2}" sibTransId="{6A22E90F-323C-4215-AFF9-C037394D96FD}"/>
+    <dgm:cxn modelId="{607BDB92-09CC-41AC-8CBB-368037F3500D}" srcId="{1932C84E-0F41-4011-92DB-8A277EF092E6}" destId="{AE30760D-45CE-4B6B-B8CA-D4A09C1185F7}" srcOrd="1" destOrd="0" parTransId="{6963EFF7-25AE-4CEB-BAA1-529CCEA3F882}" sibTransId="{88D3166F-F249-45CE-A013-BBE60B4B7328}"/>
+    <dgm:cxn modelId="{4C4A1594-E5E2-4F8F-B26D-A256C7D497D0}" type="presOf" srcId="{E3D8DA10-98F3-452B-9FF6-5D55A181B690}" destId="{168B7AE6-721C-42EF-9C56-FA78BB37836E}" srcOrd="0" destOrd="1" presId="urn:microsoft.com/office/officeart/2005/8/layout/hList1"/>
+    <dgm:cxn modelId="{68F2309E-1049-46EF-B1C3-F14590FD5192}" type="presOf" srcId="{AE30760D-45CE-4B6B-B8CA-D4A09C1185F7}" destId="{1351AEA7-8986-4F6D-86B9-9C41C467D933}" srcOrd="0" destOrd="1" presId="urn:microsoft.com/office/officeart/2005/8/layout/hList1"/>
+    <dgm:cxn modelId="{756652A8-3F60-4270-AD80-F5718A582E57}" type="presOf" srcId="{33488E82-86D4-4F10-BF52-B22A968C501F}" destId="{D2F628E4-8B0F-416E-AF73-C583872C1A43}" srcOrd="0" destOrd="0" presId="urn:microsoft.com/office/officeart/2005/8/layout/hList1"/>
+    <dgm:cxn modelId="{FB3DE1B8-E155-4891-9254-8899E44F9348}" srcId="{87769088-8CC0-4C27-938A-3ED153DCF763}" destId="{33488E82-86D4-4F10-BF52-B22A968C501F}" srcOrd="0" destOrd="0" parTransId="{12EFDDED-5DBB-45AB-9EE2-95467809C35F}" sibTransId="{993E2AFC-65E4-4CED-B7AD-00EFC0490275}"/>
+    <dgm:cxn modelId="{0A78C6CA-CBF8-41CD-941B-3B0D864B7261}" type="presOf" srcId="{1C611B4E-C4C8-4A7E-AEE1-DEAD80350F8B}" destId="{1351AEA7-8986-4F6D-86B9-9C41C467D933}" srcOrd="0" destOrd="0" presId="urn:microsoft.com/office/officeart/2005/8/layout/hList1"/>
+    <dgm:cxn modelId="{7592D2CA-434A-450F-A518-16772FF1AFDE}" srcId="{AF75B34D-D82E-46B4-B02E-FA0976065162}" destId="{7727D466-DBCB-4ED1-BD1D-6C76B83E779B}" srcOrd="2" destOrd="0" parTransId="{7A1F40BD-E397-4EC0-94CF-9B098B5431F6}" sibTransId="{16666D07-3A73-4411-8244-03680033E83D}"/>
+    <dgm:cxn modelId="{C6E190CE-F18A-4305-A281-4ADAE5CA8F7D}" type="presOf" srcId="{AF75B34D-D82E-46B4-B02E-FA0976065162}" destId="{68DEFAE9-01F9-499F-9E3E-DF2501F54B3E}" srcOrd="0" destOrd="0" presId="urn:microsoft.com/office/officeart/2005/8/layout/hList1"/>
+    <dgm:cxn modelId="{923D71D6-4078-4725-9E2F-ADCB02E5BD53}" type="presOf" srcId="{C1D1B5B7-6B99-4863-BE32-0F98754F58CC}" destId="{D2F628E4-8B0F-416E-AF73-C583872C1A43}" srcOrd="0" destOrd="1" presId="urn:microsoft.com/office/officeart/2005/8/layout/hList1"/>
+    <dgm:cxn modelId="{E2A3F1E5-9474-4210-883D-3B3A6C7AF7FF}" srcId="{87769088-8CC0-4C27-938A-3ED153DCF763}" destId="{C1D1B5B7-6B99-4863-BE32-0F98754F58CC}" srcOrd="1" destOrd="0" parTransId="{2634DBD0-D529-42E4-ACF6-09355EAA11B5}" sibTransId="{AD47B22D-1A55-485A-B664-A06C27C9D38E}"/>
+    <dgm:cxn modelId="{364D1DF4-8863-4C0C-B113-3B644E78C970}" type="presOf" srcId="{1932C84E-0F41-4011-92DB-8A277EF092E6}" destId="{E1CE32AD-A840-48ED-A2F8-9EDA30865FAC}" srcOrd="0" destOrd="0" presId="urn:microsoft.com/office/officeart/2005/8/layout/hList1"/>
+    <dgm:cxn modelId="{A6AC46F5-60BE-4EC6-8FF9-DD6C44C594DF}" type="presParOf" srcId="{68DEFAE9-01F9-499F-9E3E-DF2501F54B3E}" destId="{F63BF8B3-255F-4ADE-93F7-8D5A6213F871}" srcOrd="0" destOrd="0" presId="urn:microsoft.com/office/officeart/2005/8/layout/hList1"/>
+    <dgm:cxn modelId="{3A76A262-61CE-46EB-B0EA-AFE6366254D6}" type="presParOf" srcId="{F63BF8B3-255F-4ADE-93F7-8D5A6213F871}" destId="{92743DE3-9C2C-4E9F-92D3-30D748DC1BAA}" srcOrd="0" destOrd="0" presId="urn:microsoft.com/office/officeart/2005/8/layout/hList1"/>
+    <dgm:cxn modelId="{636BAC97-8A17-4B87-8475-14770FB7D9DA}" type="presParOf" srcId="{F63BF8B3-255F-4ADE-93F7-8D5A6213F871}" destId="{D2F628E4-8B0F-416E-AF73-C583872C1A43}" srcOrd="1" destOrd="0" presId="urn:microsoft.com/office/officeart/2005/8/layout/hList1"/>
+    <dgm:cxn modelId="{CA79AA42-724B-4047-A824-7FA7E8854DF5}" type="presParOf" srcId="{68DEFAE9-01F9-499F-9E3E-DF2501F54B3E}" destId="{C13313F1-A245-407C-AF56-24768DFC5AE0}" srcOrd="1" destOrd="0" presId="urn:microsoft.com/office/officeart/2005/8/layout/hList1"/>
+    <dgm:cxn modelId="{18159F0D-F869-40B2-AECE-819E2222FBFA}" type="presParOf" srcId="{68DEFAE9-01F9-499F-9E3E-DF2501F54B3E}" destId="{DC8BBF9C-3BF1-4F01-A2C8-E3707A04F125}" srcOrd="2" destOrd="0" presId="urn:microsoft.com/office/officeart/2005/8/layout/hList1"/>
+    <dgm:cxn modelId="{767A2EF7-BDDA-45ED-8BB9-34D639DCB345}" type="presParOf" srcId="{DC8BBF9C-3BF1-4F01-A2C8-E3707A04F125}" destId="{E1CE32AD-A840-48ED-A2F8-9EDA30865FAC}" srcOrd="0" destOrd="0" presId="urn:microsoft.com/office/officeart/2005/8/layout/hList1"/>
+    <dgm:cxn modelId="{284BFF19-5F3B-4199-8613-6F24C9F5D9D5}" type="presParOf" srcId="{DC8BBF9C-3BF1-4F01-A2C8-E3707A04F125}" destId="{1351AEA7-8986-4F6D-86B9-9C41C467D933}" srcOrd="1" destOrd="0" presId="urn:microsoft.com/office/officeart/2005/8/layout/hList1"/>
+    <dgm:cxn modelId="{AC538715-1C2E-4E5E-89DD-DDE83272CE72}" type="presParOf" srcId="{68DEFAE9-01F9-499F-9E3E-DF2501F54B3E}" destId="{23DCB3C6-DEB7-4AB8-8B36-CE0AA90C4C23}" srcOrd="3" destOrd="0" presId="urn:microsoft.com/office/officeart/2005/8/layout/hList1"/>
+    <dgm:cxn modelId="{01D5F97F-D81C-4645-B1F5-B2AF43BBEE6E}" type="presParOf" srcId="{68DEFAE9-01F9-499F-9E3E-DF2501F54B3E}" destId="{060A788D-F012-4999-8575-D988F6E9CD04}" srcOrd="4" destOrd="0" presId="urn:microsoft.com/office/officeart/2005/8/layout/hList1"/>
+    <dgm:cxn modelId="{C3E26022-D070-4686-A62B-8BA6E568CB77}" type="presParOf" srcId="{060A788D-F012-4999-8575-D988F6E9CD04}" destId="{3D9FD84C-2C67-43EB-AF44-93C14BAADFBA}" srcOrd="0" destOrd="0" presId="urn:microsoft.com/office/officeart/2005/8/layout/hList1"/>
+    <dgm:cxn modelId="{7E2EFD87-4947-4C2D-81AB-8919FBF0713F}" type="presParOf" srcId="{060A788D-F012-4999-8575-D988F6E9CD04}" destId="{168B7AE6-721C-42EF-9C56-FA78BB37836E}" srcOrd="1" destOrd="0" presId="urn:microsoft.com/office/officeart/2005/8/layout/hList1"/>
   </dgm:cxnLst>
   <dgm:bg/>
   <dgm:whole/>
@@ -1994,6 +3393,591 @@
         </a:effectRef>
         <a:fontRef idx="minor"/>
       </dsp:style>
+    </dsp:sp>
+  </dsp:spTree>
+</dsp:drawing>
+</file>
+
+<file path=ppt/diagrams/drawing2.xml><?xml version="1.0" encoding="utf-8"?>
+<dsp:drawing xmlns:dgm="http://schemas.openxmlformats.org/drawingml/2006/diagram" xmlns:dsp="http://schemas.microsoft.com/office/drawing/2008/diagram" xmlns:a="http://schemas.openxmlformats.org/drawingml/2006/main">
+  <dsp:spTree>
+    <dsp:nvGrpSpPr>
+      <dsp:cNvPr id="0" name=""/>
+      <dsp:cNvGrpSpPr/>
+    </dsp:nvGrpSpPr>
+    <dsp:grpSpPr/>
+    <dsp:sp modelId="{92743DE3-9C2C-4E9F-92D3-30D748DC1BAA}">
+      <dsp:nvSpPr>
+        <dsp:cNvPr id="0" name=""/>
+        <dsp:cNvSpPr/>
+      </dsp:nvSpPr>
+      <dsp:spPr>
+        <a:xfrm>
+          <a:off x="3622" y="243553"/>
+          <a:ext cx="3532329" cy="1412931"/>
+        </a:xfrm>
+        <a:prstGeom prst="rect">
+          <a:avLst/>
+        </a:prstGeom>
+        <a:solidFill>
+          <a:schemeClr val="lt1"/>
+        </a:solidFill>
+        <a:ln w="25400" cap="flat" cmpd="sng" algn="ctr">
+          <a:solidFill>
+            <a:schemeClr val="accent1"/>
+          </a:solidFill>
+          <a:prstDash val="solid"/>
+        </a:ln>
+        <a:effectLst/>
+      </dsp:spPr>
+      <dsp:style>
+        <a:lnRef idx="2">
+          <a:schemeClr val="accent1"/>
+        </a:lnRef>
+        <a:fillRef idx="1">
+          <a:schemeClr val="lt1"/>
+        </a:fillRef>
+        <a:effectRef idx="0">
+          <a:schemeClr val="accent1"/>
+        </a:effectRef>
+        <a:fontRef idx="minor">
+          <a:schemeClr val="dk1"/>
+        </a:fontRef>
+      </dsp:style>
+      <dsp:txBody>
+        <a:bodyPr spcFirstLastPara="0" vert="horz" wrap="square" lIns="170688" tIns="97536" rIns="170688" bIns="97536" numCol="1" spcCol="1270" anchor="ctr" anchorCtr="0">
+          <a:noAutofit/>
+        </a:bodyPr>
+        <a:lstStyle/>
+        <a:p>
+          <a:pPr marL="0" lvl="0" indent="0" algn="ctr" defTabSz="1066800">
+            <a:lnSpc>
+              <a:spcPct val="90000"/>
+            </a:lnSpc>
+            <a:spcBef>
+              <a:spcPct val="0"/>
+            </a:spcBef>
+            <a:spcAft>
+              <a:spcPct val="35000"/>
+            </a:spcAft>
+            <a:buNone/>
+          </a:pPr>
+          <a:r>
+            <a:rPr lang="ru-RU" sz="2400" kern="1200" dirty="0"/>
+            <a:t>Лабораторные работы</a:t>
+          </a:r>
+        </a:p>
+      </dsp:txBody>
+      <dsp:txXfrm>
+        <a:off x="3622" y="243553"/>
+        <a:ext cx="3532329" cy="1412931"/>
+      </dsp:txXfrm>
+    </dsp:sp>
+    <dsp:sp modelId="{D2F628E4-8B0F-416E-AF73-C583872C1A43}">
+      <dsp:nvSpPr>
+        <dsp:cNvPr id="0" name=""/>
+        <dsp:cNvSpPr/>
+      </dsp:nvSpPr>
+      <dsp:spPr>
+        <a:xfrm>
+          <a:off x="3622" y="1656485"/>
+          <a:ext cx="3532329" cy="3300862"/>
+        </a:xfrm>
+        <a:prstGeom prst="rect">
+          <a:avLst/>
+        </a:prstGeom>
+        <a:solidFill>
+          <a:schemeClr val="accent1">
+            <a:alpha val="90000"/>
+            <a:tint val="40000"/>
+            <a:hueOff val="0"/>
+            <a:satOff val="0"/>
+            <a:lumOff val="0"/>
+            <a:alphaOff val="0"/>
+          </a:schemeClr>
+        </a:solidFill>
+        <a:ln w="9525" cap="flat" cmpd="sng" algn="ctr">
+          <a:solidFill>
+            <a:schemeClr val="accent1">
+              <a:alpha val="90000"/>
+              <a:tint val="40000"/>
+              <a:hueOff val="0"/>
+              <a:satOff val="0"/>
+              <a:lumOff val="0"/>
+              <a:alphaOff val="0"/>
+            </a:schemeClr>
+          </a:solidFill>
+          <a:prstDash val="solid"/>
+        </a:ln>
+        <a:effectLst/>
+      </dsp:spPr>
+      <dsp:style>
+        <a:lnRef idx="1">
+          <a:scrgbClr r="0" g="0" b="0"/>
+        </a:lnRef>
+        <a:fillRef idx="1">
+          <a:scrgbClr r="0" g="0" b="0"/>
+        </a:fillRef>
+        <a:effectRef idx="0">
+          <a:scrgbClr r="0" g="0" b="0"/>
+        </a:effectRef>
+        <a:fontRef idx="minor"/>
+      </dsp:style>
+      <dsp:txBody>
+        <a:bodyPr spcFirstLastPara="0" vert="horz" wrap="square" lIns="128016" tIns="128016" rIns="170688" bIns="192024" numCol="1" spcCol="1270" anchor="t" anchorCtr="0">
+          <a:noAutofit/>
+        </a:bodyPr>
+        <a:lstStyle/>
+        <a:p>
+          <a:pPr marL="228600" lvl="1" indent="-228600" algn="l" defTabSz="1066800">
+            <a:lnSpc>
+              <a:spcPct val="90000"/>
+            </a:lnSpc>
+            <a:spcBef>
+              <a:spcPct val="0"/>
+            </a:spcBef>
+            <a:spcAft>
+              <a:spcPct val="15000"/>
+            </a:spcAft>
+            <a:buChar char="•"/>
+          </a:pPr>
+          <a:r>
+            <a:rPr lang="ru-RU" sz="2400" kern="1200" dirty="0"/>
+            <a:t>Техническое обслуживание робота</a:t>
+          </a:r>
+        </a:p>
+        <a:p>
+          <a:pPr marL="228600" lvl="1" indent="-228600" algn="l" defTabSz="1066800">
+            <a:lnSpc>
+              <a:spcPct val="90000"/>
+            </a:lnSpc>
+            <a:spcBef>
+              <a:spcPct val="0"/>
+            </a:spcBef>
+            <a:spcAft>
+              <a:spcPct val="15000"/>
+            </a:spcAft>
+            <a:buChar char="•"/>
+          </a:pPr>
+          <a:r>
+            <a:rPr lang="ru-RU" sz="2400" kern="1200" dirty="0"/>
+            <a:t>Использование базового функционала</a:t>
+          </a:r>
+        </a:p>
+        <a:p>
+          <a:pPr marL="228600" lvl="1" indent="-228600" algn="l" defTabSz="1066800">
+            <a:lnSpc>
+              <a:spcPct val="90000"/>
+            </a:lnSpc>
+            <a:spcBef>
+              <a:spcPct val="0"/>
+            </a:spcBef>
+            <a:spcAft>
+              <a:spcPct val="15000"/>
+            </a:spcAft>
+            <a:buChar char="•"/>
+          </a:pPr>
+          <a:r>
+            <a:rPr lang="ru-RU" sz="2400" kern="1200" dirty="0"/>
+            <a:t>Реализация автономной навигации</a:t>
+          </a:r>
+        </a:p>
+      </dsp:txBody>
+      <dsp:txXfrm>
+        <a:off x="3622" y="1656485"/>
+        <a:ext cx="3532329" cy="3300862"/>
+      </dsp:txXfrm>
+    </dsp:sp>
+    <dsp:sp modelId="{E1CE32AD-A840-48ED-A2F8-9EDA30865FAC}">
+      <dsp:nvSpPr>
+        <dsp:cNvPr id="0" name=""/>
+        <dsp:cNvSpPr/>
+      </dsp:nvSpPr>
+      <dsp:spPr>
+        <a:xfrm>
+          <a:off x="4030479" y="243553"/>
+          <a:ext cx="3532329" cy="1412931"/>
+        </a:xfrm>
+        <a:prstGeom prst="rect">
+          <a:avLst/>
+        </a:prstGeom>
+        <a:solidFill>
+          <a:schemeClr val="lt1"/>
+        </a:solidFill>
+        <a:ln w="25400" cap="flat" cmpd="sng" algn="ctr">
+          <a:solidFill>
+            <a:schemeClr val="accent1"/>
+          </a:solidFill>
+          <a:prstDash val="solid"/>
+        </a:ln>
+        <a:effectLst/>
+      </dsp:spPr>
+      <dsp:style>
+        <a:lnRef idx="2">
+          <a:schemeClr val="accent1"/>
+        </a:lnRef>
+        <a:fillRef idx="1">
+          <a:schemeClr val="lt1"/>
+        </a:fillRef>
+        <a:effectRef idx="0">
+          <a:schemeClr val="accent1"/>
+        </a:effectRef>
+        <a:fontRef idx="minor">
+          <a:schemeClr val="dk1"/>
+        </a:fontRef>
+      </dsp:style>
+      <dsp:txBody>
+        <a:bodyPr spcFirstLastPara="0" vert="horz" wrap="square" lIns="170688" tIns="97536" rIns="170688" bIns="97536" numCol="1" spcCol="1270" anchor="ctr" anchorCtr="0">
+          <a:noAutofit/>
+        </a:bodyPr>
+        <a:lstStyle/>
+        <a:p>
+          <a:pPr marL="0" lvl="0" indent="0" algn="ctr" defTabSz="1066800">
+            <a:lnSpc>
+              <a:spcPct val="90000"/>
+            </a:lnSpc>
+            <a:spcBef>
+              <a:spcPct val="0"/>
+            </a:spcBef>
+            <a:spcAft>
+              <a:spcPct val="35000"/>
+            </a:spcAft>
+            <a:buNone/>
+          </a:pPr>
+          <a:r>
+            <a:rPr lang="ru-RU" sz="2400" kern="1200" dirty="0"/>
+            <a:t>Методические указания</a:t>
+          </a:r>
+        </a:p>
+      </dsp:txBody>
+      <dsp:txXfrm>
+        <a:off x="4030479" y="243553"/>
+        <a:ext cx="3532329" cy="1412931"/>
+      </dsp:txXfrm>
+    </dsp:sp>
+    <dsp:sp modelId="{1351AEA7-8986-4F6D-86B9-9C41C467D933}">
+      <dsp:nvSpPr>
+        <dsp:cNvPr id="0" name=""/>
+        <dsp:cNvSpPr/>
+      </dsp:nvSpPr>
+      <dsp:spPr>
+        <a:xfrm>
+          <a:off x="4030479" y="1656485"/>
+          <a:ext cx="3532329" cy="3300862"/>
+        </a:xfrm>
+        <a:prstGeom prst="rect">
+          <a:avLst/>
+        </a:prstGeom>
+        <a:solidFill>
+          <a:schemeClr val="accent1">
+            <a:alpha val="90000"/>
+            <a:tint val="40000"/>
+            <a:hueOff val="0"/>
+            <a:satOff val="0"/>
+            <a:lumOff val="0"/>
+            <a:alphaOff val="0"/>
+          </a:schemeClr>
+        </a:solidFill>
+        <a:ln w="9525" cap="flat" cmpd="sng" algn="ctr">
+          <a:solidFill>
+            <a:schemeClr val="accent1">
+              <a:alpha val="90000"/>
+              <a:tint val="40000"/>
+              <a:hueOff val="0"/>
+              <a:satOff val="0"/>
+              <a:lumOff val="0"/>
+              <a:alphaOff val="0"/>
+            </a:schemeClr>
+          </a:solidFill>
+          <a:prstDash val="solid"/>
+        </a:ln>
+        <a:effectLst/>
+      </dsp:spPr>
+      <dsp:style>
+        <a:lnRef idx="1">
+          <a:scrgbClr r="0" g="0" b="0"/>
+        </a:lnRef>
+        <a:fillRef idx="1">
+          <a:scrgbClr r="0" g="0" b="0"/>
+        </a:fillRef>
+        <a:effectRef idx="0">
+          <a:scrgbClr r="0" g="0" b="0"/>
+        </a:effectRef>
+        <a:fontRef idx="minor"/>
+      </dsp:style>
+      <dsp:txBody>
+        <a:bodyPr spcFirstLastPara="0" vert="horz" wrap="square" lIns="128016" tIns="128016" rIns="170688" bIns="192024" numCol="1" spcCol="1270" anchor="t" anchorCtr="0">
+          <a:noAutofit/>
+        </a:bodyPr>
+        <a:lstStyle/>
+        <a:p>
+          <a:pPr marL="228600" lvl="1" indent="-228600" algn="l" defTabSz="1066800">
+            <a:lnSpc>
+              <a:spcPct val="90000"/>
+            </a:lnSpc>
+            <a:spcBef>
+              <a:spcPct val="0"/>
+            </a:spcBef>
+            <a:spcAft>
+              <a:spcPct val="15000"/>
+            </a:spcAft>
+            <a:buChar char="•"/>
+          </a:pPr>
+          <a:r>
+            <a:rPr lang="ru-RU" sz="2400" kern="1200" dirty="0"/>
+            <a:t>Работа с аппаратными элементами</a:t>
+          </a:r>
+        </a:p>
+        <a:p>
+          <a:pPr marL="228600" lvl="1" indent="-228600" algn="l" defTabSz="1066800">
+            <a:lnSpc>
+              <a:spcPct val="90000"/>
+            </a:lnSpc>
+            <a:spcBef>
+              <a:spcPct val="0"/>
+            </a:spcBef>
+            <a:spcAft>
+              <a:spcPct val="15000"/>
+            </a:spcAft>
+            <a:buChar char="•"/>
+          </a:pPr>
+          <a:r>
+            <a:rPr lang="ru-RU" sz="2400" kern="1200" dirty="0"/>
+            <a:t>Работа с программными элементами</a:t>
+          </a:r>
+        </a:p>
+        <a:p>
+          <a:pPr marL="228600" lvl="1" indent="-228600" algn="l" defTabSz="1066800">
+            <a:lnSpc>
+              <a:spcPct val="90000"/>
+            </a:lnSpc>
+            <a:spcBef>
+              <a:spcPct val="0"/>
+            </a:spcBef>
+            <a:spcAft>
+              <a:spcPct val="15000"/>
+            </a:spcAft>
+            <a:buChar char="•"/>
+          </a:pPr>
+          <a:r>
+            <a:rPr lang="ru-RU" sz="2400" kern="1200" dirty="0"/>
+            <a:t>Изучение фреймворка </a:t>
+          </a:r>
+          <a:r>
+            <a:rPr lang="en-US" sz="2400" kern="1200" dirty="0"/>
+            <a:t>ROS2</a:t>
+          </a:r>
+          <a:endParaRPr lang="ru-RU" sz="2400" kern="1200" dirty="0"/>
+        </a:p>
+      </dsp:txBody>
+      <dsp:txXfrm>
+        <a:off x="4030479" y="1656485"/>
+        <a:ext cx="3532329" cy="3300862"/>
+      </dsp:txXfrm>
+    </dsp:sp>
+    <dsp:sp modelId="{3D9FD84C-2C67-43EB-AF44-93C14BAADFBA}">
+      <dsp:nvSpPr>
+        <dsp:cNvPr id="0" name=""/>
+        <dsp:cNvSpPr/>
+      </dsp:nvSpPr>
+      <dsp:spPr>
+        <a:xfrm>
+          <a:off x="8057335" y="243553"/>
+          <a:ext cx="3532329" cy="1412931"/>
+        </a:xfrm>
+        <a:prstGeom prst="rect">
+          <a:avLst/>
+        </a:prstGeom>
+        <a:solidFill>
+          <a:schemeClr val="lt1"/>
+        </a:solidFill>
+        <a:ln w="25400" cap="flat" cmpd="sng" algn="ctr">
+          <a:solidFill>
+            <a:schemeClr val="accent1"/>
+          </a:solidFill>
+          <a:prstDash val="solid"/>
+        </a:ln>
+        <a:effectLst/>
+      </dsp:spPr>
+      <dsp:style>
+        <a:lnRef idx="2">
+          <a:schemeClr val="accent1"/>
+        </a:lnRef>
+        <a:fillRef idx="1">
+          <a:schemeClr val="lt1"/>
+        </a:fillRef>
+        <a:effectRef idx="0">
+          <a:schemeClr val="accent1"/>
+        </a:effectRef>
+        <a:fontRef idx="minor">
+          <a:schemeClr val="dk1"/>
+        </a:fontRef>
+      </dsp:style>
+      <dsp:txBody>
+        <a:bodyPr spcFirstLastPara="0" vert="horz" wrap="square" lIns="170688" tIns="97536" rIns="170688" bIns="97536" numCol="1" spcCol="1270" anchor="ctr" anchorCtr="0">
+          <a:noAutofit/>
+        </a:bodyPr>
+        <a:lstStyle/>
+        <a:p>
+          <a:pPr marL="0" lvl="0" indent="0" algn="ctr" defTabSz="1066800">
+            <a:lnSpc>
+              <a:spcPct val="90000"/>
+            </a:lnSpc>
+            <a:spcBef>
+              <a:spcPct val="0"/>
+            </a:spcBef>
+            <a:spcAft>
+              <a:spcPct val="35000"/>
+            </a:spcAft>
+            <a:buNone/>
+          </a:pPr>
+          <a:r>
+            <a:rPr lang="ru-RU" sz="2400" kern="1200" dirty="0"/>
+            <a:t>Исходный </a:t>
+          </a:r>
+          <a:br>
+            <a:rPr lang="ru-RU" sz="2400" kern="1200" dirty="0"/>
+          </a:br>
+          <a:r>
+            <a:rPr lang="ru-RU" sz="2400" kern="1200" dirty="0"/>
+            <a:t>код</a:t>
+          </a:r>
+        </a:p>
+      </dsp:txBody>
+      <dsp:txXfrm>
+        <a:off x="8057335" y="243553"/>
+        <a:ext cx="3532329" cy="1412931"/>
+      </dsp:txXfrm>
+    </dsp:sp>
+    <dsp:sp modelId="{168B7AE6-721C-42EF-9C56-FA78BB37836E}">
+      <dsp:nvSpPr>
+        <dsp:cNvPr id="0" name=""/>
+        <dsp:cNvSpPr/>
+      </dsp:nvSpPr>
+      <dsp:spPr>
+        <a:xfrm>
+          <a:off x="8057335" y="1656485"/>
+          <a:ext cx="3532329" cy="3300862"/>
+        </a:xfrm>
+        <a:prstGeom prst="rect">
+          <a:avLst/>
+        </a:prstGeom>
+        <a:solidFill>
+          <a:schemeClr val="accent1">
+            <a:alpha val="90000"/>
+            <a:tint val="40000"/>
+            <a:hueOff val="0"/>
+            <a:satOff val="0"/>
+            <a:lumOff val="0"/>
+            <a:alphaOff val="0"/>
+          </a:schemeClr>
+        </a:solidFill>
+        <a:ln w="9525" cap="flat" cmpd="sng" algn="ctr">
+          <a:solidFill>
+            <a:schemeClr val="accent1">
+              <a:alpha val="90000"/>
+              <a:tint val="40000"/>
+              <a:hueOff val="0"/>
+              <a:satOff val="0"/>
+              <a:lumOff val="0"/>
+              <a:alphaOff val="0"/>
+            </a:schemeClr>
+          </a:solidFill>
+          <a:prstDash val="solid"/>
+        </a:ln>
+        <a:effectLst/>
+      </dsp:spPr>
+      <dsp:style>
+        <a:lnRef idx="1">
+          <a:scrgbClr r="0" g="0" b="0"/>
+        </a:lnRef>
+        <a:fillRef idx="1">
+          <a:scrgbClr r="0" g="0" b="0"/>
+        </a:fillRef>
+        <a:effectRef idx="0">
+          <a:scrgbClr r="0" g="0" b="0"/>
+        </a:effectRef>
+        <a:fontRef idx="minor"/>
+      </dsp:style>
+      <dsp:txBody>
+        <a:bodyPr spcFirstLastPara="0" vert="horz" wrap="square" lIns="128016" tIns="128016" rIns="170688" bIns="192024" numCol="1" spcCol="1270" anchor="t" anchorCtr="0">
+          <a:noAutofit/>
+        </a:bodyPr>
+        <a:lstStyle/>
+        <a:p>
+          <a:pPr marL="228600" lvl="1" indent="-228600" algn="l" defTabSz="1066800">
+            <a:lnSpc>
+              <a:spcPct val="90000"/>
+            </a:lnSpc>
+            <a:spcBef>
+              <a:spcPct val="0"/>
+            </a:spcBef>
+            <a:spcAft>
+              <a:spcPct val="15000"/>
+            </a:spcAft>
+            <a:buChar char="•"/>
+          </a:pPr>
+          <a:r>
+            <a:rPr lang="ru-RU" sz="2400" kern="1200" dirty="0"/>
+            <a:t>Используемые пакеты </a:t>
+          </a:r>
+          <a:r>
+            <a:rPr lang="en-US" sz="2400" kern="1200" dirty="0"/>
+            <a:t>ROS2</a:t>
+          </a:r>
+          <a:endParaRPr lang="ru-RU" sz="2400" kern="1200" dirty="0"/>
+        </a:p>
+        <a:p>
+          <a:pPr marL="228600" lvl="1" indent="-228600" algn="l" defTabSz="1066800">
+            <a:lnSpc>
+              <a:spcPct val="90000"/>
+            </a:lnSpc>
+            <a:spcBef>
+              <a:spcPct val="0"/>
+            </a:spcBef>
+            <a:spcAft>
+              <a:spcPct val="15000"/>
+            </a:spcAft>
+            <a:buChar char="•"/>
+          </a:pPr>
+          <a:r>
+            <a:rPr lang="ru-RU" sz="2400" kern="1200" dirty="0"/>
+            <a:t>Прошивка </a:t>
+          </a:r>
+          <a:r>
+            <a:rPr lang="en-US" sz="2400" kern="1200" dirty="0"/>
+            <a:t>STM32</a:t>
+          </a:r>
+          <a:endParaRPr lang="ru-RU" sz="2400" kern="1200" dirty="0"/>
+        </a:p>
+        <a:p>
+          <a:pPr marL="228600" lvl="1" indent="-228600" algn="l" defTabSz="1066800">
+            <a:lnSpc>
+              <a:spcPct val="90000"/>
+            </a:lnSpc>
+            <a:spcBef>
+              <a:spcPct val="0"/>
+            </a:spcBef>
+            <a:spcAft>
+              <a:spcPct val="15000"/>
+            </a:spcAft>
+            <a:buChar char="•"/>
+          </a:pPr>
+          <a:r>
+            <a:rPr lang="ru-RU" sz="2400" kern="1200" dirty="0"/>
+            <a:t>Скрипты для </a:t>
+          </a:r>
+          <a:r>
+            <a:rPr lang="en-US" sz="2400" kern="1200" dirty="0"/>
+            <a:t>Linux</a:t>
+          </a:r>
+          <a:endParaRPr lang="ru-RU" sz="2400" kern="1200" dirty="0"/>
+        </a:p>
+      </dsp:txBody>
+      <dsp:txXfrm>
+        <a:off x="8057335" y="1656485"/>
+        <a:ext cx="3532329" cy="3300862"/>
+      </dsp:txXfrm>
     </dsp:sp>
   </dsp:spTree>
 </dsp:drawing>
@@ -3277,6 +5261,223 @@
 </dgm:layoutDef>
 </file>
 
+<file path=ppt/diagrams/layout2.xml><?xml version="1.0" encoding="utf-8"?>
+<dgm:layoutDef xmlns:dgm="http://schemas.openxmlformats.org/drawingml/2006/diagram" xmlns:a="http://schemas.openxmlformats.org/drawingml/2006/main" uniqueId="urn:microsoft.com/office/officeart/2005/8/layout/hList1">
+  <dgm:title val=""/>
+  <dgm:desc val=""/>
+  <dgm:catLst>
+    <dgm:cat type="list" pri="5000"/>
+    <dgm:cat type="convert" pri="5000"/>
+  </dgm:catLst>
+  <dgm:sampData>
+    <dgm:dataModel>
+      <dgm:ptLst>
+        <dgm:pt modelId="0" type="doc"/>
+        <dgm:pt modelId="1">
+          <dgm:prSet phldr="1"/>
+        </dgm:pt>
+        <dgm:pt modelId="11">
+          <dgm:prSet phldr="1"/>
+        </dgm:pt>
+        <dgm:pt modelId="12">
+          <dgm:prSet phldr="1"/>
+        </dgm:pt>
+        <dgm:pt modelId="2">
+          <dgm:prSet phldr="1"/>
+        </dgm:pt>
+        <dgm:pt modelId="21">
+          <dgm:prSet phldr="1"/>
+        </dgm:pt>
+        <dgm:pt modelId="22">
+          <dgm:prSet phldr="1"/>
+        </dgm:pt>
+        <dgm:pt modelId="3">
+          <dgm:prSet phldr="1"/>
+        </dgm:pt>
+        <dgm:pt modelId="31">
+          <dgm:prSet phldr="1"/>
+        </dgm:pt>
+        <dgm:pt modelId="32">
+          <dgm:prSet phldr="1"/>
+        </dgm:pt>
+      </dgm:ptLst>
+      <dgm:cxnLst>
+        <dgm:cxn modelId="4" srcId="0" destId="1" srcOrd="0" destOrd="0"/>
+        <dgm:cxn modelId="5" srcId="0" destId="2" srcOrd="1" destOrd="0"/>
+        <dgm:cxn modelId="6" srcId="0" destId="3" srcOrd="2" destOrd="0"/>
+        <dgm:cxn modelId="13" srcId="1" destId="11" srcOrd="0" destOrd="0"/>
+        <dgm:cxn modelId="14" srcId="1" destId="12" srcOrd="1" destOrd="0"/>
+        <dgm:cxn modelId="23" srcId="2" destId="21" srcOrd="0" destOrd="0"/>
+        <dgm:cxn modelId="24" srcId="2" destId="22" srcOrd="1" destOrd="0"/>
+        <dgm:cxn modelId="33" srcId="3" destId="31" srcOrd="0" destOrd="0"/>
+        <dgm:cxn modelId="34" srcId="3" destId="32" srcOrd="1" destOrd="0"/>
+      </dgm:cxnLst>
+      <dgm:bg/>
+      <dgm:whole/>
+    </dgm:dataModel>
+  </dgm:sampData>
+  <dgm:styleData>
+    <dgm:dataModel>
+      <dgm:ptLst>
+        <dgm:pt modelId="0" type="doc"/>
+        <dgm:pt modelId="1">
+          <dgm:prSet phldr="1"/>
+        </dgm:pt>
+        <dgm:pt modelId="2">
+          <dgm:prSet phldr="1"/>
+        </dgm:pt>
+      </dgm:ptLst>
+      <dgm:cxnLst>
+        <dgm:cxn modelId="3" srcId="0" destId="1" srcOrd="0" destOrd="0"/>
+        <dgm:cxn modelId="4" srcId="0" destId="2" srcOrd="1" destOrd="0"/>
+      </dgm:cxnLst>
+      <dgm:bg/>
+      <dgm:whole/>
+    </dgm:dataModel>
+  </dgm:styleData>
+  <dgm:clrData>
+    <dgm:dataModel>
+      <dgm:ptLst>
+        <dgm:pt modelId="0" type="doc"/>
+        <dgm:pt modelId="1">
+          <dgm:prSet phldr="1"/>
+        </dgm:pt>
+        <dgm:pt modelId="2">
+          <dgm:prSet phldr="1"/>
+        </dgm:pt>
+        <dgm:pt modelId="3">
+          <dgm:prSet phldr="1"/>
+        </dgm:pt>
+        <dgm:pt modelId="4">
+          <dgm:prSet phldr="1"/>
+        </dgm:pt>
+      </dgm:ptLst>
+      <dgm:cxnLst>
+        <dgm:cxn modelId="5" srcId="0" destId="1" srcOrd="0" destOrd="0"/>
+        <dgm:cxn modelId="6" srcId="0" destId="2" srcOrd="1" destOrd="0"/>
+        <dgm:cxn modelId="7" srcId="0" destId="3" srcOrd="2" destOrd="0"/>
+        <dgm:cxn modelId="8" srcId="0" destId="4" srcOrd="3" destOrd="0"/>
+      </dgm:cxnLst>
+      <dgm:bg/>
+      <dgm:whole/>
+    </dgm:dataModel>
+  </dgm:clrData>
+  <dgm:layoutNode name="Name0">
+    <dgm:varLst>
+      <dgm:dir/>
+      <dgm:animLvl val="lvl"/>
+      <dgm:resizeHandles val="exact"/>
+    </dgm:varLst>
+    <dgm:choose name="Name1">
+      <dgm:if name="Name2" func="var" arg="dir" op="equ" val="norm">
+        <dgm:alg type="lin"/>
+      </dgm:if>
+      <dgm:else name="Name3">
+        <dgm:alg type="lin">
+          <dgm:param type="linDir" val="fromR"/>
+        </dgm:alg>
+      </dgm:else>
+    </dgm:choose>
+    <dgm:shape xmlns:r="http://schemas.openxmlformats.org/officeDocument/2006/relationships" r:blip="">
+      <dgm:adjLst/>
+    </dgm:shape>
+    <dgm:presOf/>
+    <dgm:constrLst>
+      <dgm:constr type="h" for="ch" forName="composite" refType="h"/>
+      <dgm:constr type="w" for="ch" forName="composite" refType="w"/>
+      <dgm:constr type="w" for="des" forName="parTx"/>
+      <dgm:constr type="h" for="des" forName="parTx" op="equ"/>
+      <dgm:constr type="w" for="des" forName="desTx"/>
+      <dgm:constr type="h" for="des" forName="desTx" op="equ"/>
+      <dgm:constr type="primFontSz" for="des" forName="parTx" val="65"/>
+      <dgm:constr type="secFontSz" for="des" forName="desTx" refType="primFontSz" refFor="des" refForName="parTx" op="equ"/>
+      <dgm:constr type="h" for="des" forName="parTx" refType="primFontSz" refFor="des" refForName="parTx" fact="0.8"/>
+      <dgm:constr type="h" for="des" forName="desTx" refType="primFontSz" refFor="des" refForName="parTx" fact="1.22"/>
+      <dgm:constr type="w" for="ch" forName="space" refType="w" refFor="ch" refForName="composite" op="equ" fact="0.14"/>
+    </dgm:constrLst>
+    <dgm:ruleLst>
+      <dgm:rule type="w" for="ch" forName="composite" val="0" fact="NaN" max="NaN"/>
+      <dgm:rule type="primFontSz" for="des" forName="parTx" val="5" fact="NaN" max="NaN"/>
+    </dgm:ruleLst>
+    <dgm:forEach name="Name4" axis="ch" ptType="node">
+      <dgm:layoutNode name="composite">
+        <dgm:alg type="composite"/>
+        <dgm:shape xmlns:r="http://schemas.openxmlformats.org/officeDocument/2006/relationships" r:blip="">
+          <dgm:adjLst/>
+        </dgm:shape>
+        <dgm:presOf/>
+        <dgm:constrLst>
+          <dgm:constr type="l" for="ch" forName="parTx"/>
+          <dgm:constr type="w" for="ch" forName="parTx" refType="w"/>
+          <dgm:constr type="t" for="ch" forName="parTx"/>
+          <dgm:constr type="l" for="ch" forName="desTx"/>
+          <dgm:constr type="w" for="ch" forName="desTx" refType="w" refFor="ch" refForName="parTx"/>
+          <dgm:constr type="t" for="ch" forName="desTx" refType="h" refFor="ch" refForName="parTx"/>
+        </dgm:constrLst>
+        <dgm:ruleLst>
+          <dgm:rule type="h" val="INF" fact="NaN" max="NaN"/>
+        </dgm:ruleLst>
+        <dgm:layoutNode name="parTx" styleLbl="alignNode1">
+          <dgm:varLst>
+            <dgm:chMax val="0"/>
+            <dgm:chPref val="0"/>
+            <dgm:bulletEnabled val="1"/>
+          </dgm:varLst>
+          <dgm:alg type="tx"/>
+          <dgm:shape xmlns:r="http://schemas.openxmlformats.org/officeDocument/2006/relationships" type="rect" r:blip="">
+            <dgm:adjLst/>
+          </dgm:shape>
+          <dgm:presOf axis="self" ptType="node"/>
+          <dgm:constrLst>
+            <dgm:constr type="h" refType="w" op="lte" fact="0.4"/>
+            <dgm:constr type="h"/>
+            <dgm:constr type="tMarg" refType="primFontSz" fact="0.32"/>
+            <dgm:constr type="bMarg" refType="primFontSz" fact="0.32"/>
+          </dgm:constrLst>
+          <dgm:ruleLst>
+            <dgm:rule type="h" val="INF" fact="NaN" max="NaN"/>
+          </dgm:ruleLst>
+        </dgm:layoutNode>
+        <dgm:layoutNode name="desTx" styleLbl="alignAccFollowNode1">
+          <dgm:varLst>
+            <dgm:bulletEnabled val="1"/>
+          </dgm:varLst>
+          <dgm:alg type="tx">
+            <dgm:param type="stBulletLvl" val="1"/>
+          </dgm:alg>
+          <dgm:shape xmlns:r="http://schemas.openxmlformats.org/officeDocument/2006/relationships" type="rect" r:blip="">
+            <dgm:adjLst/>
+          </dgm:shape>
+          <dgm:presOf axis="des" ptType="node"/>
+          <dgm:constrLst>
+            <dgm:constr type="secFontSz" val="65"/>
+            <dgm:constr type="primFontSz" refType="secFontSz"/>
+            <dgm:constr type="h"/>
+            <dgm:constr type="lMarg" refType="primFontSz" fact="0.42"/>
+            <dgm:constr type="tMarg" refType="primFontSz" fact="0.42"/>
+            <dgm:constr type="bMarg" refType="primFontSz" fact="0.63"/>
+          </dgm:constrLst>
+          <dgm:ruleLst>
+            <dgm:rule type="h" val="INF" fact="NaN" max="NaN"/>
+          </dgm:ruleLst>
+        </dgm:layoutNode>
+      </dgm:layoutNode>
+      <dgm:forEach name="Name5" axis="followSib" ptType="sibTrans" cnt="1">
+        <dgm:layoutNode name="space">
+          <dgm:alg type="sp"/>
+          <dgm:shape xmlns:r="http://schemas.openxmlformats.org/officeDocument/2006/relationships" r:blip="">
+            <dgm:adjLst/>
+          </dgm:shape>
+          <dgm:presOf/>
+          <dgm:constrLst/>
+          <dgm:ruleLst/>
+        </dgm:layoutNode>
+      </dgm:forEach>
+    </dgm:forEach>
+  </dgm:layoutNode>
+</dgm:layoutDef>
+</file>
+
 <file path=ppt/diagrams/quickStyle1.xml><?xml version="1.0" encoding="utf-8"?>
 <dgm:styleDef xmlns:dgm="http://schemas.openxmlformats.org/drawingml/2006/diagram" xmlns:a="http://schemas.openxmlformats.org/drawingml/2006/main" uniqueId="urn:microsoft.com/office/officeart/2005/8/quickstyle/simple1">
   <dgm:title val=""/>
@@ -4283,6 +6484,1066 @@
         <a:scrgbClr r="0" g="0" b="0"/>
       </a:fillRef>
       <a:effectRef idx="0">
+        <a:scrgbClr r="0" g="0" b="0"/>
+      </a:effectRef>
+      <a:fontRef idx="minor"/>
+    </dgm:style>
+  </dgm:styleLbl>
+  <dgm:styleLbl name="revTx">
+    <dgm:scene3d>
+      <a:camera prst="orthographicFront"/>
+      <a:lightRig rig="threePt" dir="t"/>
+    </dgm:scene3d>
+    <dgm:sp3d/>
+    <dgm:txPr/>
+    <dgm:style>
+      <a:lnRef idx="0">
+        <a:scrgbClr r="0" g="0" b="0"/>
+      </a:lnRef>
+      <a:fillRef idx="0">
+        <a:scrgbClr r="0" g="0" b="0"/>
+      </a:fillRef>
+      <a:effectRef idx="0">
+        <a:scrgbClr r="0" g="0" b="0"/>
+      </a:effectRef>
+      <a:fontRef idx="minor"/>
+    </dgm:style>
+  </dgm:styleLbl>
+</dgm:styleDef>
+</file>
+
+<file path=ppt/diagrams/quickStyle2.xml><?xml version="1.0" encoding="utf-8"?>
+<dgm:styleDef xmlns:dgm="http://schemas.openxmlformats.org/drawingml/2006/diagram" xmlns:a="http://schemas.openxmlformats.org/drawingml/2006/main" uniqueId="urn:microsoft.com/office/officeart/2005/8/quickstyle/simple3">
+  <dgm:title val=""/>
+  <dgm:desc val=""/>
+  <dgm:catLst>
+    <dgm:cat type="simple" pri="10300"/>
+  </dgm:catLst>
+  <dgm:scene3d>
+    <a:camera prst="orthographicFront"/>
+    <a:lightRig rig="threePt" dir="t"/>
+  </dgm:scene3d>
+  <dgm:styleLbl name="node0">
+    <dgm:scene3d>
+      <a:camera prst="orthographicFront"/>
+      <a:lightRig rig="flat" dir="t"/>
+    </dgm:scene3d>
+    <dgm:sp3d prstMaterial="dkEdge">
+      <a:bevelT w="8200" h="38100"/>
+    </dgm:sp3d>
+    <dgm:txPr/>
+    <dgm:style>
+      <a:lnRef idx="0">
+        <a:scrgbClr r="0" g="0" b="0"/>
+      </a:lnRef>
+      <a:fillRef idx="2">
+        <a:scrgbClr r="0" g="0" b="0"/>
+      </a:fillRef>
+      <a:effectRef idx="1">
+        <a:scrgbClr r="0" g="0" b="0"/>
+      </a:effectRef>
+      <a:fontRef idx="minor">
+        <a:schemeClr val="dk1"/>
+      </a:fontRef>
+    </dgm:style>
+  </dgm:styleLbl>
+  <dgm:styleLbl name="lnNode1">
+    <dgm:scene3d>
+      <a:camera prst="orthographicFront"/>
+      <a:lightRig rig="flat" dir="t"/>
+    </dgm:scene3d>
+    <dgm:sp3d prstMaterial="dkEdge">
+      <a:bevelT w="8200" h="38100"/>
+    </dgm:sp3d>
+    <dgm:txPr/>
+    <dgm:style>
+      <a:lnRef idx="1">
+        <a:scrgbClr r="0" g="0" b="0"/>
+      </a:lnRef>
+      <a:fillRef idx="2">
+        <a:scrgbClr r="0" g="0" b="0"/>
+      </a:fillRef>
+      <a:effectRef idx="0">
+        <a:scrgbClr r="0" g="0" b="0"/>
+      </a:effectRef>
+      <a:fontRef idx="minor">
+        <a:schemeClr val="dk1"/>
+      </a:fontRef>
+    </dgm:style>
+  </dgm:styleLbl>
+  <dgm:styleLbl name="vennNode1">
+    <dgm:scene3d>
+      <a:camera prst="orthographicFront"/>
+      <a:lightRig rig="flat" dir="t"/>
+    </dgm:scene3d>
+    <dgm:sp3d prstMaterial="dkEdge">
+      <a:bevelT w="8200" h="38100"/>
+    </dgm:sp3d>
+    <dgm:txPr/>
+    <dgm:style>
+      <a:lnRef idx="0">
+        <a:scrgbClr r="0" g="0" b="0"/>
+      </a:lnRef>
+      <a:fillRef idx="2">
+        <a:scrgbClr r="0" g="0" b="0"/>
+      </a:fillRef>
+      <a:effectRef idx="0">
+        <a:scrgbClr r="0" g="0" b="0"/>
+      </a:effectRef>
+      <a:fontRef idx="minor">
+        <a:schemeClr val="tx1"/>
+      </a:fontRef>
+    </dgm:style>
+  </dgm:styleLbl>
+  <dgm:styleLbl name="alignNode1">
+    <dgm:scene3d>
+      <a:camera prst="orthographicFront"/>
+      <a:lightRig rig="threePt" dir="t"/>
+    </dgm:scene3d>
+    <dgm:sp3d/>
+    <dgm:txPr/>
+    <dgm:style>
+      <a:lnRef idx="1">
+        <a:scrgbClr r="0" g="0" b="0"/>
+      </a:lnRef>
+      <a:fillRef idx="2">
+        <a:scrgbClr r="0" g="0" b="0"/>
+      </a:fillRef>
+      <a:effectRef idx="1">
+        <a:scrgbClr r="0" g="0" b="0"/>
+      </a:effectRef>
+      <a:fontRef idx="minor">
+        <a:schemeClr val="dk1"/>
+      </a:fontRef>
+    </dgm:style>
+  </dgm:styleLbl>
+  <dgm:styleLbl name="node1">
+    <dgm:scene3d>
+      <a:camera prst="orthographicFront"/>
+      <a:lightRig rig="flat" dir="t"/>
+    </dgm:scene3d>
+    <dgm:sp3d prstMaterial="dkEdge">
+      <a:bevelT w="8200" h="38100"/>
+    </dgm:sp3d>
+    <dgm:txPr/>
+    <dgm:style>
+      <a:lnRef idx="0">
+        <a:scrgbClr r="0" g="0" b="0"/>
+      </a:lnRef>
+      <a:fillRef idx="2">
+        <a:scrgbClr r="0" g="0" b="0"/>
+      </a:fillRef>
+      <a:effectRef idx="1">
+        <a:scrgbClr r="0" g="0" b="0"/>
+      </a:effectRef>
+      <a:fontRef idx="minor">
+        <a:schemeClr val="dk1"/>
+      </a:fontRef>
+    </dgm:style>
+  </dgm:styleLbl>
+  <dgm:styleLbl name="node2">
+    <dgm:scene3d>
+      <a:camera prst="orthographicFront"/>
+      <a:lightRig rig="flat" dir="t"/>
+    </dgm:scene3d>
+    <dgm:sp3d prstMaterial="dkEdge">
+      <a:bevelT w="8200" h="38100"/>
+    </dgm:sp3d>
+    <dgm:txPr/>
+    <dgm:style>
+      <a:lnRef idx="0">
+        <a:scrgbClr r="0" g="0" b="0"/>
+      </a:lnRef>
+      <a:fillRef idx="2">
+        <a:scrgbClr r="0" g="0" b="0"/>
+      </a:fillRef>
+      <a:effectRef idx="1">
+        <a:scrgbClr r="0" g="0" b="0"/>
+      </a:effectRef>
+      <a:fontRef idx="minor">
+        <a:schemeClr val="dk1"/>
+      </a:fontRef>
+    </dgm:style>
+  </dgm:styleLbl>
+  <dgm:styleLbl name="node3">
+    <dgm:scene3d>
+      <a:camera prst="orthographicFront"/>
+      <a:lightRig rig="flat" dir="t"/>
+    </dgm:scene3d>
+    <dgm:sp3d prstMaterial="dkEdge">
+      <a:bevelT w="8200" h="38100"/>
+    </dgm:sp3d>
+    <dgm:txPr/>
+    <dgm:style>
+      <a:lnRef idx="0">
+        <a:scrgbClr r="0" g="0" b="0"/>
+      </a:lnRef>
+      <a:fillRef idx="2">
+        <a:scrgbClr r="0" g="0" b="0"/>
+      </a:fillRef>
+      <a:effectRef idx="1">
+        <a:scrgbClr r="0" g="0" b="0"/>
+      </a:effectRef>
+      <a:fontRef idx="minor">
+        <a:schemeClr val="dk1"/>
+      </a:fontRef>
+    </dgm:style>
+  </dgm:styleLbl>
+  <dgm:styleLbl name="node4">
+    <dgm:scene3d>
+      <a:camera prst="orthographicFront"/>
+      <a:lightRig rig="flat" dir="t"/>
+    </dgm:scene3d>
+    <dgm:sp3d prstMaterial="dkEdge">
+      <a:bevelT w="8200" h="38100"/>
+    </dgm:sp3d>
+    <dgm:txPr/>
+    <dgm:style>
+      <a:lnRef idx="0">
+        <a:scrgbClr r="0" g="0" b="0"/>
+      </a:lnRef>
+      <a:fillRef idx="2">
+        <a:scrgbClr r="0" g="0" b="0"/>
+      </a:fillRef>
+      <a:effectRef idx="1">
+        <a:scrgbClr r="0" g="0" b="0"/>
+      </a:effectRef>
+      <a:fontRef idx="minor">
+        <a:schemeClr val="dk1"/>
+      </a:fontRef>
+    </dgm:style>
+  </dgm:styleLbl>
+  <dgm:styleLbl name="fgImgPlace1">
+    <dgm:scene3d>
+      <a:camera prst="orthographicFront"/>
+      <a:lightRig rig="threePt" dir="t"/>
+    </dgm:scene3d>
+    <dgm:sp3d/>
+    <dgm:txPr/>
+    <dgm:style>
+      <a:lnRef idx="1">
+        <a:scrgbClr r="0" g="0" b="0"/>
+      </a:lnRef>
+      <a:fillRef idx="1">
+        <a:scrgbClr r="0" g="0" b="0"/>
+      </a:fillRef>
+      <a:effectRef idx="1">
+        <a:scrgbClr r="0" g="0" b="0"/>
+      </a:effectRef>
+      <a:fontRef idx="minor"/>
+    </dgm:style>
+  </dgm:styleLbl>
+  <dgm:styleLbl name="alignImgPlace1">
+    <dgm:scene3d>
+      <a:camera prst="orthographicFront"/>
+      <a:lightRig rig="threePt" dir="t"/>
+    </dgm:scene3d>
+    <dgm:sp3d/>
+    <dgm:txPr/>
+    <dgm:style>
+      <a:lnRef idx="1">
+        <a:scrgbClr r="0" g="0" b="0"/>
+      </a:lnRef>
+      <a:fillRef idx="1">
+        <a:scrgbClr r="0" g="0" b="0"/>
+      </a:fillRef>
+      <a:effectRef idx="1">
+        <a:scrgbClr r="0" g="0" b="0"/>
+      </a:effectRef>
+      <a:fontRef idx="minor"/>
+    </dgm:style>
+  </dgm:styleLbl>
+  <dgm:styleLbl name="bgImgPlace1">
+    <dgm:scene3d>
+      <a:camera prst="orthographicFront"/>
+      <a:lightRig rig="threePt" dir="t"/>
+    </dgm:scene3d>
+    <dgm:sp3d/>
+    <dgm:txPr/>
+    <dgm:style>
+      <a:lnRef idx="1">
+        <a:scrgbClr r="0" g="0" b="0"/>
+      </a:lnRef>
+      <a:fillRef idx="1">
+        <a:scrgbClr r="0" g="0" b="0"/>
+      </a:fillRef>
+      <a:effectRef idx="1">
+        <a:scrgbClr r="0" g="0" b="0"/>
+      </a:effectRef>
+      <a:fontRef idx="minor"/>
+    </dgm:style>
+  </dgm:styleLbl>
+  <dgm:styleLbl name="sibTrans2D1">
+    <dgm:scene3d>
+      <a:camera prst="orthographicFront"/>
+      <a:lightRig rig="threePt" dir="t"/>
+    </dgm:scene3d>
+    <dgm:sp3d/>
+    <dgm:txPr/>
+    <dgm:style>
+      <a:lnRef idx="0">
+        <a:scrgbClr r="0" g="0" b="0"/>
+      </a:lnRef>
+      <a:fillRef idx="2">
+        <a:scrgbClr r="0" g="0" b="0"/>
+      </a:fillRef>
+      <a:effectRef idx="1">
+        <a:scrgbClr r="0" g="0" b="0"/>
+      </a:effectRef>
+      <a:fontRef idx="minor">
+        <a:schemeClr val="dk1"/>
+      </a:fontRef>
+    </dgm:style>
+  </dgm:styleLbl>
+  <dgm:styleLbl name="fgSibTrans2D1">
+    <dgm:scene3d>
+      <a:camera prst="orthographicFront"/>
+      <a:lightRig rig="threePt" dir="t"/>
+    </dgm:scene3d>
+    <dgm:sp3d/>
+    <dgm:txPr/>
+    <dgm:style>
+      <a:lnRef idx="0">
+        <a:scrgbClr r="0" g="0" b="0"/>
+      </a:lnRef>
+      <a:fillRef idx="2">
+        <a:scrgbClr r="0" g="0" b="0"/>
+      </a:fillRef>
+      <a:effectRef idx="1">
+        <a:scrgbClr r="0" g="0" b="0"/>
+      </a:effectRef>
+      <a:fontRef idx="minor">
+        <a:schemeClr val="dk1"/>
+      </a:fontRef>
+    </dgm:style>
+  </dgm:styleLbl>
+  <dgm:styleLbl name="bgSibTrans2D1">
+    <dgm:scene3d>
+      <a:camera prst="orthographicFront"/>
+      <a:lightRig rig="threePt" dir="t"/>
+    </dgm:scene3d>
+    <dgm:sp3d/>
+    <dgm:txPr/>
+    <dgm:style>
+      <a:lnRef idx="0">
+        <a:scrgbClr r="0" g="0" b="0"/>
+      </a:lnRef>
+      <a:fillRef idx="2">
+        <a:scrgbClr r="0" g="0" b="0"/>
+      </a:fillRef>
+      <a:effectRef idx="1">
+        <a:scrgbClr r="0" g="0" b="0"/>
+      </a:effectRef>
+      <a:fontRef idx="minor">
+        <a:schemeClr val="dk1"/>
+      </a:fontRef>
+    </dgm:style>
+  </dgm:styleLbl>
+  <dgm:styleLbl name="sibTrans1D1">
+    <dgm:scene3d>
+      <a:camera prst="orthographicFront"/>
+      <a:lightRig rig="threePt" dir="t"/>
+    </dgm:scene3d>
+    <dgm:sp3d/>
+    <dgm:txPr/>
+    <dgm:style>
+      <a:lnRef idx="1">
+        <a:scrgbClr r="0" g="0" b="0"/>
+      </a:lnRef>
+      <a:fillRef idx="0">
+        <a:scrgbClr r="0" g="0" b="0"/>
+      </a:fillRef>
+      <a:effectRef idx="0">
+        <a:scrgbClr r="0" g="0" b="0"/>
+      </a:effectRef>
+      <a:fontRef idx="minor"/>
+    </dgm:style>
+  </dgm:styleLbl>
+  <dgm:styleLbl name="callout">
+    <dgm:scene3d>
+      <a:camera prst="orthographicFront"/>
+      <a:lightRig rig="threePt" dir="t"/>
+    </dgm:scene3d>
+    <dgm:sp3d/>
+    <dgm:txPr/>
+    <dgm:style>
+      <a:lnRef idx="1">
+        <a:scrgbClr r="0" g="0" b="0"/>
+      </a:lnRef>
+      <a:fillRef idx="2">
+        <a:scrgbClr r="0" g="0" b="0"/>
+      </a:fillRef>
+      <a:effectRef idx="1">
+        <a:scrgbClr r="0" g="0" b="0"/>
+      </a:effectRef>
+      <a:fontRef idx="minor"/>
+    </dgm:style>
+  </dgm:styleLbl>
+  <dgm:styleLbl name="asst0">
+    <dgm:scene3d>
+      <a:camera prst="orthographicFront"/>
+      <a:lightRig rig="flat" dir="t"/>
+    </dgm:scene3d>
+    <dgm:sp3d prstMaterial="dkEdge">
+      <a:bevelT w="8200" h="38100"/>
+    </dgm:sp3d>
+    <dgm:txPr/>
+    <dgm:style>
+      <a:lnRef idx="0">
+        <a:scrgbClr r="0" g="0" b="0"/>
+      </a:lnRef>
+      <a:fillRef idx="2">
+        <a:scrgbClr r="0" g="0" b="0"/>
+      </a:fillRef>
+      <a:effectRef idx="1">
+        <a:scrgbClr r="0" g="0" b="0"/>
+      </a:effectRef>
+      <a:fontRef idx="minor">
+        <a:schemeClr val="dk1"/>
+      </a:fontRef>
+    </dgm:style>
+  </dgm:styleLbl>
+  <dgm:styleLbl name="asst1">
+    <dgm:scene3d>
+      <a:camera prst="orthographicFront"/>
+      <a:lightRig rig="flat" dir="t"/>
+    </dgm:scene3d>
+    <dgm:sp3d prstMaterial="dkEdge">
+      <a:bevelT w="8200" h="38100"/>
+    </dgm:sp3d>
+    <dgm:txPr/>
+    <dgm:style>
+      <a:lnRef idx="0">
+        <a:scrgbClr r="0" g="0" b="0"/>
+      </a:lnRef>
+      <a:fillRef idx="2">
+        <a:scrgbClr r="0" g="0" b="0"/>
+      </a:fillRef>
+      <a:effectRef idx="1">
+        <a:scrgbClr r="0" g="0" b="0"/>
+      </a:effectRef>
+      <a:fontRef idx="minor">
+        <a:schemeClr val="dk1"/>
+      </a:fontRef>
+    </dgm:style>
+  </dgm:styleLbl>
+  <dgm:styleLbl name="asst2">
+    <dgm:scene3d>
+      <a:camera prst="orthographicFront"/>
+      <a:lightRig rig="flat" dir="t"/>
+    </dgm:scene3d>
+    <dgm:sp3d prstMaterial="dkEdge">
+      <a:bevelT w="8200" h="38100"/>
+    </dgm:sp3d>
+    <dgm:txPr/>
+    <dgm:style>
+      <a:lnRef idx="0">
+        <a:scrgbClr r="0" g="0" b="0"/>
+      </a:lnRef>
+      <a:fillRef idx="2">
+        <a:scrgbClr r="0" g="0" b="0"/>
+      </a:fillRef>
+      <a:effectRef idx="1">
+        <a:scrgbClr r="0" g="0" b="0"/>
+      </a:effectRef>
+      <a:fontRef idx="minor">
+        <a:schemeClr val="dk1"/>
+      </a:fontRef>
+    </dgm:style>
+  </dgm:styleLbl>
+  <dgm:styleLbl name="asst3">
+    <dgm:scene3d>
+      <a:camera prst="orthographicFront"/>
+      <a:lightRig rig="flat" dir="t"/>
+    </dgm:scene3d>
+    <dgm:sp3d prstMaterial="dkEdge">
+      <a:bevelT w="8200" h="38100"/>
+    </dgm:sp3d>
+    <dgm:txPr/>
+    <dgm:style>
+      <a:lnRef idx="0">
+        <a:scrgbClr r="0" g="0" b="0"/>
+      </a:lnRef>
+      <a:fillRef idx="2">
+        <a:scrgbClr r="0" g="0" b="0"/>
+      </a:fillRef>
+      <a:effectRef idx="1">
+        <a:scrgbClr r="0" g="0" b="0"/>
+      </a:effectRef>
+      <a:fontRef idx="minor">
+        <a:schemeClr val="dk1"/>
+      </a:fontRef>
+    </dgm:style>
+  </dgm:styleLbl>
+  <dgm:styleLbl name="asst4">
+    <dgm:scene3d>
+      <a:camera prst="orthographicFront"/>
+      <a:lightRig rig="flat" dir="t"/>
+    </dgm:scene3d>
+    <dgm:sp3d prstMaterial="dkEdge">
+      <a:bevelT w="8200" h="38100"/>
+    </dgm:sp3d>
+    <dgm:txPr/>
+    <dgm:style>
+      <a:lnRef idx="0">
+        <a:scrgbClr r="0" g="0" b="0"/>
+      </a:lnRef>
+      <a:fillRef idx="2">
+        <a:scrgbClr r="0" g="0" b="0"/>
+      </a:fillRef>
+      <a:effectRef idx="1">
+        <a:scrgbClr r="0" g="0" b="0"/>
+      </a:effectRef>
+      <a:fontRef idx="minor">
+        <a:schemeClr val="dk1"/>
+      </a:fontRef>
+    </dgm:style>
+  </dgm:styleLbl>
+  <dgm:styleLbl name="parChTrans2D1">
+    <dgm:scene3d>
+      <a:camera prst="orthographicFront"/>
+      <a:lightRig rig="threePt" dir="t"/>
+    </dgm:scene3d>
+    <dgm:sp3d/>
+    <dgm:txPr/>
+    <dgm:style>
+      <a:lnRef idx="1">
+        <a:scrgbClr r="0" g="0" b="0"/>
+      </a:lnRef>
+      <a:fillRef idx="2">
+        <a:scrgbClr r="0" g="0" b="0"/>
+      </a:fillRef>
+      <a:effectRef idx="1">
+        <a:scrgbClr r="0" g="0" b="0"/>
+      </a:effectRef>
+      <a:fontRef idx="minor">
+        <a:schemeClr val="dk1"/>
+      </a:fontRef>
+    </dgm:style>
+  </dgm:styleLbl>
+  <dgm:styleLbl name="parChTrans2D2">
+    <dgm:scene3d>
+      <a:camera prst="orthographicFront"/>
+      <a:lightRig rig="threePt" dir="t"/>
+    </dgm:scene3d>
+    <dgm:sp3d/>
+    <dgm:txPr/>
+    <dgm:style>
+      <a:lnRef idx="1">
+        <a:scrgbClr r="0" g="0" b="0"/>
+      </a:lnRef>
+      <a:fillRef idx="2">
+        <a:scrgbClr r="0" g="0" b="0"/>
+      </a:fillRef>
+      <a:effectRef idx="1">
+        <a:scrgbClr r="0" g="0" b="0"/>
+      </a:effectRef>
+      <a:fontRef idx="minor">
+        <a:schemeClr val="dk1"/>
+      </a:fontRef>
+    </dgm:style>
+  </dgm:styleLbl>
+  <dgm:styleLbl name="parChTrans2D3">
+    <dgm:scene3d>
+      <a:camera prst="orthographicFront"/>
+      <a:lightRig rig="threePt" dir="t"/>
+    </dgm:scene3d>
+    <dgm:sp3d/>
+    <dgm:txPr/>
+    <dgm:style>
+      <a:lnRef idx="1">
+        <a:scrgbClr r="0" g="0" b="0"/>
+      </a:lnRef>
+      <a:fillRef idx="2">
+        <a:scrgbClr r="0" g="0" b="0"/>
+      </a:fillRef>
+      <a:effectRef idx="1">
+        <a:scrgbClr r="0" g="0" b="0"/>
+      </a:effectRef>
+      <a:fontRef idx="minor">
+        <a:schemeClr val="dk1"/>
+      </a:fontRef>
+    </dgm:style>
+  </dgm:styleLbl>
+  <dgm:styleLbl name="parChTrans2D4">
+    <dgm:scene3d>
+      <a:camera prst="orthographicFront"/>
+      <a:lightRig rig="threePt" dir="t"/>
+    </dgm:scene3d>
+    <dgm:sp3d/>
+    <dgm:txPr/>
+    <dgm:style>
+      <a:lnRef idx="1">
+        <a:scrgbClr r="0" g="0" b="0"/>
+      </a:lnRef>
+      <a:fillRef idx="2">
+        <a:scrgbClr r="0" g="0" b="0"/>
+      </a:fillRef>
+      <a:effectRef idx="1">
+        <a:scrgbClr r="0" g="0" b="0"/>
+      </a:effectRef>
+      <a:fontRef idx="minor">
+        <a:schemeClr val="dk1"/>
+      </a:fontRef>
+    </dgm:style>
+  </dgm:styleLbl>
+  <dgm:styleLbl name="parChTrans1D1">
+    <dgm:scene3d>
+      <a:camera prst="orthographicFront"/>
+      <a:lightRig rig="threePt" dir="t"/>
+    </dgm:scene3d>
+    <dgm:sp3d/>
+    <dgm:txPr/>
+    <dgm:style>
+      <a:lnRef idx="2">
+        <a:scrgbClr r="0" g="0" b="0"/>
+      </a:lnRef>
+      <a:fillRef idx="0">
+        <a:scrgbClr r="0" g="0" b="0"/>
+      </a:fillRef>
+      <a:effectRef idx="0">
+        <a:scrgbClr r="0" g="0" b="0"/>
+      </a:effectRef>
+      <a:fontRef idx="minor"/>
+    </dgm:style>
+  </dgm:styleLbl>
+  <dgm:styleLbl name="parChTrans1D2">
+    <dgm:scene3d>
+      <a:camera prst="orthographicFront"/>
+      <a:lightRig rig="threePt" dir="t"/>
+    </dgm:scene3d>
+    <dgm:sp3d/>
+    <dgm:txPr/>
+    <dgm:style>
+      <a:lnRef idx="2">
+        <a:scrgbClr r="0" g="0" b="0"/>
+      </a:lnRef>
+      <a:fillRef idx="0">
+        <a:scrgbClr r="0" g="0" b="0"/>
+      </a:fillRef>
+      <a:effectRef idx="0">
+        <a:scrgbClr r="0" g="0" b="0"/>
+      </a:effectRef>
+      <a:fontRef idx="minor"/>
+    </dgm:style>
+  </dgm:styleLbl>
+  <dgm:styleLbl name="parChTrans1D3">
+    <dgm:scene3d>
+      <a:camera prst="orthographicFront"/>
+      <a:lightRig rig="threePt" dir="t"/>
+    </dgm:scene3d>
+    <dgm:sp3d/>
+    <dgm:txPr/>
+    <dgm:style>
+      <a:lnRef idx="2">
+        <a:scrgbClr r="0" g="0" b="0"/>
+      </a:lnRef>
+      <a:fillRef idx="0">
+        <a:scrgbClr r="0" g="0" b="0"/>
+      </a:fillRef>
+      <a:effectRef idx="0">
+        <a:scrgbClr r="0" g="0" b="0"/>
+      </a:effectRef>
+      <a:fontRef idx="minor"/>
+    </dgm:style>
+  </dgm:styleLbl>
+  <dgm:styleLbl name="parChTrans1D4">
+    <dgm:scene3d>
+      <a:camera prst="orthographicFront"/>
+      <a:lightRig rig="threePt" dir="t"/>
+    </dgm:scene3d>
+    <dgm:sp3d/>
+    <dgm:txPr/>
+    <dgm:style>
+      <a:lnRef idx="2">
+        <a:scrgbClr r="0" g="0" b="0"/>
+      </a:lnRef>
+      <a:fillRef idx="0">
+        <a:scrgbClr r="0" g="0" b="0"/>
+      </a:fillRef>
+      <a:effectRef idx="0">
+        <a:scrgbClr r="0" g="0" b="0"/>
+      </a:effectRef>
+      <a:fontRef idx="minor"/>
+    </dgm:style>
+  </dgm:styleLbl>
+  <dgm:styleLbl name="fgAcc1">
+    <dgm:scene3d>
+      <a:camera prst="orthographicFront"/>
+      <a:lightRig rig="threePt" dir="t"/>
+    </dgm:scene3d>
+    <dgm:sp3d/>
+    <dgm:txPr/>
+    <dgm:style>
+      <a:lnRef idx="1">
+        <a:scrgbClr r="0" g="0" b="0"/>
+      </a:lnRef>
+      <a:fillRef idx="1">
+        <a:scrgbClr r="0" g="0" b="0"/>
+      </a:fillRef>
+      <a:effectRef idx="0">
+        <a:scrgbClr r="0" g="0" b="0"/>
+      </a:effectRef>
+      <a:fontRef idx="minor"/>
+    </dgm:style>
+  </dgm:styleLbl>
+  <dgm:styleLbl name="conFgAcc1">
+    <dgm:scene3d>
+      <a:camera prst="orthographicFront"/>
+      <a:lightRig rig="threePt" dir="t"/>
+    </dgm:scene3d>
+    <dgm:sp3d/>
+    <dgm:txPr/>
+    <dgm:style>
+      <a:lnRef idx="1">
+        <a:scrgbClr r="0" g="0" b="0"/>
+      </a:lnRef>
+      <a:fillRef idx="1">
+        <a:scrgbClr r="0" g="0" b="0"/>
+      </a:fillRef>
+      <a:effectRef idx="0">
+        <a:scrgbClr r="0" g="0" b="0"/>
+      </a:effectRef>
+      <a:fontRef idx="minor"/>
+    </dgm:style>
+  </dgm:styleLbl>
+  <dgm:styleLbl name="alignAcc1">
+    <dgm:scene3d>
+      <a:camera prst="orthographicFront"/>
+      <a:lightRig rig="threePt" dir="t"/>
+    </dgm:scene3d>
+    <dgm:sp3d/>
+    <dgm:txPr/>
+    <dgm:style>
+      <a:lnRef idx="1">
+        <a:scrgbClr r="0" g="0" b="0"/>
+      </a:lnRef>
+      <a:fillRef idx="1">
+        <a:scrgbClr r="0" g="0" b="0"/>
+      </a:fillRef>
+      <a:effectRef idx="0">
+        <a:scrgbClr r="0" g="0" b="0"/>
+      </a:effectRef>
+      <a:fontRef idx="minor"/>
+    </dgm:style>
+  </dgm:styleLbl>
+  <dgm:styleLbl name="trAlignAcc1">
+    <dgm:scene3d>
+      <a:camera prst="orthographicFront"/>
+      <a:lightRig rig="threePt" dir="t"/>
+    </dgm:scene3d>
+    <dgm:sp3d/>
+    <dgm:txPr/>
+    <dgm:style>
+      <a:lnRef idx="1">
+        <a:scrgbClr r="0" g="0" b="0"/>
+      </a:lnRef>
+      <a:fillRef idx="1">
+        <a:scrgbClr r="0" g="0" b="0"/>
+      </a:fillRef>
+      <a:effectRef idx="0">
+        <a:scrgbClr r="0" g="0" b="0"/>
+      </a:effectRef>
+      <a:fontRef idx="minor"/>
+    </dgm:style>
+  </dgm:styleLbl>
+  <dgm:styleLbl name="bgAcc1">
+    <dgm:scene3d>
+      <a:camera prst="orthographicFront"/>
+      <a:lightRig rig="threePt" dir="t"/>
+    </dgm:scene3d>
+    <dgm:sp3d/>
+    <dgm:txPr/>
+    <dgm:style>
+      <a:lnRef idx="1">
+        <a:scrgbClr r="0" g="0" b="0"/>
+      </a:lnRef>
+      <a:fillRef idx="1">
+        <a:scrgbClr r="0" g="0" b="0"/>
+      </a:fillRef>
+      <a:effectRef idx="0">
+        <a:scrgbClr r="0" g="0" b="0"/>
+      </a:effectRef>
+      <a:fontRef idx="minor"/>
+    </dgm:style>
+  </dgm:styleLbl>
+  <dgm:styleLbl name="solidFgAcc1">
+    <dgm:scene3d>
+      <a:camera prst="orthographicFront"/>
+      <a:lightRig rig="threePt" dir="t"/>
+    </dgm:scene3d>
+    <dgm:sp3d/>
+    <dgm:txPr/>
+    <dgm:style>
+      <a:lnRef idx="1">
+        <a:scrgbClr r="0" g="0" b="0"/>
+      </a:lnRef>
+      <a:fillRef idx="2">
+        <a:scrgbClr r="0" g="0" b="0"/>
+      </a:fillRef>
+      <a:effectRef idx="0">
+        <a:scrgbClr r="0" g="0" b="0"/>
+      </a:effectRef>
+      <a:fontRef idx="minor"/>
+    </dgm:style>
+  </dgm:styleLbl>
+  <dgm:styleLbl name="solidAlignAcc1">
+    <dgm:scene3d>
+      <a:camera prst="orthographicFront"/>
+      <a:lightRig rig="threePt" dir="t"/>
+    </dgm:scene3d>
+    <dgm:sp3d/>
+    <dgm:txPr/>
+    <dgm:style>
+      <a:lnRef idx="1">
+        <a:scrgbClr r="0" g="0" b="0"/>
+      </a:lnRef>
+      <a:fillRef idx="1">
+        <a:scrgbClr r="0" g="0" b="0"/>
+      </a:fillRef>
+      <a:effectRef idx="0">
+        <a:scrgbClr r="0" g="0" b="0"/>
+      </a:effectRef>
+      <a:fontRef idx="minor"/>
+    </dgm:style>
+  </dgm:styleLbl>
+  <dgm:styleLbl name="solidBgAcc1">
+    <dgm:scene3d>
+      <a:camera prst="orthographicFront"/>
+      <a:lightRig rig="threePt" dir="t"/>
+    </dgm:scene3d>
+    <dgm:sp3d/>
+    <dgm:txPr/>
+    <dgm:style>
+      <a:lnRef idx="1">
+        <a:scrgbClr r="0" g="0" b="0"/>
+      </a:lnRef>
+      <a:fillRef idx="1">
+        <a:scrgbClr r="0" g="0" b="0"/>
+      </a:fillRef>
+      <a:effectRef idx="0">
+        <a:scrgbClr r="0" g="0" b="0"/>
+      </a:effectRef>
+      <a:fontRef idx="minor"/>
+    </dgm:style>
+  </dgm:styleLbl>
+  <dgm:styleLbl name="fgAccFollowNode1">
+    <dgm:scene3d>
+      <a:camera prst="orthographicFront"/>
+      <a:lightRig rig="threePt" dir="t"/>
+    </dgm:scene3d>
+    <dgm:sp3d/>
+    <dgm:txPr/>
+    <dgm:style>
+      <a:lnRef idx="1">
+        <a:scrgbClr r="0" g="0" b="0"/>
+      </a:lnRef>
+      <a:fillRef idx="1">
+        <a:scrgbClr r="0" g="0" b="0"/>
+      </a:fillRef>
+      <a:effectRef idx="0">
+        <a:scrgbClr r="0" g="0" b="0"/>
+      </a:effectRef>
+      <a:fontRef idx="minor"/>
+    </dgm:style>
+  </dgm:styleLbl>
+  <dgm:styleLbl name="alignAccFollowNode1">
+    <dgm:scene3d>
+      <a:camera prst="orthographicFront"/>
+      <a:lightRig rig="threePt" dir="t"/>
+    </dgm:scene3d>
+    <dgm:sp3d/>
+    <dgm:txPr/>
+    <dgm:style>
+      <a:lnRef idx="1">
+        <a:scrgbClr r="0" g="0" b="0"/>
+      </a:lnRef>
+      <a:fillRef idx="1">
+        <a:scrgbClr r="0" g="0" b="0"/>
+      </a:fillRef>
+      <a:effectRef idx="0">
+        <a:scrgbClr r="0" g="0" b="0"/>
+      </a:effectRef>
+      <a:fontRef idx="minor"/>
+    </dgm:style>
+  </dgm:styleLbl>
+  <dgm:styleLbl name="bgAccFollowNode1">
+    <dgm:scene3d>
+      <a:camera prst="orthographicFront"/>
+      <a:lightRig rig="threePt" dir="t"/>
+    </dgm:scene3d>
+    <dgm:sp3d/>
+    <dgm:txPr/>
+    <dgm:style>
+      <a:lnRef idx="1">
+        <a:scrgbClr r="0" g="0" b="0"/>
+      </a:lnRef>
+      <a:fillRef idx="1">
+        <a:scrgbClr r="0" g="0" b="0"/>
+      </a:fillRef>
+      <a:effectRef idx="0">
+        <a:scrgbClr r="0" g="0" b="0"/>
+      </a:effectRef>
+      <a:fontRef idx="minor"/>
+    </dgm:style>
+  </dgm:styleLbl>
+  <dgm:styleLbl name="fgAcc0">
+    <dgm:scene3d>
+      <a:camera prst="orthographicFront"/>
+      <a:lightRig rig="threePt" dir="t"/>
+    </dgm:scene3d>
+    <dgm:sp3d/>
+    <dgm:txPr/>
+    <dgm:style>
+      <a:lnRef idx="1">
+        <a:scrgbClr r="0" g="0" b="0"/>
+      </a:lnRef>
+      <a:fillRef idx="1">
+        <a:scrgbClr r="0" g="0" b="0"/>
+      </a:fillRef>
+      <a:effectRef idx="0">
+        <a:scrgbClr r="0" g="0" b="0"/>
+      </a:effectRef>
+      <a:fontRef idx="minor"/>
+    </dgm:style>
+  </dgm:styleLbl>
+  <dgm:styleLbl name="fgAcc2">
+    <dgm:scene3d>
+      <a:camera prst="orthographicFront"/>
+      <a:lightRig rig="threePt" dir="t"/>
+    </dgm:scene3d>
+    <dgm:sp3d/>
+    <dgm:txPr/>
+    <dgm:style>
+      <a:lnRef idx="1">
+        <a:scrgbClr r="0" g="0" b="0"/>
+      </a:lnRef>
+      <a:fillRef idx="1">
+        <a:scrgbClr r="0" g="0" b="0"/>
+      </a:fillRef>
+      <a:effectRef idx="0">
+        <a:scrgbClr r="0" g="0" b="0"/>
+      </a:effectRef>
+      <a:fontRef idx="minor"/>
+    </dgm:style>
+  </dgm:styleLbl>
+  <dgm:styleLbl name="fgAcc3">
+    <dgm:scene3d>
+      <a:camera prst="orthographicFront"/>
+      <a:lightRig rig="threePt" dir="t"/>
+    </dgm:scene3d>
+    <dgm:sp3d/>
+    <dgm:txPr/>
+    <dgm:style>
+      <a:lnRef idx="1">
+        <a:scrgbClr r="0" g="0" b="0"/>
+      </a:lnRef>
+      <a:fillRef idx="1">
+        <a:scrgbClr r="0" g="0" b="0"/>
+      </a:fillRef>
+      <a:effectRef idx="0">
+        <a:scrgbClr r="0" g="0" b="0"/>
+      </a:effectRef>
+      <a:fontRef idx="minor"/>
+    </dgm:style>
+  </dgm:styleLbl>
+  <dgm:styleLbl name="fgAcc4">
+    <dgm:scene3d>
+      <a:camera prst="orthographicFront"/>
+      <a:lightRig rig="threePt" dir="t"/>
+    </dgm:scene3d>
+    <dgm:sp3d/>
+    <dgm:txPr/>
+    <dgm:style>
+      <a:lnRef idx="1">
+        <a:scrgbClr r="0" g="0" b="0"/>
+      </a:lnRef>
+      <a:fillRef idx="1">
+        <a:scrgbClr r="0" g="0" b="0"/>
+      </a:fillRef>
+      <a:effectRef idx="0">
+        <a:scrgbClr r="0" g="0" b="0"/>
+      </a:effectRef>
+      <a:fontRef idx="minor"/>
+    </dgm:style>
+  </dgm:styleLbl>
+  <dgm:styleLbl name="bgShp">
+    <dgm:scene3d>
+      <a:camera prst="orthographicFront"/>
+      <a:lightRig rig="threePt" dir="t"/>
+    </dgm:scene3d>
+    <dgm:sp3d/>
+    <dgm:txPr/>
+    <dgm:style>
+      <a:lnRef idx="0">
+        <a:scrgbClr r="0" g="0" b="0"/>
+      </a:lnRef>
+      <a:fillRef idx="1">
+        <a:scrgbClr r="0" g="0" b="0"/>
+      </a:fillRef>
+      <a:effectRef idx="1">
+        <a:scrgbClr r="0" g="0" b="0"/>
+      </a:effectRef>
+      <a:fontRef idx="minor"/>
+    </dgm:style>
+  </dgm:styleLbl>
+  <dgm:styleLbl name="dkBgShp">
+    <dgm:scene3d>
+      <a:camera prst="orthographicFront"/>
+      <a:lightRig rig="threePt" dir="t"/>
+    </dgm:scene3d>
+    <dgm:sp3d/>
+    <dgm:txPr/>
+    <dgm:style>
+      <a:lnRef idx="0">
+        <a:scrgbClr r="0" g="0" b="0"/>
+      </a:lnRef>
+      <a:fillRef idx="1">
+        <a:scrgbClr r="0" g="0" b="0"/>
+      </a:fillRef>
+      <a:effectRef idx="1">
+        <a:scrgbClr r="0" g="0" b="0"/>
+      </a:effectRef>
+      <a:fontRef idx="minor"/>
+    </dgm:style>
+  </dgm:styleLbl>
+  <dgm:styleLbl name="trBgShp">
+    <dgm:scene3d>
+      <a:camera prst="orthographicFront"/>
+      <a:lightRig rig="threePt" dir="t"/>
+    </dgm:scene3d>
+    <dgm:sp3d/>
+    <dgm:txPr/>
+    <dgm:style>
+      <a:lnRef idx="0">
+        <a:scrgbClr r="0" g="0" b="0"/>
+      </a:lnRef>
+      <a:fillRef idx="1">
+        <a:scrgbClr r="0" g="0" b="0"/>
+      </a:fillRef>
+      <a:effectRef idx="0">
+        <a:scrgbClr r="0" g="0" b="0"/>
+      </a:effectRef>
+      <a:fontRef idx="minor"/>
+    </dgm:style>
+  </dgm:styleLbl>
+  <dgm:styleLbl name="fgShp">
+    <dgm:scene3d>
+      <a:camera prst="orthographicFront"/>
+      <a:lightRig rig="flat" dir="t"/>
+    </dgm:scene3d>
+    <dgm:sp3d prstMaterial="dkEdge">
+      <a:bevelT w="8200" h="38100"/>
+    </dgm:sp3d>
+    <dgm:txPr/>
+    <dgm:style>
+      <a:lnRef idx="1">
+        <a:scrgbClr r="0" g="0" b="0"/>
+      </a:lnRef>
+      <a:fillRef idx="2">
+        <a:scrgbClr r="0" g="0" b="0"/>
+      </a:fillRef>
+      <a:effectRef idx="1">
         <a:scrgbClr r="0" g="0" b="0"/>
       </a:effectRef>
       <a:fontRef idx="minor"/>
@@ -4393,7 +7654,7 @@
           <a:p>
             <a:fld id="{A573455C-FD0A-42F7-B368-8ED743777A6D}" type="datetimeFigureOut">
               <a:rPr lang="ru-RU" smtClean="0"/>
-              <a:t>15.05.2022</a:t>
+              <a:t>05.06.2022</a:t>
             </a:fld>
             <a:endParaRPr lang="ru-RU"/>
           </a:p>
@@ -4889,7 +8150,7 @@
               <a:pPr>
                 <a:defRPr/>
               </a:pPr>
-              <a:t>15.05.2022</a:t>
+              <a:t>05.06.2022</a:t>
             </a:fld>
             <a:endParaRPr lang="ru-RU"/>
           </a:p>
@@ -5084,7 +8345,7 @@
               <a:pPr>
                 <a:defRPr/>
               </a:pPr>
-              <a:t>15.05.2022</a:t>
+              <a:t>05.06.2022</a:t>
             </a:fld>
             <a:endParaRPr lang="ru-RU"/>
           </a:p>
@@ -5289,7 +8550,7 @@
               <a:pPr>
                 <a:defRPr/>
               </a:pPr>
-              <a:t>15.05.2022</a:t>
+              <a:t>05.06.2022</a:t>
             </a:fld>
             <a:endParaRPr lang="ru-RU"/>
           </a:p>
@@ -5535,7 +8796,7 @@
               <a:pPr>
                 <a:defRPr/>
               </a:pPr>
-              <a:t>15.05.2022</a:t>
+              <a:t>05.06.2022</a:t>
             </a:fld>
             <a:endParaRPr lang="ru-RU"/>
           </a:p>
@@ -5807,7 +9068,7 @@
               <a:pPr>
                 <a:defRPr/>
               </a:pPr>
-              <a:t>15.05.2022</a:t>
+              <a:t>05.06.2022</a:t>
             </a:fld>
             <a:endParaRPr lang="ru-RU"/>
           </a:p>
@@ -6119,7 +9380,7 @@
               <a:pPr>
                 <a:defRPr/>
               </a:pPr>
-              <a:t>15.05.2022</a:t>
+              <a:t>05.06.2022</a:t>
             </a:fld>
             <a:endParaRPr lang="ru-RU"/>
           </a:p>
@@ -6565,7 +9826,7 @@
               <a:pPr>
                 <a:defRPr/>
               </a:pPr>
-              <a:t>15.05.2022</a:t>
+              <a:t>05.06.2022</a:t>
             </a:fld>
             <a:endParaRPr lang="ru-RU"/>
           </a:p>
@@ -6709,7 +9970,7 @@
               <a:pPr>
                 <a:defRPr/>
               </a:pPr>
-              <a:t>15.05.2022</a:t>
+              <a:t>05.06.2022</a:t>
             </a:fld>
             <a:endParaRPr lang="ru-RU"/>
           </a:p>
@@ -6831,7 +10092,7 @@
               <a:pPr>
                 <a:defRPr/>
               </a:pPr>
-              <a:t>15.05.2022</a:t>
+              <a:t>05.06.2022</a:t>
             </a:fld>
             <a:endParaRPr lang="ru-RU"/>
           </a:p>
@@ -7133,7 +10394,7 @@
               <a:pPr>
                 <a:defRPr/>
               </a:pPr>
-              <a:t>15.05.2022</a:t>
+              <a:t>05.06.2022</a:t>
             </a:fld>
             <a:endParaRPr lang="ru-RU"/>
           </a:p>
@@ -7418,7 +10679,7 @@
               <a:pPr>
                 <a:defRPr/>
               </a:pPr>
-              <a:t>15.05.2022</a:t>
+              <a:t>05.06.2022</a:t>
             </a:fld>
             <a:endParaRPr lang="ru-RU"/>
           </a:p>
@@ -7611,7 +10872,7 @@
               <a:pPr>
                 <a:defRPr/>
               </a:pPr>
-              <a:t>15.05.2022</a:t>
+              <a:t>05.06.2022</a:t>
             </a:fld>
             <a:endParaRPr lang="ru-RU"/>
           </a:p>
@@ -8510,6 +11771,106 @@
       </p:grpSpPr>
       <p:sp>
         <p:nvSpPr>
+          <p:cNvPr id="6" name="TextBox 5">
+            <a:extLst>
+              <a:ext uri="{FF2B5EF4-FFF2-40B4-BE49-F238E27FC236}">
+                <a16:creationId xmlns:a16="http://schemas.microsoft.com/office/drawing/2014/main" id="{5BB143D9-35D4-B337-E31F-507DA0477727}"/>
+              </a:ext>
+            </a:extLst>
+          </p:cNvPr>
+          <p:cNvSpPr txBox="1"/>
+          <p:nvPr/>
+        </p:nvSpPr>
+        <p:spPr>
+          <a:xfrm>
+            <a:off x="3048000" y="260648"/>
+            <a:ext cx="6096000" cy="646331"/>
+          </a:xfrm>
+          <a:prstGeom prst="rect">
+            <a:avLst/>
+          </a:prstGeom>
+          <a:noFill/>
+        </p:spPr>
+        <p:txBody>
+          <a:bodyPr wrap="square">
+            <a:spAutoFit/>
+          </a:bodyPr>
+          <a:lstStyle/>
+          <a:p>
+            <a:pPr algn="ctr"/>
+            <a:r>
+              <a:rPr lang="ru-RU" sz="3600" dirty="0">
+                <a:solidFill>
+                  <a:srgbClr val="00285D"/>
+                </a:solidFill>
+                <a:latin typeface="Roboto" panose="02000000000000000000" pitchFamily="2" charset="0"/>
+                <a:ea typeface="Roboto" panose="02000000000000000000" pitchFamily="2" charset="0"/>
+              </a:rPr>
+              <a:t>Документирование</a:t>
+            </a:r>
+          </a:p>
+        </p:txBody>
+      </p:sp>
+      <p:graphicFrame>
+        <p:nvGraphicFramePr>
+          <p:cNvPr id="3" name="Схема 2">
+            <a:extLst>
+              <a:ext uri="{FF2B5EF4-FFF2-40B4-BE49-F238E27FC236}">
+                <a16:creationId xmlns:a16="http://schemas.microsoft.com/office/drawing/2014/main" id="{5B1BA676-4368-4549-F415-A690F6545BE7}"/>
+              </a:ext>
+            </a:extLst>
+          </p:cNvPr>
+          <p:cNvGraphicFramePr/>
+          <p:nvPr>
+            <p:extLst>
+              <p:ext uri="{D42A27DB-BD31-4B8C-83A1-F6EECF244321}">
+                <p14:modId xmlns:p14="http://schemas.microsoft.com/office/powerpoint/2010/main" val="3123601174"/>
+              </p:ext>
+            </p:extLst>
+          </p:nvPr>
+        </p:nvGraphicFramePr>
+        <p:xfrm>
+          <a:off x="299356" y="1124744"/>
+          <a:ext cx="11593288" cy="5200902"/>
+        </p:xfrm>
+        <a:graphic>
+          <a:graphicData uri="http://schemas.openxmlformats.org/drawingml/2006/diagram">
+            <dgm:relIds xmlns:dgm="http://schemas.openxmlformats.org/drawingml/2006/diagram" xmlns:r="http://schemas.openxmlformats.org/officeDocument/2006/relationships" r:dm="rId2" r:lo="rId3" r:qs="rId4" r:cs="rId5"/>
+          </a:graphicData>
+        </a:graphic>
+      </p:graphicFrame>
+    </p:spTree>
+    <p:extLst>
+      <p:ext uri="{BB962C8B-B14F-4D97-AF65-F5344CB8AC3E}">
+        <p14:creationId xmlns:p14="http://schemas.microsoft.com/office/powerpoint/2010/main" val="26999733"/>
+      </p:ext>
+    </p:extLst>
+  </p:cSld>
+  <p:clrMapOvr>
+    <a:masterClrMapping/>
+  </p:clrMapOvr>
+</p:sld>
+</file>
+
+<file path=ppt/slides/slide11.xml><?xml version="1.0" encoding="utf-8"?>
+<p:sld xmlns:a="http://schemas.openxmlformats.org/drawingml/2006/main" xmlns:r="http://schemas.openxmlformats.org/officeDocument/2006/relationships" xmlns:p="http://schemas.openxmlformats.org/presentationml/2006/main">
+  <p:cSld>
+    <p:spTree>
+      <p:nvGrpSpPr>
+        <p:cNvPr id="1" name=""/>
+        <p:cNvGrpSpPr/>
+        <p:nvPr/>
+      </p:nvGrpSpPr>
+      <p:grpSpPr>
+        <a:xfrm>
+          <a:off x="0" y="0"/>
+          <a:ext cx="0" cy="0"/>
+          <a:chOff x="0" y="0"/>
+          <a:chExt cx="0" cy="0"/>
+        </a:xfrm>
+      </p:grpSpPr>
+      <p:sp>
+        <p:nvSpPr>
           <p:cNvPr id="5" name="TextBox 4">
             <a:extLst>
               <a:ext uri="{FF2B5EF4-FFF2-40B4-BE49-F238E27FC236}">
@@ -8552,10 +11913,10 @@
       </p:sp>
       <p:sp>
         <p:nvSpPr>
-          <p:cNvPr id="7" name="TextBox 6">
+          <p:cNvPr id="2" name="TextBox 1">
             <a:extLst>
               <a:ext uri="{FF2B5EF4-FFF2-40B4-BE49-F238E27FC236}">
-                <a16:creationId xmlns:a16="http://schemas.microsoft.com/office/drawing/2014/main" id="{2B30A872-86CB-1917-C543-ED16EE9D70DF}"/>
+                <a16:creationId xmlns:a16="http://schemas.microsoft.com/office/drawing/2014/main" id="{4FF17D65-64A1-386A-1117-3ED0EC0D2787}"/>
               </a:ext>
             </a:extLst>
           </p:cNvPr>
@@ -8564,18 +11925,13 @@
         </p:nvSpPr>
         <p:spPr>
           <a:xfrm>
-            <a:off x="2585610" y="2274838"/>
-            <a:ext cx="7020780" cy="2308324"/>
+            <a:off x="1211796" y="1340768"/>
+            <a:ext cx="9768408" cy="2554545"/>
           </a:xfrm>
           <a:prstGeom prst="rect">
             <a:avLst/>
           </a:prstGeom>
           <a:noFill/>
-          <a:ln>
-            <a:solidFill>
-              <a:schemeClr val="tx1"/>
-            </a:solidFill>
-          </a:ln>
         </p:spPr>
         <p:txBody>
           <a:bodyPr wrap="square" rtlCol="0">
@@ -8583,26 +11939,226 @@
           </a:bodyPr>
           <a:lstStyle/>
           <a:p>
-            <a:pPr algn="ctr"/>
-            <a:r>
-              <a:rPr lang="ru-RU" sz="7200" dirty="0">
+            <a:pPr marL="342900" indent="-342900">
+              <a:buFont typeface="+mj-lt"/>
+              <a:buAutoNum type="arabicPeriod"/>
+            </a:pPr>
+            <a:r>
+              <a:rPr lang="ru-RU" sz="2000" dirty="0">
                 <a:solidFill>
-                  <a:srgbClr val="FF0000"/>
+                  <a:srgbClr val="000000"/>
                 </a:solidFill>
+                <a:effectLst/>
+                <a:latin typeface="Roboto" panose="02000000000000000000" pitchFamily="2" charset="0"/>
+                <a:ea typeface="Roboto" panose="02000000000000000000" pitchFamily="2" charset="0"/>
               </a:rPr>
-              <a:t>ВСТАВИТЬ</a:t>
-            </a:r>
-          </a:p>
-          <a:p>
-            <a:pPr algn="ctr"/>
-            <a:r>
-              <a:rPr lang="ru-RU" sz="7200" dirty="0">
+              <a:t>Крайников, А.Н. Проектирование системы управления роботом-вездеходом на базе фреймворка </a:t>
+            </a:r>
+            <a:r>
+              <a:rPr lang="ru-RU" sz="2000" dirty="0">
                 <a:solidFill>
-                  <a:srgbClr val="FF0000"/>
+                  <a:srgbClr val="000000"/>
                 </a:solidFill>
+                <a:latin typeface="Roboto" panose="02000000000000000000" pitchFamily="2" charset="0"/>
+                <a:ea typeface="Roboto" panose="02000000000000000000" pitchFamily="2" charset="0"/>
               </a:rPr>
-              <a:t>ПУБЛИКАЦИИ</a:t>
-            </a:r>
+              <a:t>«</a:t>
+            </a:r>
+            <a:r>
+              <a:rPr lang="en-US" sz="2000" dirty="0">
+                <a:solidFill>
+                  <a:srgbClr val="000000"/>
+                </a:solidFill>
+                <a:latin typeface="Roboto" panose="02000000000000000000" pitchFamily="2" charset="0"/>
+                <a:ea typeface="Roboto" panose="02000000000000000000" pitchFamily="2" charset="0"/>
+              </a:rPr>
+              <a:t>ROS2</a:t>
+            </a:r>
+            <a:r>
+              <a:rPr lang="ru-RU" sz="2000" dirty="0">
+                <a:solidFill>
+                  <a:srgbClr val="000000"/>
+                </a:solidFill>
+                <a:effectLst/>
+                <a:latin typeface="Roboto" panose="02000000000000000000" pitchFamily="2" charset="0"/>
+                <a:ea typeface="Roboto" panose="02000000000000000000" pitchFamily="2" charset="0"/>
+              </a:rPr>
+              <a:t>» </a:t>
+            </a:r>
+            <a:r>
+              <a:rPr lang="en-US" sz="2000" dirty="0">
+                <a:solidFill>
+                  <a:srgbClr val="000000"/>
+                </a:solidFill>
+                <a:effectLst/>
+                <a:latin typeface="Roboto" panose="02000000000000000000" pitchFamily="2" charset="0"/>
+                <a:ea typeface="Roboto" panose="02000000000000000000" pitchFamily="2" charset="0"/>
+              </a:rPr>
+              <a:t>[</a:t>
+            </a:r>
+            <a:r>
+              <a:rPr lang="ru-RU" sz="2000" dirty="0">
+                <a:solidFill>
+                  <a:srgbClr val="000000"/>
+                </a:solidFill>
+                <a:effectLst/>
+                <a:latin typeface="Roboto" panose="02000000000000000000" pitchFamily="2" charset="0"/>
+                <a:ea typeface="Roboto" panose="02000000000000000000" pitchFamily="2" charset="0"/>
+              </a:rPr>
+              <a:t>Текст</a:t>
+            </a:r>
+            <a:r>
+              <a:rPr lang="en-US" sz="2000" dirty="0">
+                <a:solidFill>
+                  <a:srgbClr val="000000"/>
+                </a:solidFill>
+                <a:effectLst/>
+                <a:latin typeface="Roboto" panose="02000000000000000000" pitchFamily="2" charset="0"/>
+                <a:ea typeface="Roboto" panose="02000000000000000000" pitchFamily="2" charset="0"/>
+              </a:rPr>
+              <a:t>]</a:t>
+            </a:r>
+            <a:r>
+              <a:rPr lang="ru-RU" sz="2000" dirty="0">
+                <a:solidFill>
+                  <a:srgbClr val="000000"/>
+                </a:solidFill>
+                <a:effectLst/>
+                <a:latin typeface="Roboto" panose="02000000000000000000" pitchFamily="2" charset="0"/>
+                <a:ea typeface="Roboto" panose="02000000000000000000" pitchFamily="2" charset="0"/>
+              </a:rPr>
+              <a:t> / А.Н. Крайников, А.А. Стахеева // </a:t>
+            </a:r>
+            <a:r>
+              <a:rPr lang="ru-RU" sz="2000" dirty="0">
+                <a:solidFill>
+                  <a:srgbClr val="000000"/>
+                </a:solidFill>
+                <a:latin typeface="Roboto" panose="02000000000000000000" pitchFamily="2" charset="0"/>
+                <a:ea typeface="Roboto" panose="02000000000000000000" pitchFamily="2" charset="0"/>
+              </a:rPr>
+              <a:t>Лучшая научная работа 2021. – 2021. – № 1. – С. 29–32.</a:t>
+            </a:r>
+          </a:p>
+          <a:p>
+            <a:pPr marL="342900" indent="-342900">
+              <a:buFont typeface="+mj-lt"/>
+              <a:buAutoNum type="arabicPeriod"/>
+            </a:pPr>
+            <a:endParaRPr lang="ru-RU" sz="2000" dirty="0">
+              <a:solidFill>
+                <a:srgbClr val="000000"/>
+              </a:solidFill>
+              <a:latin typeface="Roboto" panose="02000000000000000000" pitchFamily="2" charset="0"/>
+              <a:ea typeface="Roboto" panose="02000000000000000000" pitchFamily="2" charset="0"/>
+            </a:endParaRPr>
+          </a:p>
+          <a:p>
+            <a:pPr marL="342900" indent="-342900">
+              <a:buFont typeface="+mj-lt"/>
+              <a:buAutoNum type="arabicPeriod"/>
+            </a:pPr>
+            <a:r>
+              <a:rPr lang="ru-RU" sz="2000" dirty="0">
+                <a:solidFill>
+                  <a:srgbClr val="000000"/>
+                </a:solidFill>
+                <a:effectLst/>
+                <a:latin typeface="Roboto" panose="02000000000000000000" pitchFamily="2" charset="0"/>
+                <a:ea typeface="Roboto" panose="02000000000000000000" pitchFamily="2" charset="0"/>
+              </a:rPr>
+              <a:t>Крайников, А.Н. Автоматизация сбора данных средствами </a:t>
+            </a:r>
+            <a:r>
+              <a:rPr lang="en-US" sz="2000" dirty="0">
+                <a:solidFill>
+                  <a:srgbClr val="000000"/>
+                </a:solidFill>
+                <a:effectLst/>
+                <a:latin typeface="Roboto" panose="02000000000000000000" pitchFamily="2" charset="0"/>
+                <a:ea typeface="Roboto" panose="02000000000000000000" pitchFamily="2" charset="0"/>
+              </a:rPr>
+              <a:t>ROS</a:t>
+            </a:r>
+            <a:r>
+              <a:rPr lang="ru-RU" sz="2000" dirty="0">
+                <a:solidFill>
+                  <a:srgbClr val="000000"/>
+                </a:solidFill>
+                <a:effectLst/>
+                <a:latin typeface="Roboto" panose="02000000000000000000" pitchFamily="2" charset="0"/>
+                <a:ea typeface="Roboto" panose="02000000000000000000" pitchFamily="2" charset="0"/>
+              </a:rPr>
+              <a:t> </a:t>
+            </a:r>
+            <a:r>
+              <a:rPr lang="en-US" sz="2000" dirty="0">
+                <a:solidFill>
+                  <a:srgbClr val="000000"/>
+                </a:solidFill>
+                <a:effectLst/>
+                <a:latin typeface="Roboto" panose="02000000000000000000" pitchFamily="2" charset="0"/>
+                <a:ea typeface="Roboto" panose="02000000000000000000" pitchFamily="2" charset="0"/>
+              </a:rPr>
+              <a:t>[</a:t>
+            </a:r>
+            <a:r>
+              <a:rPr lang="ru-RU" sz="2000" dirty="0">
+                <a:solidFill>
+                  <a:srgbClr val="000000"/>
+                </a:solidFill>
+                <a:effectLst/>
+                <a:latin typeface="Roboto" panose="02000000000000000000" pitchFamily="2" charset="0"/>
+                <a:ea typeface="Roboto" panose="02000000000000000000" pitchFamily="2" charset="0"/>
+              </a:rPr>
+              <a:t>Текст</a:t>
+            </a:r>
+            <a:r>
+              <a:rPr lang="en-US" sz="2000" dirty="0">
+                <a:solidFill>
+                  <a:srgbClr val="000000"/>
+                </a:solidFill>
+                <a:effectLst/>
+                <a:latin typeface="Roboto" panose="02000000000000000000" pitchFamily="2" charset="0"/>
+                <a:ea typeface="Roboto" panose="02000000000000000000" pitchFamily="2" charset="0"/>
+              </a:rPr>
+              <a:t>]</a:t>
+            </a:r>
+            <a:r>
+              <a:rPr lang="ru-RU" sz="2000" dirty="0">
+                <a:solidFill>
+                  <a:srgbClr val="000000"/>
+                </a:solidFill>
+                <a:effectLst/>
+                <a:latin typeface="Roboto" panose="02000000000000000000" pitchFamily="2" charset="0"/>
+                <a:ea typeface="Roboto" panose="02000000000000000000" pitchFamily="2" charset="0"/>
+              </a:rPr>
+              <a:t> / А.Н. Крайников, А.А. Стахеева, И.В. Серебренников // </a:t>
+            </a:r>
+            <a:r>
+              <a:rPr lang="ru-RU" sz="2000" dirty="0">
+                <a:solidFill>
+                  <a:srgbClr val="000000"/>
+                </a:solidFill>
+                <a:latin typeface="Roboto" panose="02000000000000000000" pitchFamily="2" charset="0"/>
+                <a:ea typeface="Roboto" panose="02000000000000000000" pitchFamily="2" charset="0"/>
+              </a:rPr>
+              <a:t>Лучшая студенческая статья 2021. – 2021. – № 35. – С. 29–32.</a:t>
+            </a:r>
+            <a:endParaRPr lang="ru-RU" sz="2000" dirty="0">
+              <a:latin typeface="Roboto" panose="02000000000000000000" pitchFamily="2" charset="0"/>
+              <a:ea typeface="Roboto" panose="02000000000000000000" pitchFamily="2" charset="0"/>
+            </a:endParaRPr>
+          </a:p>
+          <a:p>
+            <a:pPr marL="342900" indent="-342900">
+              <a:buFont typeface="+mj-lt"/>
+              <a:buAutoNum type="arabicPeriod"/>
+            </a:pPr>
+            <a:endParaRPr lang="ru-RU" sz="2000" dirty="0">
+              <a:latin typeface="Roboto" panose="02000000000000000000" pitchFamily="2" charset="0"/>
+              <a:ea typeface="Roboto" panose="02000000000000000000" pitchFamily="2" charset="0"/>
+            </a:endParaRPr>
           </a:p>
         </p:txBody>
       </p:sp>
@@ -8619,7 +12175,7 @@
 </p:sld>
 </file>
 
-<file path=ppt/slides/slide11.xml><?xml version="1.0" encoding="utf-8"?>
+<file path=ppt/slides/slide12.xml><?xml version="1.0" encoding="utf-8"?>
 <p:sld xmlns:a="http://schemas.openxmlformats.org/drawingml/2006/main" xmlns:r="http://schemas.openxmlformats.org/officeDocument/2006/relationships" xmlns:p="http://schemas.openxmlformats.org/presentationml/2006/main">
   <p:cSld>
     <p:spTree>
@@ -9380,6 +12936,534 @@
           <a:chExt cx="0" cy="0"/>
         </a:xfrm>
       </p:grpSpPr>
+      <p:sp>
+        <p:nvSpPr>
+          <p:cNvPr id="4" name="Прямоугольник: скругленные углы 3">
+            <a:extLst>
+              <a:ext uri="{FF2B5EF4-FFF2-40B4-BE49-F238E27FC236}">
+                <a16:creationId xmlns:a16="http://schemas.microsoft.com/office/drawing/2014/main" id="{FDA90F43-5E9E-AE02-BEA1-A05EF3DDCBDA}"/>
+              </a:ext>
+            </a:extLst>
+          </p:cNvPr>
+          <p:cNvSpPr/>
+          <p:nvPr/>
+        </p:nvSpPr>
+        <p:spPr>
+          <a:xfrm>
+            <a:off x="6793992" y="741841"/>
+            <a:ext cx="4949952" cy="708550"/>
+          </a:xfrm>
+          <a:prstGeom prst="roundRect">
+            <a:avLst/>
+          </a:prstGeom>
+          <a:noFill/>
+          <a:ln w="19050">
+            <a:solidFill>
+              <a:srgbClr val="00295F"/>
+            </a:solidFill>
+          </a:ln>
+        </p:spPr>
+        <p:style>
+          <a:lnRef idx="2">
+            <a:schemeClr val="accent1">
+              <a:shade val="50000"/>
+            </a:schemeClr>
+          </a:lnRef>
+          <a:fillRef idx="1">
+            <a:schemeClr val="accent1"/>
+          </a:fillRef>
+          <a:effectRef idx="0">
+            <a:schemeClr val="accent1"/>
+          </a:effectRef>
+          <a:fontRef idx="minor">
+            <a:schemeClr val="lt1"/>
+          </a:fontRef>
+        </p:style>
+        <p:txBody>
+          <a:bodyPr rtlCol="0" anchor="ctr"/>
+          <a:lstStyle/>
+          <a:p>
+            <a:pPr algn="ctr"/>
+            <a:r>
+              <a:rPr lang="en-US" sz="2400" dirty="0">
+                <a:solidFill>
+                  <a:srgbClr val="00285D"/>
+                </a:solidFill>
+              </a:rPr>
+              <a:t>DRY</a:t>
+            </a:r>
+            <a:endParaRPr lang="ru-RU" sz="2400" dirty="0">
+              <a:solidFill>
+                <a:srgbClr val="00285D"/>
+              </a:solidFill>
+            </a:endParaRPr>
+          </a:p>
+        </p:txBody>
+      </p:sp>
+      <p:sp>
+        <p:nvSpPr>
+          <p:cNvPr id="5" name="Прямоугольник: скругленные углы 4">
+            <a:extLst>
+              <a:ext uri="{FF2B5EF4-FFF2-40B4-BE49-F238E27FC236}">
+                <a16:creationId xmlns:a16="http://schemas.microsoft.com/office/drawing/2014/main" id="{303F930E-B756-10DE-747E-1A93E12AD6EC}"/>
+              </a:ext>
+            </a:extLst>
+          </p:cNvPr>
+          <p:cNvSpPr/>
+          <p:nvPr/>
+        </p:nvSpPr>
+        <p:spPr>
+          <a:xfrm>
+            <a:off x="7071360" y="1657349"/>
+            <a:ext cx="4395216" cy="708550"/>
+          </a:xfrm>
+          <a:prstGeom prst="roundRect">
+            <a:avLst/>
+          </a:prstGeom>
+          <a:noFill/>
+          <a:ln w="19050">
+            <a:solidFill>
+              <a:srgbClr val="00295F"/>
+            </a:solidFill>
+          </a:ln>
+        </p:spPr>
+        <p:style>
+          <a:lnRef idx="2">
+            <a:schemeClr val="accent1">
+              <a:shade val="50000"/>
+            </a:schemeClr>
+          </a:lnRef>
+          <a:fillRef idx="1">
+            <a:schemeClr val="accent1"/>
+          </a:fillRef>
+          <a:effectRef idx="0">
+            <a:schemeClr val="accent1"/>
+          </a:effectRef>
+          <a:fontRef idx="minor">
+            <a:schemeClr val="lt1"/>
+          </a:fontRef>
+        </p:style>
+        <p:txBody>
+          <a:bodyPr rtlCol="0" anchor="ctr"/>
+          <a:lstStyle/>
+          <a:p>
+            <a:pPr algn="ctr"/>
+            <a:r>
+              <a:rPr lang="ru-RU" sz="2400" dirty="0">
+                <a:solidFill>
+                  <a:srgbClr val="00285D"/>
+                </a:solidFill>
+              </a:rPr>
+              <a:t>Распределенные процессы</a:t>
+            </a:r>
+          </a:p>
+        </p:txBody>
+      </p:sp>
+      <p:sp>
+        <p:nvSpPr>
+          <p:cNvPr id="6" name="Прямоугольник: скругленные углы 5">
+            <a:extLst>
+              <a:ext uri="{FF2B5EF4-FFF2-40B4-BE49-F238E27FC236}">
+                <a16:creationId xmlns:a16="http://schemas.microsoft.com/office/drawing/2014/main" id="{C1F43725-9FD0-CE13-38C9-57875245449C}"/>
+              </a:ext>
+            </a:extLst>
+          </p:cNvPr>
+          <p:cNvSpPr/>
+          <p:nvPr/>
+        </p:nvSpPr>
+        <p:spPr>
+          <a:xfrm>
+            <a:off x="7071360" y="2572857"/>
+            <a:ext cx="4395216" cy="708550"/>
+          </a:xfrm>
+          <a:prstGeom prst="roundRect">
+            <a:avLst/>
+          </a:prstGeom>
+          <a:noFill/>
+          <a:ln w="19050">
+            <a:solidFill>
+              <a:srgbClr val="00295F"/>
+            </a:solidFill>
+          </a:ln>
+        </p:spPr>
+        <p:style>
+          <a:lnRef idx="2">
+            <a:schemeClr val="accent1">
+              <a:shade val="50000"/>
+            </a:schemeClr>
+          </a:lnRef>
+          <a:fillRef idx="1">
+            <a:schemeClr val="accent1"/>
+          </a:fillRef>
+          <a:effectRef idx="0">
+            <a:schemeClr val="accent1"/>
+          </a:effectRef>
+          <a:fontRef idx="minor">
+            <a:schemeClr val="lt1"/>
+          </a:fontRef>
+        </p:style>
+        <p:txBody>
+          <a:bodyPr rtlCol="0" anchor="ctr"/>
+          <a:lstStyle/>
+          <a:p>
+            <a:pPr algn="ctr"/>
+            <a:r>
+              <a:rPr lang="ru-RU" sz="2400" dirty="0">
+                <a:solidFill>
+                  <a:srgbClr val="00285D"/>
+                </a:solidFill>
+              </a:rPr>
+              <a:t>Управление пакетами</a:t>
+            </a:r>
+          </a:p>
+        </p:txBody>
+      </p:sp>
+      <p:sp>
+        <p:nvSpPr>
+          <p:cNvPr id="7" name="Прямоугольник: скругленные углы 6">
+            <a:extLst>
+              <a:ext uri="{FF2B5EF4-FFF2-40B4-BE49-F238E27FC236}">
+                <a16:creationId xmlns:a16="http://schemas.microsoft.com/office/drawing/2014/main" id="{73704EBD-90F5-92F9-2DFE-4EFF84D47CC5}"/>
+              </a:ext>
+            </a:extLst>
+          </p:cNvPr>
+          <p:cNvSpPr/>
+          <p:nvPr/>
+        </p:nvSpPr>
+        <p:spPr>
+          <a:xfrm>
+            <a:off x="7071360" y="3488365"/>
+            <a:ext cx="4395216" cy="708550"/>
+          </a:xfrm>
+          <a:prstGeom prst="roundRect">
+            <a:avLst/>
+          </a:prstGeom>
+          <a:noFill/>
+          <a:ln w="19050">
+            <a:solidFill>
+              <a:srgbClr val="00295F"/>
+            </a:solidFill>
+          </a:ln>
+        </p:spPr>
+        <p:style>
+          <a:lnRef idx="2">
+            <a:schemeClr val="accent1">
+              <a:shade val="50000"/>
+            </a:schemeClr>
+          </a:lnRef>
+          <a:fillRef idx="1">
+            <a:schemeClr val="accent1"/>
+          </a:fillRef>
+          <a:effectRef idx="0">
+            <a:schemeClr val="accent1"/>
+          </a:effectRef>
+          <a:fontRef idx="minor">
+            <a:schemeClr val="lt1"/>
+          </a:fontRef>
+        </p:style>
+        <p:txBody>
+          <a:bodyPr rtlCol="0" anchor="ctr"/>
+          <a:lstStyle/>
+          <a:p>
+            <a:pPr algn="ctr"/>
+            <a:r>
+              <a:rPr lang="ru-RU" sz="2400" dirty="0">
+                <a:solidFill>
+                  <a:srgbClr val="00285D"/>
+                </a:solidFill>
+              </a:rPr>
+              <a:t>Публичные репозитории и документация</a:t>
+            </a:r>
+          </a:p>
+        </p:txBody>
+      </p:sp>
+      <p:sp>
+        <p:nvSpPr>
+          <p:cNvPr id="8" name="Прямоугольник: скругленные углы 7">
+            <a:extLst>
+              <a:ext uri="{FF2B5EF4-FFF2-40B4-BE49-F238E27FC236}">
+                <a16:creationId xmlns:a16="http://schemas.microsoft.com/office/drawing/2014/main" id="{C96D7E82-2739-013A-8C07-CD3C3BB6BA92}"/>
+              </a:ext>
+            </a:extLst>
+          </p:cNvPr>
+          <p:cNvSpPr/>
+          <p:nvPr/>
+        </p:nvSpPr>
+        <p:spPr>
+          <a:xfrm>
+            <a:off x="7071360" y="4403873"/>
+            <a:ext cx="4395216" cy="708550"/>
+          </a:xfrm>
+          <a:prstGeom prst="roundRect">
+            <a:avLst/>
+          </a:prstGeom>
+          <a:noFill/>
+          <a:ln w="19050">
+            <a:solidFill>
+              <a:srgbClr val="00295F"/>
+            </a:solidFill>
+          </a:ln>
+        </p:spPr>
+        <p:style>
+          <a:lnRef idx="2">
+            <a:schemeClr val="accent1">
+              <a:shade val="50000"/>
+            </a:schemeClr>
+          </a:lnRef>
+          <a:fillRef idx="1">
+            <a:schemeClr val="accent1"/>
+          </a:fillRef>
+          <a:effectRef idx="0">
+            <a:schemeClr val="accent1"/>
+          </a:effectRef>
+          <a:fontRef idx="minor">
+            <a:schemeClr val="lt1"/>
+          </a:fontRef>
+        </p:style>
+        <p:txBody>
+          <a:bodyPr rtlCol="0" anchor="ctr"/>
+          <a:lstStyle/>
+          <a:p>
+            <a:pPr algn="ctr"/>
+            <a:r>
+              <a:rPr lang="ru-RU" sz="2400" dirty="0">
+                <a:solidFill>
+                  <a:srgbClr val="00285D"/>
+                </a:solidFill>
+              </a:rPr>
+              <a:t>Единое </a:t>
+            </a:r>
+            <a:r>
+              <a:rPr lang="en-US" sz="2400" dirty="0">
+                <a:solidFill>
+                  <a:srgbClr val="00285D"/>
+                </a:solidFill>
+              </a:rPr>
+              <a:t>API</a:t>
+            </a:r>
+            <a:endParaRPr lang="ru-RU" sz="2400" dirty="0">
+              <a:solidFill>
+                <a:srgbClr val="00285D"/>
+              </a:solidFill>
+            </a:endParaRPr>
+          </a:p>
+        </p:txBody>
+      </p:sp>
+      <p:sp>
+        <p:nvSpPr>
+          <p:cNvPr id="9" name="Прямоугольник: скругленные углы 8">
+            <a:extLst>
+              <a:ext uri="{FF2B5EF4-FFF2-40B4-BE49-F238E27FC236}">
+                <a16:creationId xmlns:a16="http://schemas.microsoft.com/office/drawing/2014/main" id="{4B5A4212-B369-A8DF-5AEE-5BA55289DD5B}"/>
+              </a:ext>
+            </a:extLst>
+          </p:cNvPr>
+          <p:cNvSpPr/>
+          <p:nvPr/>
+        </p:nvSpPr>
+        <p:spPr>
+          <a:xfrm>
+            <a:off x="7071360" y="5319381"/>
+            <a:ext cx="4395216" cy="708550"/>
+          </a:xfrm>
+          <a:prstGeom prst="roundRect">
+            <a:avLst/>
+          </a:prstGeom>
+          <a:noFill/>
+          <a:ln w="19050">
+            <a:solidFill>
+              <a:srgbClr val="00295F"/>
+            </a:solidFill>
+          </a:ln>
+        </p:spPr>
+        <p:style>
+          <a:lnRef idx="2">
+            <a:schemeClr val="accent1">
+              <a:shade val="50000"/>
+            </a:schemeClr>
+          </a:lnRef>
+          <a:fillRef idx="1">
+            <a:schemeClr val="accent1"/>
+          </a:fillRef>
+          <a:effectRef idx="0">
+            <a:schemeClr val="accent1"/>
+          </a:effectRef>
+          <a:fontRef idx="minor">
+            <a:schemeClr val="lt1"/>
+          </a:fontRef>
+        </p:style>
+        <p:txBody>
+          <a:bodyPr rtlCol="0" anchor="ctr"/>
+          <a:lstStyle/>
+          <a:p>
+            <a:pPr algn="ctr"/>
+            <a:r>
+              <a:rPr lang="ru-RU" sz="2400" dirty="0">
+                <a:solidFill>
+                  <a:srgbClr val="00285D"/>
+                </a:solidFill>
+              </a:rPr>
+              <a:t>Поддержка различных языков программирования</a:t>
+            </a:r>
+          </a:p>
+        </p:txBody>
+      </p:sp>
+      <p:pic>
+        <p:nvPicPr>
+          <p:cNvPr id="11" name="Рисунок 10" descr="Изображение выглядит как текст&#10;&#10;Автоматически созданное описание">
+            <a:extLst>
+              <a:ext uri="{FF2B5EF4-FFF2-40B4-BE49-F238E27FC236}">
+                <a16:creationId xmlns:a16="http://schemas.microsoft.com/office/drawing/2014/main" id="{8A54A3AB-8AA8-8A8D-9E54-1C34FB2B3B60}"/>
+              </a:ext>
+            </a:extLst>
+          </p:cNvPr>
+          <p:cNvPicPr>
+            <a:picLocks noChangeAspect="1"/>
+          </p:cNvPicPr>
+          <p:nvPr/>
+        </p:nvPicPr>
+        <p:blipFill>
+          <a:blip r:embed="rId2">
+            <a:extLst>
+              <a:ext uri="{28A0092B-C50C-407E-A947-70E740481C1C}">
+                <a14:useLocalDpi xmlns:a14="http://schemas.microsoft.com/office/drawing/2010/main" val="0"/>
+              </a:ext>
+            </a:extLst>
+          </a:blip>
+          <a:stretch>
+            <a:fillRect/>
+          </a:stretch>
+        </p:blipFill>
+        <p:spPr>
+          <a:xfrm>
+            <a:off x="1738986" y="548629"/>
+            <a:ext cx="3326160" cy="2217440"/>
+          </a:xfrm>
+          <a:prstGeom prst="ellipse">
+            <a:avLst/>
+          </a:prstGeom>
+          <a:ln>
+            <a:noFill/>
+          </a:ln>
+          <a:effectLst>
+            <a:softEdge rad="112500"/>
+          </a:effectLst>
+        </p:spPr>
+      </p:pic>
+      <p:pic>
+        <p:nvPicPr>
+          <p:cNvPr id="13" name="Рисунок 12" descr="Изображение выглядит как небо, внешний, трек, транспорт&#10;&#10;Автоматически созданное описание">
+            <a:extLst>
+              <a:ext uri="{FF2B5EF4-FFF2-40B4-BE49-F238E27FC236}">
+                <a16:creationId xmlns:a16="http://schemas.microsoft.com/office/drawing/2014/main" id="{DB8CBC63-AE0D-E5E3-D518-98ABC2F5995B}"/>
+              </a:ext>
+            </a:extLst>
+          </p:cNvPr>
+          <p:cNvPicPr>
+            <a:picLocks noChangeAspect="1"/>
+          </p:cNvPicPr>
+          <p:nvPr/>
+        </p:nvPicPr>
+        <p:blipFill>
+          <a:blip r:embed="rId3" cstate="print">
+            <a:extLst>
+              <a:ext uri="{28A0092B-C50C-407E-A947-70E740481C1C}">
+                <a14:useLocalDpi xmlns:a14="http://schemas.microsoft.com/office/drawing/2010/main" val="0"/>
+              </a:ext>
+            </a:extLst>
+          </a:blip>
+          <a:stretch>
+            <a:fillRect/>
+          </a:stretch>
+        </p:blipFill>
+        <p:spPr>
+          <a:xfrm>
+            <a:off x="3287688" y="3157490"/>
+            <a:ext cx="3326160" cy="2078850"/>
+          </a:xfrm>
+          <a:prstGeom prst="ellipse">
+            <a:avLst/>
+          </a:prstGeom>
+          <a:ln>
+            <a:noFill/>
+          </a:ln>
+          <a:effectLst>
+            <a:softEdge rad="112500"/>
+          </a:effectLst>
+        </p:spPr>
+      </p:pic>
+      <p:pic>
+        <p:nvPicPr>
+          <p:cNvPr id="15" name="Рисунок 14">
+            <a:extLst>
+              <a:ext uri="{FF2B5EF4-FFF2-40B4-BE49-F238E27FC236}">
+                <a16:creationId xmlns:a16="http://schemas.microsoft.com/office/drawing/2014/main" id="{633CE146-F11F-ED77-7C52-C83BFD78B7CC}"/>
+              </a:ext>
+            </a:extLst>
+          </p:cNvPr>
+          <p:cNvPicPr>
+            <a:picLocks noChangeAspect="1"/>
+          </p:cNvPicPr>
+          <p:nvPr/>
+        </p:nvPicPr>
+        <p:blipFill>
+          <a:blip r:embed="rId4">
+            <a:extLst>
+              <a:ext uri="{28A0092B-C50C-407E-A947-70E740481C1C}">
+                <a14:useLocalDpi xmlns:a14="http://schemas.microsoft.com/office/drawing/2010/main" val="0"/>
+              </a:ext>
+            </a:extLst>
+          </a:blip>
+          <a:stretch>
+            <a:fillRect/>
+          </a:stretch>
+        </p:blipFill>
+        <p:spPr>
+          <a:xfrm>
+            <a:off x="-17157" y="2658870"/>
+            <a:ext cx="3076089" cy="3076089"/>
+          </a:xfrm>
+          <a:prstGeom prst="ellipse">
+            <a:avLst/>
+          </a:prstGeom>
+          <a:ln>
+            <a:noFill/>
+          </a:ln>
+          <a:effectLst>
+            <a:softEdge rad="112500"/>
+          </a:effectLst>
+        </p:spPr>
+      </p:pic>
+    </p:spTree>
+    <p:extLst>
+      <p:ext uri="{BB962C8B-B14F-4D97-AF65-F5344CB8AC3E}">
+        <p14:creationId xmlns:p14="http://schemas.microsoft.com/office/powerpoint/2010/main" val="2837912608"/>
+      </p:ext>
+    </p:extLst>
+  </p:cSld>
+  <p:clrMapOvr>
+    <a:masterClrMapping/>
+  </p:clrMapOvr>
+</p:sld>
+</file>
+
+<file path=ppt/slides/slide5.xml><?xml version="1.0" encoding="utf-8"?>
+<p:sld xmlns:a="http://schemas.openxmlformats.org/drawingml/2006/main" xmlns:r="http://schemas.openxmlformats.org/officeDocument/2006/relationships" xmlns:p="http://schemas.openxmlformats.org/presentationml/2006/main">
+  <p:cSld>
+    <p:spTree>
+      <p:nvGrpSpPr>
+        <p:cNvPr id="1" name=""/>
+        <p:cNvGrpSpPr/>
+        <p:nvPr/>
+      </p:nvGrpSpPr>
+      <p:grpSpPr>
+        <a:xfrm>
+          <a:off x="0" y="0"/>
+          <a:ext cx="0" cy="0"/>
+          <a:chOff x="0" y="0"/>
+          <a:chExt cx="0" cy="0"/>
+        </a:xfrm>
+      </p:grpSpPr>
       <p:pic>
         <p:nvPicPr>
           <p:cNvPr id="2" name="Рисунок 1">
@@ -10216,7 +14300,7 @@
 </p:sld>
 </file>
 
-<file path=ppt/slides/slide5.xml><?xml version="1.0" encoding="utf-8"?>
+<file path=ppt/slides/slide6.xml><?xml version="1.0" encoding="utf-8"?>
 <p:sld xmlns:a="http://schemas.openxmlformats.org/drawingml/2006/main" xmlns:r="http://schemas.openxmlformats.org/officeDocument/2006/relationships" xmlns:p="http://schemas.openxmlformats.org/presentationml/2006/main">
   <p:cSld>
     <p:spTree>
@@ -10406,7 +14490,7 @@
 </p:sld>
 </file>
 
-<file path=ppt/slides/slide6.xml><?xml version="1.0" encoding="utf-8"?>
+<file path=ppt/slides/slide7.xml><?xml version="1.0" encoding="utf-8"?>
 <p:sld xmlns:a="http://schemas.openxmlformats.org/drawingml/2006/main" xmlns:r="http://schemas.openxmlformats.org/officeDocument/2006/relationships" xmlns:p="http://schemas.openxmlformats.org/presentationml/2006/main">
   <p:cSld>
     <p:spTree>
@@ -11234,7 +15318,7 @@
 </p:sld>
 </file>
 
-<file path=ppt/slides/slide7.xml><?xml version="1.0" encoding="utf-8"?>
+<file path=ppt/slides/slide8.xml><?xml version="1.0" encoding="utf-8"?>
 <p:sld xmlns:a="http://schemas.openxmlformats.org/drawingml/2006/main" xmlns:r="http://schemas.openxmlformats.org/officeDocument/2006/relationships" xmlns:p="http://schemas.openxmlformats.org/presentationml/2006/main">
   <p:cSld>
     <p:spTree>
@@ -11293,48 +15377,761 @@
           </a:p>
         </p:txBody>
       </p:sp>
-      <p:sp>
-        <p:nvSpPr>
-          <p:cNvPr id="32" name="TextBox 31">
+      <p:pic>
+        <p:nvPicPr>
+          <p:cNvPr id="3" name="Рисунок 2" descr="Изображение выглядит как прибор&#10;&#10;Автоматически созданное описание">
             <a:extLst>
               <a:ext uri="{FF2B5EF4-FFF2-40B4-BE49-F238E27FC236}">
-                <a16:creationId xmlns:a16="http://schemas.microsoft.com/office/drawing/2014/main" id="{E92D2490-2B39-9CEB-E5D7-C1799C2E78B9}"/>
+                <a16:creationId xmlns:a16="http://schemas.microsoft.com/office/drawing/2014/main" id="{57F51631-5039-A591-2523-9BC58CA1E7D8}"/>
               </a:ext>
             </a:extLst>
           </p:cNvPr>
-          <p:cNvSpPr txBox="1"/>
+          <p:cNvPicPr>
+            <a:picLocks noChangeAspect="1"/>
+          </p:cNvPicPr>
+          <p:nvPr/>
+        </p:nvPicPr>
+        <p:blipFill rotWithShape="1">
+          <a:blip r:embed="rId2">
+            <a:extLst>
+              <a:ext uri="{BEBA8EAE-BF5A-486C-A8C5-ECC9F3942E4B}">
+                <a14:imgProps xmlns:a14="http://schemas.microsoft.com/office/drawing/2010/main">
+                  <a14:imgLayer r:embed="rId3">
+                    <a14:imgEffect>
+                      <a14:backgroundRemoval t="8125" b="87500" l="19922" r="80234">
+                        <a14:foregroundMark x1="43047" y1="8229" x2="44766" y2="10208"/>
+                        <a14:foregroundMark x1="36406" y1="34271" x2="39609" y2="32083"/>
+                        <a14:foregroundMark x1="62031" y1="43021" x2="68359" y2="44167"/>
+                        <a14:foregroundMark x1="71875" y1="55313" x2="74766" y2="57500"/>
+                        <a14:foregroundMark x1="76563" y1="56146" x2="79297" y2="55729"/>
+                        <a14:foregroundMark x1="80078" y1="63958" x2="80078" y2="62604"/>
+                        <a14:foregroundMark x1="61719" y1="77708" x2="52422" y2="72292"/>
+                        <a14:foregroundMark x1="52422" y1="72292" x2="55391" y2="81563"/>
+                        <a14:foregroundMark x1="55391" y1="81563" x2="58203" y2="73646"/>
+                        <a14:foregroundMark x1="58203" y1="73646" x2="58047" y2="72917"/>
+                        <a14:foregroundMark x1="49609" y1="72708" x2="49141" y2="73125"/>
+                        <a14:foregroundMark x1="48828" y1="76146" x2="48828" y2="76146"/>
+                        <a14:foregroundMark x1="50078" y1="82396" x2="58047" y2="87604"/>
+                        <a14:foregroundMark x1="58047" y1="87604" x2="60625" y2="82813"/>
+                        <a14:foregroundMark x1="32188" y1="42813" x2="32813" y2="45625"/>
+                        <a14:foregroundMark x1="27031" y1="53438" x2="28828" y2="52083"/>
+                        <a14:foregroundMark x1="24766" y1="60104" x2="25391" y2="69688"/>
+                        <a14:foregroundMark x1="21719" y1="62396" x2="22422" y2="69688"/>
+                        <a14:foregroundMark x1="22422" y1="69688" x2="23672" y2="69479"/>
+                        <a14:foregroundMark x1="21094" y1="60104" x2="19922" y2="66458"/>
+                        <a14:foregroundMark x1="68359" y1="76875" x2="78672" y2="60938"/>
+                        <a14:foregroundMark x1="80234" y1="55937" x2="80234" y2="55937"/>
+                        <a14:foregroundMark x1="71250" y1="28438" x2="71250" y2="28438"/>
+                        <a14:foregroundMark x1="73359" y1="19792" x2="73359" y2="19792"/>
+                        <a14:foregroundMark x1="43047" y1="14479" x2="43047" y2="14479"/>
+                        <a14:foregroundMark x1="42344" y1="14896" x2="42344" y2="14896"/>
+                        <a14:foregroundMark x1="52987" y1="30312" x2="53594" y2="29792"/>
+                        <a14:foregroundMark x1="52500" y1="30729" x2="52987" y2="30312"/>
+                        <a14:foregroundMark x1="54267" y1="29983" x2="54863" y2="29847"/>
+                        <a14:foregroundMark x1="53281" y1="30208" x2="53549" y2="30147"/>
+                        <a14:foregroundMark x1="50703" y1="30521" x2="55234" y2="29583"/>
+                        <a14:foregroundMark x1="54291" y1="29935" x2="52344" y2="30521"/>
+                        <a14:foregroundMark x1="58750" y1="33229" x2="58750" y2="33229"/>
+                        <a14:foregroundMark x1="56797" y1="34375" x2="56797" y2="34375"/>
+                        <a14:foregroundMark x1="53438" y1="35417" x2="53438" y2="35417"/>
+                        <a14:foregroundMark x1="55078" y1="34792" x2="55078" y2="34792"/>
+                        <a14:foregroundMark x1="56250" y1="27500" x2="57422" y2="27292"/>
+                        <a14:foregroundMark x1="53203" y1="36042" x2="53203" y2="36250"/>
+                        <a14:foregroundMark x1="51953" y1="36042" x2="51953" y2="36042"/>
+                        <a14:foregroundMark x1="56641" y1="29479" x2="56641" y2="29479"/>
+                        <a14:foregroundMark x1="56641" y1="29375" x2="55937" y2="29375"/>
+                        <a14:foregroundMark x1="57266" y1="29167" x2="56250" y2="30000"/>
+                        <a14:foregroundMark x1="57109" y1="29583" x2="55469" y2="30208"/>
+                        <a14:foregroundMark x1="56953" y1="29167" x2="53984" y2="30208"/>
+                        <a14:foregroundMark x1="57734" y1="28542" x2="56563" y2="29479"/>
+                        <a14:backgroundMark x1="32031" y1="71875" x2="31563" y2="72917"/>
+                        <a14:backgroundMark x1="29609" y1="73646" x2="26406" y2="74896"/>
+                        <a14:backgroundMark x1="24453" y1="75313" x2="24453" y2="75313"/>
+                        <a14:backgroundMark x1="24922" y1="74688" x2="24922" y2="74688"/>
+                        <a14:backgroundMark x1="24609" y1="74479" x2="24609" y2="74479"/>
+                        <a14:backgroundMark x1="50078" y1="86458" x2="50781" y2="88021"/>
+                        <a14:backgroundMark x1="52500" y1="89479" x2="53359" y2="90208"/>
+                        <a14:backgroundMark x1="56484" y1="36250" x2="60078" y2="36250"/>
+                        <a14:backgroundMark x1="53438" y1="31667" x2="55078" y2="31771"/>
+                        <a14:backgroundMark x1="52422" y1="30625" x2="52422" y2="30625"/>
+                        <a14:backgroundMark x1="52266" y1="30625" x2="52266" y2="30625"/>
+                        <a14:backgroundMark x1="52734" y1="30312" x2="52734" y2="30312"/>
+                        <a14:backgroundMark x1="52344" y1="38125" x2="53047" y2="37917"/>
+                      </a14:backgroundRemoval>
+                    </a14:imgEffect>
+                  </a14:imgLayer>
+                </a14:imgProps>
+              </a:ext>
+              <a:ext uri="{28A0092B-C50C-407E-A947-70E740481C1C}">
+                <a14:useLocalDpi xmlns:a14="http://schemas.microsoft.com/office/drawing/2010/main" val="0"/>
+              </a:ext>
+            </a:extLst>
+          </a:blip>
+          <a:srcRect l="17982" t="2188" r="15350" b="7514"/>
+          <a:stretch/>
+        </p:blipFill>
+        <p:spPr>
+          <a:xfrm>
+            <a:off x="2927648" y="580241"/>
+            <a:ext cx="6096000" cy="6192689"/>
+          </a:xfrm>
+          <a:prstGeom prst="rect">
+            <a:avLst/>
+          </a:prstGeom>
+          <a:ln>
+            <a:noFill/>
+          </a:ln>
+          <a:effectLst>
+            <a:outerShdw blurRad="190500" algn="tl" rotWithShape="0">
+              <a:srgbClr val="000000">
+                <a:alpha val="70000"/>
+              </a:srgbClr>
+            </a:outerShdw>
+          </a:effectLst>
+        </p:spPr>
+      </p:pic>
+      <p:sp>
+        <p:nvSpPr>
+          <p:cNvPr id="4" name="Выноска: изогнутая линия 3">
+            <a:extLst>
+              <a:ext uri="{FF2B5EF4-FFF2-40B4-BE49-F238E27FC236}">
+                <a16:creationId xmlns:a16="http://schemas.microsoft.com/office/drawing/2014/main" id="{04A1D1B2-51EF-17D3-0B40-21CDBC88339D}"/>
+              </a:ext>
+            </a:extLst>
+          </p:cNvPr>
+          <p:cNvSpPr/>
           <p:nvPr/>
         </p:nvSpPr>
         <p:spPr>
           <a:xfrm>
-            <a:off x="3899756" y="2274838"/>
-            <a:ext cx="4392488" cy="2308324"/>
+            <a:off x="263352" y="1117102"/>
+            <a:ext cx="2543944" cy="1008112"/>
           </a:xfrm>
-          <a:prstGeom prst="rect">
-            <a:avLst/>
+          <a:prstGeom prst="borderCallout2">
+            <a:avLst>
+              <a:gd name="adj1" fmla="val 113233"/>
+              <a:gd name="adj2" fmla="val -2226"/>
+              <a:gd name="adj3" fmla="val 113234"/>
+              <a:gd name="adj4" fmla="val 100606"/>
+              <a:gd name="adj5" fmla="val 145254"/>
+              <a:gd name="adj6" fmla="val 158990"/>
+            </a:avLst>
           </a:prstGeom>
           <a:noFill/>
-          <a:ln>
-            <a:solidFill>
-              <a:schemeClr val="tx1"/>
-            </a:solidFill>
-          </a:ln>
         </p:spPr>
+        <p:style>
+          <a:lnRef idx="2">
+            <a:schemeClr val="dk1">
+              <a:shade val="50000"/>
+            </a:schemeClr>
+          </a:lnRef>
+          <a:fillRef idx="1">
+            <a:schemeClr val="dk1"/>
+          </a:fillRef>
+          <a:effectRef idx="0">
+            <a:schemeClr val="dk1"/>
+          </a:effectRef>
+          <a:fontRef idx="minor">
+            <a:schemeClr val="lt1"/>
+          </a:fontRef>
+        </p:style>
         <p:txBody>
-          <a:bodyPr wrap="square" rtlCol="0">
-            <a:spAutoFit/>
-          </a:bodyPr>
+          <a:bodyPr rtlCol="0" anchor="ctr"/>
           <a:lstStyle/>
           <a:p>
             <a:pPr algn="ctr"/>
             <a:r>
-              <a:rPr lang="ru-RU" sz="7200" dirty="0">
+              <a:rPr lang="ru-RU" sz="1600" b="1" dirty="0">
                 <a:solidFill>
-                  <a:srgbClr val="FF0000"/>
+                  <a:schemeClr val="tx1"/>
                 </a:solidFill>
               </a:rPr>
-              <a:t>ВСТАВИТЬ ФОТО</a:t>
-            </a:r>
+              <a:t>Сервопривод </a:t>
+            </a:r>
+            <a:r>
+              <a:rPr lang="en-US" sz="1600" b="1" dirty="0">
+                <a:solidFill>
+                  <a:schemeClr val="tx1"/>
+                </a:solidFill>
+              </a:rPr>
+              <a:t>MG</a:t>
+            </a:r>
+            <a:r>
+              <a:rPr lang="ru-RU" sz="1600" b="1" dirty="0">
+                <a:solidFill>
+                  <a:schemeClr val="tx1"/>
+                </a:solidFill>
+              </a:rPr>
+              <a:t>996</a:t>
+            </a:r>
+          </a:p>
+          <a:p>
+            <a:pPr algn="ctr"/>
+            <a:r>
+              <a:rPr lang="ru-RU" sz="1600" dirty="0">
+                <a:solidFill>
+                  <a:schemeClr val="tx1"/>
+                </a:solidFill>
+              </a:rPr>
+              <a:t>170 мс / 60 градусов</a:t>
+            </a:r>
+          </a:p>
+          <a:p>
+            <a:pPr algn="ctr"/>
+            <a:r>
+              <a:rPr lang="ru-RU" sz="1600" dirty="0">
+                <a:solidFill>
+                  <a:schemeClr val="tx1"/>
+                </a:solidFill>
+              </a:rPr>
+              <a:t>10 кг / см</a:t>
+            </a:r>
+          </a:p>
+        </p:txBody>
+      </p:sp>
+      <p:sp>
+        <p:nvSpPr>
+          <p:cNvPr id="7" name="Выноска: изогнутая линия 6">
+            <a:extLst>
+              <a:ext uri="{FF2B5EF4-FFF2-40B4-BE49-F238E27FC236}">
+                <a16:creationId xmlns:a16="http://schemas.microsoft.com/office/drawing/2014/main" id="{B48E4F79-CE73-146C-47A2-1F58E6E1BB12}"/>
+              </a:ext>
+            </a:extLst>
+          </p:cNvPr>
+          <p:cNvSpPr/>
+          <p:nvPr/>
+        </p:nvSpPr>
+        <p:spPr>
+          <a:xfrm>
+            <a:off x="263352" y="3061917"/>
+            <a:ext cx="2541712" cy="1008112"/>
+          </a:xfrm>
+          <a:prstGeom prst="borderCallout2">
+            <a:avLst>
+              <a:gd name="adj1" fmla="val 113233"/>
+              <a:gd name="adj2" fmla="val -2226"/>
+              <a:gd name="adj3" fmla="val 113234"/>
+              <a:gd name="adj4" fmla="val 100606"/>
+              <a:gd name="adj5" fmla="val 128878"/>
+              <a:gd name="adj6" fmla="val 113652"/>
+            </a:avLst>
+          </a:prstGeom>
+          <a:noFill/>
+        </p:spPr>
+        <p:style>
+          <a:lnRef idx="2">
+            <a:schemeClr val="dk1">
+              <a:shade val="50000"/>
+            </a:schemeClr>
+          </a:lnRef>
+          <a:fillRef idx="1">
+            <a:schemeClr val="dk1"/>
+          </a:fillRef>
+          <a:effectRef idx="0">
+            <a:schemeClr val="dk1"/>
+          </a:effectRef>
+          <a:fontRef idx="minor">
+            <a:schemeClr val="lt1"/>
+          </a:fontRef>
+        </p:style>
+        <p:txBody>
+          <a:bodyPr rtlCol="0" anchor="ctr"/>
+          <a:lstStyle/>
+          <a:p>
+            <a:pPr algn="ctr"/>
+            <a:r>
+              <a:rPr lang="ru-RU" sz="1600" b="1" dirty="0">
+                <a:solidFill>
+                  <a:schemeClr val="tx1"/>
+                </a:solidFill>
+              </a:rPr>
+              <a:t>Двигатели </a:t>
+            </a:r>
+            <a:r>
+              <a:rPr lang="en-US" sz="1600" b="1" dirty="0">
+                <a:solidFill>
+                  <a:schemeClr val="tx1"/>
+                </a:solidFill>
+              </a:rPr>
+              <a:t>GB37-520 </a:t>
+            </a:r>
+            <a:r>
+              <a:rPr lang="ru-RU" sz="1600" dirty="0">
+                <a:solidFill>
+                  <a:schemeClr val="tx1"/>
+                </a:solidFill>
+              </a:rPr>
+              <a:t>1980</a:t>
+            </a:r>
+            <a:r>
+              <a:rPr lang="en-US" sz="1600" dirty="0">
+                <a:solidFill>
+                  <a:schemeClr val="tx1"/>
+                </a:solidFill>
+              </a:rPr>
+              <a:t> </a:t>
+            </a:r>
+            <a:r>
+              <a:rPr lang="ru-RU" sz="1600" dirty="0">
+                <a:solidFill>
+                  <a:schemeClr val="tx1"/>
+                </a:solidFill>
+              </a:rPr>
+              <a:t>град / с</a:t>
+            </a:r>
+          </a:p>
+          <a:p>
+            <a:pPr algn="ctr"/>
+            <a:r>
+              <a:rPr lang="en-US" sz="1600" dirty="0">
+                <a:solidFill>
+                  <a:schemeClr val="tx1"/>
+                </a:solidFill>
+              </a:rPr>
+              <a:t>7.2</a:t>
+            </a:r>
+            <a:r>
+              <a:rPr lang="ru-RU" sz="1600" dirty="0">
+                <a:solidFill>
+                  <a:schemeClr val="tx1"/>
+                </a:solidFill>
+              </a:rPr>
+              <a:t> Ватта</a:t>
+            </a:r>
+          </a:p>
+        </p:txBody>
+      </p:sp>
+      <p:sp>
+        <p:nvSpPr>
+          <p:cNvPr id="8" name="Выноска: изогнутая линия 7">
+            <a:extLst>
+              <a:ext uri="{FF2B5EF4-FFF2-40B4-BE49-F238E27FC236}">
+                <a16:creationId xmlns:a16="http://schemas.microsoft.com/office/drawing/2014/main" id="{AB6B0200-A5E1-2FA1-32D9-0ED319C97BF6}"/>
+              </a:ext>
+            </a:extLst>
+          </p:cNvPr>
+          <p:cNvSpPr/>
+          <p:nvPr/>
+        </p:nvSpPr>
+        <p:spPr>
+          <a:xfrm>
+            <a:off x="263352" y="5006732"/>
+            <a:ext cx="2541712" cy="1008112"/>
+          </a:xfrm>
+          <a:prstGeom prst="borderCallout2">
+            <a:avLst>
+              <a:gd name="adj1" fmla="val 113233"/>
+              <a:gd name="adj2" fmla="val -2226"/>
+              <a:gd name="adj3" fmla="val 113234"/>
+              <a:gd name="adj4" fmla="val 100606"/>
+              <a:gd name="adj5" fmla="val 40611"/>
+              <a:gd name="adj6" fmla="val 174206"/>
+            </a:avLst>
+          </a:prstGeom>
+          <a:noFill/>
+        </p:spPr>
+        <p:style>
+          <a:lnRef idx="2">
+            <a:schemeClr val="dk1">
+              <a:shade val="50000"/>
+            </a:schemeClr>
+          </a:lnRef>
+          <a:fillRef idx="1">
+            <a:schemeClr val="dk1"/>
+          </a:fillRef>
+          <a:effectRef idx="0">
+            <a:schemeClr val="dk1"/>
+          </a:effectRef>
+          <a:fontRef idx="minor">
+            <a:schemeClr val="lt1"/>
+          </a:fontRef>
+        </p:style>
+        <p:txBody>
+          <a:bodyPr rtlCol="0" anchor="ctr"/>
+          <a:lstStyle/>
+          <a:p>
+            <a:pPr algn="ctr"/>
+            <a:r>
+              <a:rPr lang="en-US" sz="1600" b="1" dirty="0">
+                <a:solidFill>
+                  <a:schemeClr val="tx1"/>
+                </a:solidFill>
+              </a:rPr>
+              <a:t>Stm32f103rct6</a:t>
+            </a:r>
+          </a:p>
+          <a:p>
+            <a:pPr algn="ctr"/>
+            <a:r>
+              <a:rPr lang="en-US" sz="1600" dirty="0">
+                <a:solidFill>
+                  <a:schemeClr val="tx1"/>
+                </a:solidFill>
+              </a:rPr>
+              <a:t>MPU6050</a:t>
+            </a:r>
+            <a:endParaRPr lang="ru-RU" sz="1600" dirty="0">
+              <a:solidFill>
+                <a:schemeClr val="tx1"/>
+              </a:solidFill>
+            </a:endParaRPr>
+          </a:p>
+          <a:p>
+            <a:pPr algn="ctr"/>
+            <a:r>
+              <a:rPr lang="en-US" sz="1600" dirty="0">
+                <a:solidFill>
+                  <a:schemeClr val="tx1"/>
+                </a:solidFill>
+              </a:rPr>
+              <a:t>TB6612</a:t>
+            </a:r>
+            <a:endParaRPr lang="ru-RU" sz="1600" dirty="0">
+              <a:solidFill>
+                <a:schemeClr val="tx1"/>
+              </a:solidFill>
+            </a:endParaRPr>
+          </a:p>
+          <a:p>
+            <a:pPr algn="ctr"/>
+            <a:r>
+              <a:rPr lang="en-US" sz="1600" dirty="0">
+                <a:solidFill>
+                  <a:schemeClr val="tx1"/>
+                </a:solidFill>
+              </a:rPr>
+              <a:t>DC-DC 5 </a:t>
+            </a:r>
+            <a:r>
+              <a:rPr lang="ru-RU" sz="1600" dirty="0">
+                <a:solidFill>
+                  <a:schemeClr val="tx1"/>
+                </a:solidFill>
+              </a:rPr>
+              <a:t>вольт 3 ампера</a:t>
+            </a:r>
+          </a:p>
+        </p:txBody>
+      </p:sp>
+      <p:sp>
+        <p:nvSpPr>
+          <p:cNvPr id="9" name="Выноска: изогнутая линия 8">
+            <a:extLst>
+              <a:ext uri="{FF2B5EF4-FFF2-40B4-BE49-F238E27FC236}">
+                <a16:creationId xmlns:a16="http://schemas.microsoft.com/office/drawing/2014/main" id="{07E244EF-2A79-020C-F57C-001283C5E8C0}"/>
+              </a:ext>
+            </a:extLst>
+          </p:cNvPr>
+          <p:cNvSpPr/>
+          <p:nvPr/>
+        </p:nvSpPr>
+        <p:spPr>
+          <a:xfrm>
+            <a:off x="9264352" y="1117102"/>
+            <a:ext cx="2664296" cy="1008112"/>
+          </a:xfrm>
+          <a:prstGeom prst="borderCallout2">
+            <a:avLst>
+              <a:gd name="adj1" fmla="val 111972"/>
+              <a:gd name="adj2" fmla="val 101429"/>
+              <a:gd name="adj3" fmla="val 111974"/>
+              <a:gd name="adj4" fmla="val 224"/>
+              <a:gd name="adj5" fmla="val 193126"/>
+              <a:gd name="adj6" fmla="val -50559"/>
+            </a:avLst>
+          </a:prstGeom>
+          <a:noFill/>
+        </p:spPr>
+        <p:style>
+          <a:lnRef idx="2">
+            <a:schemeClr val="dk1">
+              <a:shade val="50000"/>
+            </a:schemeClr>
+          </a:lnRef>
+          <a:fillRef idx="1">
+            <a:schemeClr val="dk1"/>
+          </a:fillRef>
+          <a:effectRef idx="0">
+            <a:schemeClr val="dk1"/>
+          </a:effectRef>
+          <a:fontRef idx="minor">
+            <a:schemeClr val="lt1"/>
+          </a:fontRef>
+        </p:style>
+        <p:txBody>
+          <a:bodyPr rtlCol="0" anchor="ctr"/>
+          <a:lstStyle/>
+          <a:p>
+            <a:pPr algn="ctr"/>
+            <a:r>
+              <a:rPr lang="ru-RU" sz="1600" b="1" dirty="0">
+                <a:solidFill>
+                  <a:schemeClr val="tx1"/>
+                </a:solidFill>
+              </a:rPr>
+              <a:t>Лидар </a:t>
+            </a:r>
+            <a:r>
+              <a:rPr lang="en-US" sz="1600" b="1" dirty="0">
+                <a:solidFill>
+                  <a:schemeClr val="tx1"/>
+                </a:solidFill>
+              </a:rPr>
+              <a:t>Delta-2A</a:t>
+            </a:r>
+          </a:p>
+          <a:p>
+            <a:pPr algn="ctr"/>
+            <a:r>
+              <a:rPr lang="ru-RU" sz="1600" dirty="0">
+                <a:solidFill>
+                  <a:srgbClr val="000000"/>
+                </a:solidFill>
+                <a:effectLst/>
+              </a:rPr>
+              <a:t>360 об/мин</a:t>
+            </a:r>
+            <a:endParaRPr lang="en-US" sz="1600" dirty="0">
+              <a:solidFill>
+                <a:srgbClr val="000000"/>
+              </a:solidFill>
+              <a:effectLst/>
+            </a:endParaRPr>
+          </a:p>
+          <a:p>
+            <a:pPr algn="ctr"/>
+            <a:r>
+              <a:rPr lang="ru-RU" sz="1600" dirty="0">
+                <a:solidFill>
+                  <a:srgbClr val="000000"/>
+                </a:solidFill>
+                <a:effectLst/>
+              </a:rPr>
+              <a:t>0,3 ~ 0,8 °</a:t>
+            </a:r>
+            <a:endParaRPr lang="en-US" sz="1600" dirty="0">
+              <a:solidFill>
+                <a:srgbClr val="000000"/>
+              </a:solidFill>
+              <a:effectLst/>
+            </a:endParaRPr>
+          </a:p>
+          <a:p>
+            <a:pPr algn="ctr"/>
+            <a:r>
+              <a:rPr lang="en-US" sz="1600" dirty="0">
+                <a:solidFill>
+                  <a:srgbClr val="000000"/>
+                </a:solidFill>
+              </a:rPr>
+              <a:t>8</a:t>
+            </a:r>
+            <a:r>
+              <a:rPr lang="ru-RU" sz="1600" dirty="0">
+                <a:solidFill>
+                  <a:srgbClr val="000000"/>
+                </a:solidFill>
+              </a:rPr>
+              <a:t> метров</a:t>
+            </a:r>
+            <a:endParaRPr lang="ru-RU" sz="1600" dirty="0">
+              <a:solidFill>
+                <a:schemeClr val="tx1"/>
+              </a:solidFill>
+            </a:endParaRPr>
+          </a:p>
+        </p:txBody>
+      </p:sp>
+      <p:sp>
+        <p:nvSpPr>
+          <p:cNvPr id="10" name="Выноска: изогнутая линия 9">
+            <a:extLst>
+              <a:ext uri="{FF2B5EF4-FFF2-40B4-BE49-F238E27FC236}">
+                <a16:creationId xmlns:a16="http://schemas.microsoft.com/office/drawing/2014/main" id="{0EA3F7D3-78AC-DF62-5355-DA316258C50E}"/>
+              </a:ext>
+            </a:extLst>
+          </p:cNvPr>
+          <p:cNvSpPr/>
+          <p:nvPr/>
+        </p:nvSpPr>
+        <p:spPr>
+          <a:xfrm>
+            <a:off x="9264352" y="3061917"/>
+            <a:ext cx="2664296" cy="1008112"/>
+          </a:xfrm>
+          <a:prstGeom prst="borderCallout2">
+            <a:avLst>
+              <a:gd name="adj1" fmla="val 111972"/>
+              <a:gd name="adj2" fmla="val 101429"/>
+              <a:gd name="adj3" fmla="val 111974"/>
+              <a:gd name="adj4" fmla="val 224"/>
+              <a:gd name="adj5" fmla="val 152813"/>
+              <a:gd name="adj6" fmla="val -21645"/>
+            </a:avLst>
+          </a:prstGeom>
+          <a:noFill/>
+        </p:spPr>
+        <p:style>
+          <a:lnRef idx="2">
+            <a:schemeClr val="dk1">
+              <a:shade val="50000"/>
+            </a:schemeClr>
+          </a:lnRef>
+          <a:fillRef idx="1">
+            <a:schemeClr val="dk1"/>
+          </a:fillRef>
+          <a:effectRef idx="0">
+            <a:schemeClr val="dk1"/>
+          </a:effectRef>
+          <a:fontRef idx="minor">
+            <a:schemeClr val="lt1"/>
+          </a:fontRef>
+        </p:style>
+        <p:txBody>
+          <a:bodyPr rtlCol="0" anchor="ctr"/>
+          <a:lstStyle/>
+          <a:p>
+            <a:pPr algn="ctr"/>
+            <a:r>
+              <a:rPr lang="ru-RU" sz="1600" b="1" dirty="0">
+                <a:solidFill>
+                  <a:schemeClr val="tx1"/>
+                </a:solidFill>
+              </a:rPr>
+              <a:t>Аккумулятор 18650 2</a:t>
+            </a:r>
+            <a:r>
+              <a:rPr lang="en-US" sz="1600" b="1" dirty="0">
+                <a:solidFill>
+                  <a:schemeClr val="tx1"/>
+                </a:solidFill>
+              </a:rPr>
+              <a:t>s2p</a:t>
+            </a:r>
+          </a:p>
+          <a:p>
+            <a:pPr algn="ctr"/>
+            <a:endParaRPr lang="ru-RU" sz="1600" dirty="0">
+              <a:solidFill>
+                <a:schemeClr val="tx1"/>
+              </a:solidFill>
+            </a:endParaRPr>
+          </a:p>
+        </p:txBody>
+      </p:sp>
+      <p:sp>
+        <p:nvSpPr>
+          <p:cNvPr id="11" name="Выноска: изогнутая линия 10">
+            <a:extLst>
+              <a:ext uri="{FF2B5EF4-FFF2-40B4-BE49-F238E27FC236}">
+                <a16:creationId xmlns:a16="http://schemas.microsoft.com/office/drawing/2014/main" id="{35AAB531-8E09-706D-821C-D11B04FFCDD2}"/>
+              </a:ext>
+            </a:extLst>
+          </p:cNvPr>
+          <p:cNvSpPr/>
+          <p:nvPr/>
+        </p:nvSpPr>
+        <p:spPr>
+          <a:xfrm>
+            <a:off x="9296052" y="5006732"/>
+            <a:ext cx="2664296" cy="1008112"/>
+          </a:xfrm>
+          <a:prstGeom prst="borderCallout2">
+            <a:avLst>
+              <a:gd name="adj1" fmla="val 111972"/>
+              <a:gd name="adj2" fmla="val 101429"/>
+              <a:gd name="adj3" fmla="val 111974"/>
+              <a:gd name="adj4" fmla="val 224"/>
+              <a:gd name="adj5" fmla="val 60158"/>
+              <a:gd name="adj6" fmla="val -42834"/>
+            </a:avLst>
+          </a:prstGeom>
+          <a:noFill/>
+        </p:spPr>
+        <p:style>
+          <a:lnRef idx="2">
+            <a:schemeClr val="dk1">
+              <a:shade val="50000"/>
+            </a:schemeClr>
+          </a:lnRef>
+          <a:fillRef idx="1">
+            <a:schemeClr val="dk1"/>
+          </a:fillRef>
+          <a:effectRef idx="0">
+            <a:schemeClr val="dk1"/>
+          </a:effectRef>
+          <a:fontRef idx="minor">
+            <a:schemeClr val="lt1"/>
+          </a:fontRef>
+        </p:style>
+        <p:txBody>
+          <a:bodyPr rtlCol="0" anchor="ctr"/>
+          <a:lstStyle/>
+          <a:p>
+            <a:pPr algn="ctr"/>
+            <a:r>
+              <a:rPr lang="en-US" sz="1600" b="1" dirty="0">
+                <a:solidFill>
+                  <a:schemeClr val="tx1"/>
+                </a:solidFill>
+              </a:rPr>
+              <a:t>Raspberry Pi 4B</a:t>
+            </a:r>
+          </a:p>
+          <a:p>
+            <a:pPr algn="ctr"/>
+            <a:r>
+              <a:rPr lang="en-US" sz="1600" dirty="0">
+                <a:solidFill>
+                  <a:srgbClr val="000000"/>
+                </a:solidFill>
+                <a:effectLst/>
+              </a:rPr>
+              <a:t>ARM Cortex-A72</a:t>
+            </a:r>
+          </a:p>
+          <a:p>
+            <a:pPr algn="ctr"/>
+            <a:r>
+              <a:rPr lang="en-US" sz="1600" dirty="0">
+                <a:solidFill>
+                  <a:srgbClr val="000000"/>
+                </a:solidFill>
+                <a:effectLst/>
+              </a:rPr>
+              <a:t>LPDDR4 8 </a:t>
+            </a:r>
+            <a:r>
+              <a:rPr lang="ru-RU" sz="1600" dirty="0">
+                <a:solidFill>
+                  <a:srgbClr val="000000"/>
+                </a:solidFill>
+                <a:effectLst/>
+              </a:rPr>
+              <a:t>ГБ</a:t>
+            </a:r>
+            <a:endParaRPr lang="en-US" sz="1600" dirty="0">
+              <a:solidFill>
+                <a:srgbClr val="000000"/>
+              </a:solidFill>
+              <a:effectLst/>
+            </a:endParaRPr>
+          </a:p>
+          <a:p>
+            <a:pPr algn="ctr"/>
+            <a:r>
+              <a:rPr lang="en-US" sz="1600" dirty="0">
+                <a:solidFill>
+                  <a:srgbClr val="000000"/>
+                </a:solidFill>
+              </a:rPr>
+              <a:t>4 USB, Bluetooth, Wi-Fi</a:t>
+            </a:r>
+            <a:endParaRPr lang="ru-RU" sz="1600" dirty="0">
+              <a:solidFill>
+                <a:schemeClr val="tx1"/>
+              </a:solidFill>
+            </a:endParaRPr>
           </a:p>
         </p:txBody>
       </p:sp>
@@ -11351,7 +16148,7 @@
 </p:sld>
 </file>
 
-<file path=ppt/slides/slide8.xml><?xml version="1.0" encoding="utf-8"?>
+<file path=ppt/slides/slide9.xml><?xml version="1.0" encoding="utf-8"?>
 <p:sld xmlns:a="http://schemas.openxmlformats.org/drawingml/2006/main" xmlns:r="http://schemas.openxmlformats.org/officeDocument/2006/relationships" xmlns:p="http://schemas.openxmlformats.org/presentationml/2006/main">
   <p:cSld>
     <p:spTree>
@@ -11412,46 +16209,1417 @@
       </p:sp>
       <p:sp>
         <p:nvSpPr>
-          <p:cNvPr id="8" name="TextBox 7">
+          <p:cNvPr id="3" name="Прямоугольник: скругленные углы 2">
             <a:extLst>
               <a:ext uri="{FF2B5EF4-FFF2-40B4-BE49-F238E27FC236}">
-                <a16:creationId xmlns:a16="http://schemas.microsoft.com/office/drawing/2014/main" id="{4EB8A0E8-B5FC-7EF1-F09F-0D9F4C6CB3C6}"/>
+                <a16:creationId xmlns:a16="http://schemas.microsoft.com/office/drawing/2014/main" id="{EE5CB25C-24E6-DCE0-E0FC-22F38F34D90B}"/>
               </a:ext>
             </a:extLst>
           </p:cNvPr>
-          <p:cNvSpPr txBox="1"/>
+          <p:cNvSpPr/>
           <p:nvPr/>
         </p:nvSpPr>
         <p:spPr>
           <a:xfrm>
-            <a:off x="3593722" y="2828835"/>
-            <a:ext cx="5004556" cy="1200329"/>
+            <a:off x="551384" y="1052736"/>
+            <a:ext cx="11089232" cy="1224136"/>
           </a:xfrm>
-          <a:prstGeom prst="rect">
+          <a:prstGeom prst="roundRect">
             <a:avLst/>
           </a:prstGeom>
           <a:noFill/>
-          <a:ln>
-            <a:solidFill>
-              <a:schemeClr val="tx1"/>
-            </a:solidFill>
-          </a:ln>
         </p:spPr>
+        <p:style>
+          <a:lnRef idx="2">
+            <a:schemeClr val="accent1">
+              <a:shade val="50000"/>
+            </a:schemeClr>
+          </a:lnRef>
+          <a:fillRef idx="1">
+            <a:schemeClr val="accent1"/>
+          </a:fillRef>
+          <a:effectRef idx="0">
+            <a:schemeClr val="accent1"/>
+          </a:effectRef>
+          <a:fontRef idx="minor">
+            <a:schemeClr val="lt1"/>
+          </a:fontRef>
+        </p:style>
         <p:txBody>
-          <a:bodyPr wrap="square" rtlCol="0">
-            <a:spAutoFit/>
-          </a:bodyPr>
+          <a:bodyPr rtlCol="0" anchor="t"/>
           <a:lstStyle/>
           <a:p>
             <a:pPr algn="ctr"/>
             <a:r>
-              <a:rPr lang="ru-RU" sz="7200" dirty="0">
+              <a:rPr lang="en-US" dirty="0">
                 <a:solidFill>
-                  <a:srgbClr val="FF0000"/>
+                  <a:schemeClr val="tx1"/>
                 </a:solidFill>
               </a:rPr>
-              <a:t>Графы кода</a:t>
-            </a:r>
+              <a:t>Wi-Fi</a:t>
+            </a:r>
+            <a:endParaRPr lang="ru-RU" dirty="0">
+              <a:solidFill>
+                <a:schemeClr val="tx1"/>
+              </a:solidFill>
+            </a:endParaRPr>
+          </a:p>
+        </p:txBody>
+      </p:sp>
+      <p:sp>
+        <p:nvSpPr>
+          <p:cNvPr id="10" name="Прямоугольник: скругленные углы 9">
+            <a:extLst>
+              <a:ext uri="{FF2B5EF4-FFF2-40B4-BE49-F238E27FC236}">
+                <a16:creationId xmlns:a16="http://schemas.microsoft.com/office/drawing/2014/main" id="{B000CE94-DA71-17F2-7BD6-68D147747B24}"/>
+              </a:ext>
+            </a:extLst>
+          </p:cNvPr>
+          <p:cNvSpPr/>
+          <p:nvPr/>
+        </p:nvSpPr>
+        <p:spPr>
+          <a:xfrm>
+            <a:off x="4295800" y="2410379"/>
+            <a:ext cx="3600400" cy="3970950"/>
+          </a:xfrm>
+          <a:prstGeom prst="roundRect">
+            <a:avLst/>
+          </a:prstGeom>
+          <a:noFill/>
+        </p:spPr>
+        <p:style>
+          <a:lnRef idx="2">
+            <a:schemeClr val="accent1">
+              <a:shade val="50000"/>
+            </a:schemeClr>
+          </a:lnRef>
+          <a:fillRef idx="1">
+            <a:schemeClr val="accent1"/>
+          </a:fillRef>
+          <a:effectRef idx="0">
+            <a:schemeClr val="accent1"/>
+          </a:effectRef>
+          <a:fontRef idx="minor">
+            <a:schemeClr val="lt1"/>
+          </a:fontRef>
+        </p:style>
+        <p:txBody>
+          <a:bodyPr rtlCol="0" anchor="t"/>
+          <a:lstStyle/>
+          <a:p>
+            <a:pPr algn="ctr"/>
+            <a:r>
+              <a:rPr lang="en-US" dirty="0">
+                <a:solidFill>
+                  <a:schemeClr val="tx1"/>
+                </a:solidFill>
+              </a:rPr>
+              <a:t>RPI</a:t>
+            </a:r>
+            <a:endParaRPr lang="ru-RU" dirty="0">
+              <a:solidFill>
+                <a:schemeClr val="tx1"/>
+              </a:solidFill>
+            </a:endParaRPr>
+          </a:p>
+        </p:txBody>
+      </p:sp>
+      <p:sp>
+        <p:nvSpPr>
+          <p:cNvPr id="12" name="Прямоугольник: скругленные углы 11">
+            <a:extLst>
+              <a:ext uri="{FF2B5EF4-FFF2-40B4-BE49-F238E27FC236}">
+                <a16:creationId xmlns:a16="http://schemas.microsoft.com/office/drawing/2014/main" id="{88684D1A-9AE6-E6CA-1AB0-FD9FAD651C8E}"/>
+              </a:ext>
+            </a:extLst>
+          </p:cNvPr>
+          <p:cNvSpPr/>
+          <p:nvPr/>
+        </p:nvSpPr>
+        <p:spPr>
+          <a:xfrm>
+            <a:off x="551384" y="2410379"/>
+            <a:ext cx="3600400" cy="3970950"/>
+          </a:xfrm>
+          <a:prstGeom prst="roundRect">
+            <a:avLst/>
+          </a:prstGeom>
+          <a:noFill/>
+        </p:spPr>
+        <p:style>
+          <a:lnRef idx="2">
+            <a:schemeClr val="accent1">
+              <a:shade val="50000"/>
+            </a:schemeClr>
+          </a:lnRef>
+          <a:fillRef idx="1">
+            <a:schemeClr val="accent1"/>
+          </a:fillRef>
+          <a:effectRef idx="0">
+            <a:schemeClr val="accent1"/>
+          </a:effectRef>
+          <a:fontRef idx="minor">
+            <a:schemeClr val="lt1"/>
+          </a:fontRef>
+        </p:style>
+        <p:txBody>
+          <a:bodyPr rtlCol="0" anchor="t"/>
+          <a:lstStyle/>
+          <a:p>
+            <a:pPr algn="ctr"/>
+            <a:r>
+              <a:rPr lang="en-US" dirty="0">
+                <a:solidFill>
+                  <a:schemeClr val="tx1"/>
+                </a:solidFill>
+              </a:rPr>
+              <a:t>PC</a:t>
+            </a:r>
+            <a:endParaRPr lang="ru-RU" dirty="0">
+              <a:solidFill>
+                <a:schemeClr val="tx1"/>
+              </a:solidFill>
+            </a:endParaRPr>
+          </a:p>
+        </p:txBody>
+      </p:sp>
+      <p:sp>
+        <p:nvSpPr>
+          <p:cNvPr id="13" name="Прямоугольник: скругленные углы 12">
+            <a:extLst>
+              <a:ext uri="{FF2B5EF4-FFF2-40B4-BE49-F238E27FC236}">
+                <a16:creationId xmlns:a16="http://schemas.microsoft.com/office/drawing/2014/main" id="{D4FB870E-E5FE-5A65-7316-DDDE6C5CA625}"/>
+              </a:ext>
+            </a:extLst>
+          </p:cNvPr>
+          <p:cNvSpPr/>
+          <p:nvPr/>
+        </p:nvSpPr>
+        <p:spPr>
+          <a:xfrm>
+            <a:off x="8040216" y="2410379"/>
+            <a:ext cx="3600400" cy="3970950"/>
+          </a:xfrm>
+          <a:prstGeom prst="roundRect">
+            <a:avLst/>
+          </a:prstGeom>
+          <a:noFill/>
+        </p:spPr>
+        <p:style>
+          <a:lnRef idx="2">
+            <a:schemeClr val="accent1">
+              <a:shade val="50000"/>
+            </a:schemeClr>
+          </a:lnRef>
+          <a:fillRef idx="1">
+            <a:schemeClr val="accent1"/>
+          </a:fillRef>
+          <a:effectRef idx="0">
+            <a:schemeClr val="accent1"/>
+          </a:effectRef>
+          <a:fontRef idx="minor">
+            <a:schemeClr val="lt1"/>
+          </a:fontRef>
+        </p:style>
+        <p:txBody>
+          <a:bodyPr rtlCol="0" anchor="t"/>
+          <a:lstStyle/>
+          <a:p>
+            <a:pPr algn="ctr"/>
+            <a:r>
+              <a:rPr lang="en-US" dirty="0">
+                <a:solidFill>
+                  <a:schemeClr val="tx1"/>
+                </a:solidFill>
+              </a:rPr>
+              <a:t>STM32</a:t>
+            </a:r>
+            <a:endParaRPr lang="ru-RU" dirty="0">
+              <a:solidFill>
+                <a:schemeClr val="tx1"/>
+              </a:solidFill>
+            </a:endParaRPr>
+          </a:p>
+        </p:txBody>
+      </p:sp>
+      <p:sp>
+        <p:nvSpPr>
+          <p:cNvPr id="5" name="Прямоугольник: скругленные углы 4">
+            <a:extLst>
+              <a:ext uri="{FF2B5EF4-FFF2-40B4-BE49-F238E27FC236}">
+                <a16:creationId xmlns:a16="http://schemas.microsoft.com/office/drawing/2014/main" id="{8D67D853-DCB8-2223-4481-C6BA72444A7B}"/>
+              </a:ext>
+            </a:extLst>
+          </p:cNvPr>
+          <p:cNvSpPr/>
+          <p:nvPr/>
+        </p:nvSpPr>
+        <p:spPr>
+          <a:xfrm>
+            <a:off x="8429992" y="1464606"/>
+            <a:ext cx="1872208" cy="662995"/>
+          </a:xfrm>
+          <a:prstGeom prst="roundRect">
+            <a:avLst/>
+          </a:prstGeom>
+          <a:noFill/>
+        </p:spPr>
+        <p:style>
+          <a:lnRef idx="2">
+            <a:schemeClr val="accent1">
+              <a:shade val="50000"/>
+            </a:schemeClr>
+          </a:lnRef>
+          <a:fillRef idx="1">
+            <a:schemeClr val="accent1"/>
+          </a:fillRef>
+          <a:effectRef idx="0">
+            <a:schemeClr val="accent1"/>
+          </a:effectRef>
+          <a:fontRef idx="minor">
+            <a:schemeClr val="lt1"/>
+          </a:fontRef>
+        </p:style>
+        <p:txBody>
+          <a:bodyPr rtlCol="0" anchor="ctr"/>
+          <a:lstStyle/>
+          <a:p>
+            <a:pPr algn="ctr"/>
+            <a:r>
+              <a:rPr lang="en-US" dirty="0">
+                <a:solidFill>
+                  <a:schemeClr val="tx1"/>
+                </a:solidFill>
+              </a:rPr>
+              <a:t>Twist</a:t>
+            </a:r>
+            <a:endParaRPr lang="ru-RU" dirty="0">
+              <a:solidFill>
+                <a:schemeClr val="tx1"/>
+              </a:solidFill>
+            </a:endParaRPr>
+          </a:p>
+        </p:txBody>
+      </p:sp>
+      <p:sp>
+        <p:nvSpPr>
+          <p:cNvPr id="14" name="Прямоугольник: скругленные углы 13">
+            <a:extLst>
+              <a:ext uri="{FF2B5EF4-FFF2-40B4-BE49-F238E27FC236}">
+                <a16:creationId xmlns:a16="http://schemas.microsoft.com/office/drawing/2014/main" id="{1D0C6545-AFC2-C406-ACC2-9074CDE61972}"/>
+              </a:ext>
+            </a:extLst>
+          </p:cNvPr>
+          <p:cNvSpPr/>
+          <p:nvPr/>
+        </p:nvSpPr>
+        <p:spPr>
+          <a:xfrm>
+            <a:off x="6249928" y="1484784"/>
+            <a:ext cx="1872208" cy="662995"/>
+          </a:xfrm>
+          <a:prstGeom prst="roundRect">
+            <a:avLst/>
+          </a:prstGeom>
+          <a:noFill/>
+        </p:spPr>
+        <p:style>
+          <a:lnRef idx="2">
+            <a:schemeClr val="accent1">
+              <a:shade val="50000"/>
+            </a:schemeClr>
+          </a:lnRef>
+          <a:fillRef idx="1">
+            <a:schemeClr val="accent1"/>
+          </a:fillRef>
+          <a:effectRef idx="0">
+            <a:schemeClr val="accent1"/>
+          </a:effectRef>
+          <a:fontRef idx="minor">
+            <a:schemeClr val="lt1"/>
+          </a:fontRef>
+        </p:style>
+        <p:txBody>
+          <a:bodyPr rtlCol="0" anchor="ctr"/>
+          <a:lstStyle/>
+          <a:p>
+            <a:pPr algn="ctr"/>
+            <a:r>
+              <a:rPr lang="en-US" dirty="0">
+                <a:solidFill>
+                  <a:schemeClr val="tx1"/>
+                </a:solidFill>
+              </a:rPr>
+              <a:t>Pose</a:t>
+            </a:r>
+            <a:endParaRPr lang="ru-RU" dirty="0">
+              <a:solidFill>
+                <a:schemeClr val="tx1"/>
+              </a:solidFill>
+            </a:endParaRPr>
+          </a:p>
+        </p:txBody>
+      </p:sp>
+      <p:sp>
+        <p:nvSpPr>
+          <p:cNvPr id="15" name="Прямоугольник: скругленные углы 14">
+            <a:extLst>
+              <a:ext uri="{FF2B5EF4-FFF2-40B4-BE49-F238E27FC236}">
+                <a16:creationId xmlns:a16="http://schemas.microsoft.com/office/drawing/2014/main" id="{7594DA7C-8160-A462-A843-937B79F104A5}"/>
+              </a:ext>
+            </a:extLst>
+          </p:cNvPr>
+          <p:cNvSpPr/>
+          <p:nvPr/>
+        </p:nvSpPr>
+        <p:spPr>
+          <a:xfrm>
+            <a:off x="4069864" y="1484785"/>
+            <a:ext cx="1872208" cy="662995"/>
+          </a:xfrm>
+          <a:prstGeom prst="roundRect">
+            <a:avLst/>
+          </a:prstGeom>
+          <a:noFill/>
+        </p:spPr>
+        <p:style>
+          <a:lnRef idx="2">
+            <a:schemeClr val="accent1">
+              <a:shade val="50000"/>
+            </a:schemeClr>
+          </a:lnRef>
+          <a:fillRef idx="1">
+            <a:schemeClr val="accent1"/>
+          </a:fillRef>
+          <a:effectRef idx="0">
+            <a:schemeClr val="accent1"/>
+          </a:effectRef>
+          <a:fontRef idx="minor">
+            <a:schemeClr val="lt1"/>
+          </a:fontRef>
+        </p:style>
+        <p:txBody>
+          <a:bodyPr rtlCol="0" anchor="ctr"/>
+          <a:lstStyle/>
+          <a:p>
+            <a:pPr algn="ctr"/>
+            <a:r>
+              <a:rPr lang="en-US" dirty="0">
+                <a:solidFill>
+                  <a:schemeClr val="tx1"/>
+                </a:solidFill>
+              </a:rPr>
+              <a:t>Lidar</a:t>
+            </a:r>
+            <a:endParaRPr lang="ru-RU" dirty="0">
+              <a:solidFill>
+                <a:schemeClr val="tx1"/>
+              </a:solidFill>
+            </a:endParaRPr>
+          </a:p>
+        </p:txBody>
+      </p:sp>
+      <p:sp>
+        <p:nvSpPr>
+          <p:cNvPr id="16" name="Прямоугольник: скругленные углы 15">
+            <a:extLst>
+              <a:ext uri="{FF2B5EF4-FFF2-40B4-BE49-F238E27FC236}">
+                <a16:creationId xmlns:a16="http://schemas.microsoft.com/office/drawing/2014/main" id="{FED6158F-078F-E917-38AF-DCFC440C13DD}"/>
+              </a:ext>
+            </a:extLst>
+          </p:cNvPr>
+          <p:cNvSpPr/>
+          <p:nvPr/>
+        </p:nvSpPr>
+        <p:spPr>
+          <a:xfrm>
+            <a:off x="1889800" y="1484784"/>
+            <a:ext cx="1872208" cy="662995"/>
+          </a:xfrm>
+          <a:prstGeom prst="roundRect">
+            <a:avLst/>
+          </a:prstGeom>
+          <a:noFill/>
+        </p:spPr>
+        <p:style>
+          <a:lnRef idx="2">
+            <a:schemeClr val="accent1">
+              <a:shade val="50000"/>
+            </a:schemeClr>
+          </a:lnRef>
+          <a:fillRef idx="1">
+            <a:schemeClr val="accent1"/>
+          </a:fillRef>
+          <a:effectRef idx="0">
+            <a:schemeClr val="accent1"/>
+          </a:effectRef>
+          <a:fontRef idx="minor">
+            <a:schemeClr val="lt1"/>
+          </a:fontRef>
+        </p:style>
+        <p:txBody>
+          <a:bodyPr rtlCol="0" anchor="ctr"/>
+          <a:lstStyle/>
+          <a:p>
+            <a:pPr algn="ctr"/>
+            <a:r>
+              <a:rPr lang="en-US" dirty="0">
+                <a:solidFill>
+                  <a:schemeClr val="tx1"/>
+                </a:solidFill>
+              </a:rPr>
+              <a:t>Cam</a:t>
+            </a:r>
+            <a:endParaRPr lang="ru-RU" dirty="0">
+              <a:solidFill>
+                <a:schemeClr val="tx1"/>
+              </a:solidFill>
+            </a:endParaRPr>
+          </a:p>
+        </p:txBody>
+      </p:sp>
+      <p:sp>
+        <p:nvSpPr>
+          <p:cNvPr id="17" name="Прямоугольник: скругленные углы 16">
+            <a:extLst>
+              <a:ext uri="{FF2B5EF4-FFF2-40B4-BE49-F238E27FC236}">
+                <a16:creationId xmlns:a16="http://schemas.microsoft.com/office/drawing/2014/main" id="{4DA515E9-4D4C-7A2E-736C-81C8D85D9185}"/>
+              </a:ext>
+            </a:extLst>
+          </p:cNvPr>
+          <p:cNvSpPr/>
+          <p:nvPr/>
+        </p:nvSpPr>
+        <p:spPr>
+          <a:xfrm>
+            <a:off x="1598331" y="3119027"/>
+            <a:ext cx="1512168" cy="662995"/>
+          </a:xfrm>
+          <a:prstGeom prst="roundRect">
+            <a:avLst/>
+          </a:prstGeom>
+          <a:noFill/>
+        </p:spPr>
+        <p:style>
+          <a:lnRef idx="2">
+            <a:schemeClr val="accent1">
+              <a:shade val="50000"/>
+            </a:schemeClr>
+          </a:lnRef>
+          <a:fillRef idx="1">
+            <a:schemeClr val="accent1"/>
+          </a:fillRef>
+          <a:effectRef idx="0">
+            <a:schemeClr val="accent1"/>
+          </a:effectRef>
+          <a:fontRef idx="minor">
+            <a:schemeClr val="lt1"/>
+          </a:fontRef>
+        </p:style>
+        <p:txBody>
+          <a:bodyPr rtlCol="0" anchor="ctr"/>
+          <a:lstStyle/>
+          <a:p>
+            <a:pPr algn="ctr"/>
+            <a:r>
+              <a:rPr lang="en-US" dirty="0">
+                <a:solidFill>
+                  <a:schemeClr val="tx1"/>
+                </a:solidFill>
+              </a:rPr>
+              <a:t>Teleop_Joy</a:t>
+            </a:r>
+            <a:endParaRPr lang="ru-RU" dirty="0">
+              <a:solidFill>
+                <a:schemeClr val="tx1"/>
+              </a:solidFill>
+            </a:endParaRPr>
+          </a:p>
+        </p:txBody>
+      </p:sp>
+      <p:sp>
+        <p:nvSpPr>
+          <p:cNvPr id="18" name="Прямоугольник: скругленные углы 17">
+            <a:extLst>
+              <a:ext uri="{FF2B5EF4-FFF2-40B4-BE49-F238E27FC236}">
+                <a16:creationId xmlns:a16="http://schemas.microsoft.com/office/drawing/2014/main" id="{059D3F8A-316D-39E8-FC51-7CA1C0E28FFD}"/>
+              </a:ext>
+            </a:extLst>
+          </p:cNvPr>
+          <p:cNvSpPr/>
+          <p:nvPr/>
+        </p:nvSpPr>
+        <p:spPr>
+          <a:xfrm>
+            <a:off x="4583542" y="3105989"/>
+            <a:ext cx="1358240" cy="662995"/>
+          </a:xfrm>
+          <a:prstGeom prst="roundRect">
+            <a:avLst/>
+          </a:prstGeom>
+          <a:noFill/>
+        </p:spPr>
+        <p:style>
+          <a:lnRef idx="2">
+            <a:schemeClr val="accent1">
+              <a:shade val="50000"/>
+            </a:schemeClr>
+          </a:lnRef>
+          <a:fillRef idx="1">
+            <a:schemeClr val="accent1"/>
+          </a:fillRef>
+          <a:effectRef idx="0">
+            <a:schemeClr val="accent1"/>
+          </a:effectRef>
+          <a:fontRef idx="minor">
+            <a:schemeClr val="lt1"/>
+          </a:fontRef>
+        </p:style>
+        <p:txBody>
+          <a:bodyPr rtlCol="0" anchor="ctr"/>
+          <a:lstStyle/>
+          <a:p>
+            <a:pPr algn="ctr"/>
+            <a:r>
+              <a:rPr lang="en-US" dirty="0">
+                <a:solidFill>
+                  <a:schemeClr val="tx1"/>
+                </a:solidFill>
+              </a:rPr>
+              <a:t>To_STM32</a:t>
+            </a:r>
+            <a:endParaRPr lang="ru-RU" dirty="0">
+              <a:solidFill>
+                <a:schemeClr val="tx1"/>
+              </a:solidFill>
+            </a:endParaRPr>
+          </a:p>
+        </p:txBody>
+      </p:sp>
+      <p:sp>
+        <p:nvSpPr>
+          <p:cNvPr id="19" name="Прямоугольник: скругленные углы 18">
+            <a:extLst>
+              <a:ext uri="{FF2B5EF4-FFF2-40B4-BE49-F238E27FC236}">
+                <a16:creationId xmlns:a16="http://schemas.microsoft.com/office/drawing/2014/main" id="{0BF93224-B075-A8CB-F8EC-3434E17ED647}"/>
+              </a:ext>
+            </a:extLst>
+          </p:cNvPr>
+          <p:cNvSpPr/>
+          <p:nvPr/>
+        </p:nvSpPr>
+        <p:spPr>
+          <a:xfrm>
+            <a:off x="4583832" y="3832361"/>
+            <a:ext cx="1358240" cy="662995"/>
+          </a:xfrm>
+          <a:prstGeom prst="roundRect">
+            <a:avLst/>
+          </a:prstGeom>
+          <a:noFill/>
+        </p:spPr>
+        <p:style>
+          <a:lnRef idx="2">
+            <a:schemeClr val="accent1">
+              <a:shade val="50000"/>
+            </a:schemeClr>
+          </a:lnRef>
+          <a:fillRef idx="1">
+            <a:schemeClr val="accent1"/>
+          </a:fillRef>
+          <a:effectRef idx="0">
+            <a:schemeClr val="accent1"/>
+          </a:effectRef>
+          <a:fontRef idx="minor">
+            <a:schemeClr val="lt1"/>
+          </a:fontRef>
+        </p:style>
+        <p:txBody>
+          <a:bodyPr rtlCol="0" anchor="ctr"/>
+          <a:lstStyle/>
+          <a:p>
+            <a:pPr algn="ctr"/>
+            <a:r>
+              <a:rPr lang="en-US" dirty="0">
+                <a:solidFill>
+                  <a:schemeClr val="tx1"/>
+                </a:solidFill>
+              </a:rPr>
+              <a:t>OLED</a:t>
+            </a:r>
+            <a:endParaRPr lang="ru-RU" dirty="0">
+              <a:solidFill>
+                <a:schemeClr val="tx1"/>
+              </a:solidFill>
+            </a:endParaRPr>
+          </a:p>
+        </p:txBody>
+      </p:sp>
+      <p:sp>
+        <p:nvSpPr>
+          <p:cNvPr id="20" name="Прямоугольник: скругленные углы 19">
+            <a:extLst>
+              <a:ext uri="{FF2B5EF4-FFF2-40B4-BE49-F238E27FC236}">
+                <a16:creationId xmlns:a16="http://schemas.microsoft.com/office/drawing/2014/main" id="{0251259C-30E4-D392-89BA-478B5DA2233E}"/>
+              </a:ext>
+            </a:extLst>
+          </p:cNvPr>
+          <p:cNvSpPr/>
+          <p:nvPr/>
+        </p:nvSpPr>
+        <p:spPr>
+          <a:xfrm>
+            <a:off x="4584122" y="4558733"/>
+            <a:ext cx="1357950" cy="662995"/>
+          </a:xfrm>
+          <a:prstGeom prst="roundRect">
+            <a:avLst/>
+          </a:prstGeom>
+          <a:noFill/>
+        </p:spPr>
+        <p:style>
+          <a:lnRef idx="2">
+            <a:schemeClr val="accent1">
+              <a:shade val="50000"/>
+            </a:schemeClr>
+          </a:lnRef>
+          <a:fillRef idx="1">
+            <a:schemeClr val="accent1"/>
+          </a:fillRef>
+          <a:effectRef idx="0">
+            <a:schemeClr val="accent1"/>
+          </a:effectRef>
+          <a:fontRef idx="minor">
+            <a:schemeClr val="lt1"/>
+          </a:fontRef>
+        </p:style>
+        <p:txBody>
+          <a:bodyPr rtlCol="0" anchor="ctr"/>
+          <a:lstStyle/>
+          <a:p>
+            <a:pPr algn="ctr"/>
+            <a:r>
+              <a:rPr lang="en-US" dirty="0">
+                <a:solidFill>
+                  <a:schemeClr val="tx1"/>
+                </a:solidFill>
+              </a:rPr>
+              <a:t>Encoder</a:t>
+            </a:r>
+            <a:endParaRPr lang="ru-RU" dirty="0">
+              <a:solidFill>
+                <a:schemeClr val="tx1"/>
+              </a:solidFill>
+            </a:endParaRPr>
+          </a:p>
+        </p:txBody>
+      </p:sp>
+      <p:sp>
+        <p:nvSpPr>
+          <p:cNvPr id="21" name="Прямоугольник: скругленные углы 20">
+            <a:extLst>
+              <a:ext uri="{FF2B5EF4-FFF2-40B4-BE49-F238E27FC236}">
+                <a16:creationId xmlns:a16="http://schemas.microsoft.com/office/drawing/2014/main" id="{CE62296B-4CE2-C0A5-D2ED-DF42BFA6EF0B}"/>
+              </a:ext>
+            </a:extLst>
+          </p:cNvPr>
+          <p:cNvSpPr/>
+          <p:nvPr/>
+        </p:nvSpPr>
+        <p:spPr>
+          <a:xfrm>
+            <a:off x="4583832" y="5280802"/>
+            <a:ext cx="1357950" cy="662995"/>
+          </a:xfrm>
+          <a:prstGeom prst="roundRect">
+            <a:avLst/>
+          </a:prstGeom>
+          <a:noFill/>
+        </p:spPr>
+        <p:style>
+          <a:lnRef idx="2">
+            <a:schemeClr val="accent1">
+              <a:shade val="50000"/>
+            </a:schemeClr>
+          </a:lnRef>
+          <a:fillRef idx="1">
+            <a:schemeClr val="accent1"/>
+          </a:fillRef>
+          <a:effectRef idx="0">
+            <a:schemeClr val="accent1"/>
+          </a:effectRef>
+          <a:fontRef idx="minor">
+            <a:schemeClr val="lt1"/>
+          </a:fontRef>
+        </p:style>
+        <p:txBody>
+          <a:bodyPr rtlCol="0" anchor="ctr"/>
+          <a:lstStyle/>
+          <a:p>
+            <a:pPr algn="ctr"/>
+            <a:r>
+              <a:rPr lang="en-US" dirty="0">
+                <a:solidFill>
+                  <a:schemeClr val="tx1"/>
+                </a:solidFill>
+              </a:rPr>
+              <a:t>Lidar</a:t>
+            </a:r>
+            <a:endParaRPr lang="ru-RU" dirty="0">
+              <a:solidFill>
+                <a:schemeClr val="tx1"/>
+              </a:solidFill>
+            </a:endParaRPr>
+          </a:p>
+        </p:txBody>
+      </p:sp>
+      <p:sp>
+        <p:nvSpPr>
+          <p:cNvPr id="22" name="Прямоугольник: скругленные углы 21">
+            <a:extLst>
+              <a:ext uri="{FF2B5EF4-FFF2-40B4-BE49-F238E27FC236}">
+                <a16:creationId xmlns:a16="http://schemas.microsoft.com/office/drawing/2014/main" id="{FFD8BA50-3730-11E8-DDD5-AF1F6062F6DA}"/>
+              </a:ext>
+            </a:extLst>
+          </p:cNvPr>
+          <p:cNvSpPr/>
+          <p:nvPr/>
+        </p:nvSpPr>
+        <p:spPr>
+          <a:xfrm>
+            <a:off x="6249928" y="3108140"/>
+            <a:ext cx="1358240" cy="662995"/>
+          </a:xfrm>
+          <a:prstGeom prst="roundRect">
+            <a:avLst/>
+          </a:prstGeom>
+          <a:noFill/>
+        </p:spPr>
+        <p:style>
+          <a:lnRef idx="2">
+            <a:schemeClr val="accent1">
+              <a:shade val="50000"/>
+            </a:schemeClr>
+          </a:lnRef>
+          <a:fillRef idx="1">
+            <a:schemeClr val="accent1"/>
+          </a:fillRef>
+          <a:effectRef idx="0">
+            <a:schemeClr val="accent1"/>
+          </a:effectRef>
+          <a:fontRef idx="minor">
+            <a:schemeClr val="lt1"/>
+          </a:fontRef>
+        </p:style>
+        <p:txBody>
+          <a:bodyPr rtlCol="0" anchor="ctr"/>
+          <a:lstStyle/>
+          <a:p>
+            <a:pPr algn="ctr"/>
+            <a:r>
+              <a:rPr lang="en-US" dirty="0">
+                <a:solidFill>
+                  <a:schemeClr val="tx1"/>
+                </a:solidFill>
+              </a:rPr>
+              <a:t>Cam</a:t>
+            </a:r>
+            <a:endParaRPr lang="ru-RU" dirty="0">
+              <a:solidFill>
+                <a:schemeClr val="tx1"/>
+              </a:solidFill>
+            </a:endParaRPr>
+          </a:p>
+        </p:txBody>
+      </p:sp>
+      <p:sp>
+        <p:nvSpPr>
+          <p:cNvPr id="23" name="Прямоугольник: скругленные углы 22">
+            <a:extLst>
+              <a:ext uri="{FF2B5EF4-FFF2-40B4-BE49-F238E27FC236}">
+                <a16:creationId xmlns:a16="http://schemas.microsoft.com/office/drawing/2014/main" id="{E8F89A3E-6135-EFBF-54A9-384B21C34AD2}"/>
+              </a:ext>
+            </a:extLst>
+          </p:cNvPr>
+          <p:cNvSpPr/>
+          <p:nvPr/>
+        </p:nvSpPr>
+        <p:spPr>
+          <a:xfrm>
+            <a:off x="6249928" y="3832361"/>
+            <a:ext cx="1358240" cy="662995"/>
+          </a:xfrm>
+          <a:prstGeom prst="roundRect">
+            <a:avLst/>
+          </a:prstGeom>
+          <a:noFill/>
+        </p:spPr>
+        <p:style>
+          <a:lnRef idx="2">
+            <a:schemeClr val="accent1">
+              <a:shade val="50000"/>
+            </a:schemeClr>
+          </a:lnRef>
+          <a:fillRef idx="1">
+            <a:schemeClr val="accent1"/>
+          </a:fillRef>
+          <a:effectRef idx="0">
+            <a:schemeClr val="accent1"/>
+          </a:effectRef>
+          <a:fontRef idx="minor">
+            <a:schemeClr val="lt1"/>
+          </a:fontRef>
+        </p:style>
+        <p:txBody>
+          <a:bodyPr rtlCol="0" anchor="ctr"/>
+          <a:lstStyle/>
+          <a:p>
+            <a:pPr algn="ctr"/>
+            <a:r>
+              <a:rPr lang="en-US" dirty="0">
+                <a:solidFill>
+                  <a:schemeClr val="tx1"/>
+                </a:solidFill>
+              </a:rPr>
+              <a:t>Arm</a:t>
+            </a:r>
+            <a:endParaRPr lang="ru-RU" dirty="0">
+              <a:solidFill>
+                <a:schemeClr val="tx1"/>
+              </a:solidFill>
+            </a:endParaRPr>
+          </a:p>
+        </p:txBody>
+      </p:sp>
+      <p:sp>
+        <p:nvSpPr>
+          <p:cNvPr id="24" name="Прямоугольник: скругленные углы 23">
+            <a:extLst>
+              <a:ext uri="{FF2B5EF4-FFF2-40B4-BE49-F238E27FC236}">
+                <a16:creationId xmlns:a16="http://schemas.microsoft.com/office/drawing/2014/main" id="{8D4FB0B6-7ADD-CB01-9F1C-03EE6D9BEC06}"/>
+              </a:ext>
+            </a:extLst>
+          </p:cNvPr>
+          <p:cNvSpPr/>
+          <p:nvPr/>
+        </p:nvSpPr>
+        <p:spPr>
+          <a:xfrm>
+            <a:off x="6250218" y="4556582"/>
+            <a:ext cx="1357950" cy="662995"/>
+          </a:xfrm>
+          <a:prstGeom prst="roundRect">
+            <a:avLst/>
+          </a:prstGeom>
+          <a:noFill/>
+        </p:spPr>
+        <p:style>
+          <a:lnRef idx="2">
+            <a:schemeClr val="accent1">
+              <a:shade val="50000"/>
+            </a:schemeClr>
+          </a:lnRef>
+          <a:fillRef idx="1">
+            <a:schemeClr val="accent1"/>
+          </a:fillRef>
+          <a:effectRef idx="0">
+            <a:schemeClr val="accent1"/>
+          </a:effectRef>
+          <a:fontRef idx="minor">
+            <a:schemeClr val="lt1"/>
+          </a:fontRef>
+        </p:style>
+        <p:txBody>
+          <a:bodyPr rtlCol="0" anchor="ctr"/>
+          <a:lstStyle/>
+          <a:p>
+            <a:pPr algn="ctr"/>
+            <a:r>
+              <a:rPr lang="en-US" dirty="0">
+                <a:solidFill>
+                  <a:schemeClr val="tx1"/>
+                </a:solidFill>
+              </a:rPr>
+              <a:t>SLAM</a:t>
+            </a:r>
+            <a:endParaRPr lang="ru-RU" dirty="0">
+              <a:solidFill>
+                <a:schemeClr val="tx1"/>
+              </a:solidFill>
+            </a:endParaRPr>
+          </a:p>
+        </p:txBody>
+      </p:sp>
+      <p:sp>
+        <p:nvSpPr>
+          <p:cNvPr id="25" name="Прямоугольник: скругленные углы 24">
+            <a:extLst>
+              <a:ext uri="{FF2B5EF4-FFF2-40B4-BE49-F238E27FC236}">
+                <a16:creationId xmlns:a16="http://schemas.microsoft.com/office/drawing/2014/main" id="{6F698E6C-6A4E-4901-0CAF-F02FC74B506D}"/>
+              </a:ext>
+            </a:extLst>
+          </p:cNvPr>
+          <p:cNvSpPr/>
+          <p:nvPr/>
+        </p:nvSpPr>
+        <p:spPr>
+          <a:xfrm>
+            <a:off x="6240161" y="5280803"/>
+            <a:ext cx="1357950" cy="662995"/>
+          </a:xfrm>
+          <a:prstGeom prst="roundRect">
+            <a:avLst/>
+          </a:prstGeom>
+          <a:noFill/>
+        </p:spPr>
+        <p:style>
+          <a:lnRef idx="2">
+            <a:schemeClr val="accent1">
+              <a:shade val="50000"/>
+            </a:schemeClr>
+          </a:lnRef>
+          <a:fillRef idx="1">
+            <a:schemeClr val="accent1"/>
+          </a:fillRef>
+          <a:effectRef idx="0">
+            <a:schemeClr val="accent1"/>
+          </a:effectRef>
+          <a:fontRef idx="minor">
+            <a:schemeClr val="lt1"/>
+          </a:fontRef>
+        </p:style>
+        <p:txBody>
+          <a:bodyPr rtlCol="0" anchor="ctr"/>
+          <a:lstStyle/>
+          <a:p>
+            <a:pPr algn="ctr"/>
+            <a:r>
+              <a:rPr lang="en-US" dirty="0">
+                <a:solidFill>
+                  <a:schemeClr val="tx1"/>
+                </a:solidFill>
+              </a:rPr>
+              <a:t>Web</a:t>
+            </a:r>
+            <a:endParaRPr lang="ru-RU" dirty="0">
+              <a:solidFill>
+                <a:schemeClr val="tx1"/>
+              </a:solidFill>
+            </a:endParaRPr>
+          </a:p>
+        </p:txBody>
+      </p:sp>
+      <p:sp>
+        <p:nvSpPr>
+          <p:cNvPr id="26" name="Прямоугольник: скругленные углы 25">
+            <a:extLst>
+              <a:ext uri="{FF2B5EF4-FFF2-40B4-BE49-F238E27FC236}">
+                <a16:creationId xmlns:a16="http://schemas.microsoft.com/office/drawing/2014/main" id="{649DC8C0-2A28-5BBB-4275-1DE1B0F4616B}"/>
+              </a:ext>
+            </a:extLst>
+          </p:cNvPr>
+          <p:cNvSpPr/>
+          <p:nvPr/>
+        </p:nvSpPr>
+        <p:spPr>
+          <a:xfrm>
+            <a:off x="9141978" y="3098256"/>
+            <a:ext cx="1358240" cy="662995"/>
+          </a:xfrm>
+          <a:prstGeom prst="roundRect">
+            <a:avLst/>
+          </a:prstGeom>
+          <a:noFill/>
+        </p:spPr>
+        <p:style>
+          <a:lnRef idx="2">
+            <a:schemeClr val="accent1">
+              <a:shade val="50000"/>
+            </a:schemeClr>
+          </a:lnRef>
+          <a:fillRef idx="1">
+            <a:schemeClr val="accent1"/>
+          </a:fillRef>
+          <a:effectRef idx="0">
+            <a:schemeClr val="accent1"/>
+          </a:effectRef>
+          <a:fontRef idx="minor">
+            <a:schemeClr val="lt1"/>
+          </a:fontRef>
+        </p:style>
+        <p:txBody>
+          <a:bodyPr rtlCol="0" anchor="ctr"/>
+          <a:lstStyle/>
+          <a:p>
+            <a:pPr algn="ctr"/>
+            <a:r>
+              <a:rPr lang="en-US" dirty="0" err="1">
+                <a:solidFill>
+                  <a:schemeClr val="tx1"/>
+                </a:solidFill>
+              </a:rPr>
+              <a:t>From_RPI</a:t>
+            </a:r>
+            <a:endParaRPr lang="ru-RU" dirty="0">
+              <a:solidFill>
+                <a:schemeClr val="tx1"/>
+              </a:solidFill>
+            </a:endParaRPr>
+          </a:p>
+        </p:txBody>
+      </p:sp>
+      <p:sp>
+        <p:nvSpPr>
+          <p:cNvPr id="27" name="Прямоугольник: скругленные углы 26">
+            <a:extLst>
+              <a:ext uri="{FF2B5EF4-FFF2-40B4-BE49-F238E27FC236}">
+                <a16:creationId xmlns:a16="http://schemas.microsoft.com/office/drawing/2014/main" id="{F7E750E8-82DE-FEE2-DEB6-4766DC8B5F59}"/>
+              </a:ext>
+            </a:extLst>
+          </p:cNvPr>
+          <p:cNvSpPr/>
+          <p:nvPr/>
+        </p:nvSpPr>
+        <p:spPr>
+          <a:xfrm>
+            <a:off x="8318336" y="3843248"/>
+            <a:ext cx="1358240" cy="662995"/>
+          </a:xfrm>
+          <a:prstGeom prst="roundRect">
+            <a:avLst/>
+          </a:prstGeom>
+          <a:noFill/>
+        </p:spPr>
+        <p:style>
+          <a:lnRef idx="2">
+            <a:schemeClr val="accent1">
+              <a:shade val="50000"/>
+            </a:schemeClr>
+          </a:lnRef>
+          <a:fillRef idx="1">
+            <a:schemeClr val="accent1"/>
+          </a:fillRef>
+          <a:effectRef idx="0">
+            <a:schemeClr val="accent1"/>
+          </a:effectRef>
+          <a:fontRef idx="minor">
+            <a:schemeClr val="lt1"/>
+          </a:fontRef>
+        </p:style>
+        <p:txBody>
+          <a:bodyPr rtlCol="0" anchor="ctr"/>
+          <a:lstStyle/>
+          <a:p>
+            <a:pPr algn="ctr"/>
+            <a:r>
+              <a:rPr lang="en-US" dirty="0">
+                <a:solidFill>
+                  <a:schemeClr val="tx1"/>
+                </a:solidFill>
+              </a:rPr>
+              <a:t>LED_RGB</a:t>
+            </a:r>
+            <a:endParaRPr lang="ru-RU" dirty="0">
+              <a:solidFill>
+                <a:schemeClr val="tx1"/>
+              </a:solidFill>
+            </a:endParaRPr>
+          </a:p>
+        </p:txBody>
+      </p:sp>
+      <p:sp>
+        <p:nvSpPr>
+          <p:cNvPr id="28" name="Прямоугольник: скругленные углы 27">
+            <a:extLst>
+              <a:ext uri="{FF2B5EF4-FFF2-40B4-BE49-F238E27FC236}">
+                <a16:creationId xmlns:a16="http://schemas.microsoft.com/office/drawing/2014/main" id="{C50B9E9A-0239-0300-2EF4-96A42DF39A9A}"/>
+              </a:ext>
+            </a:extLst>
+          </p:cNvPr>
+          <p:cNvSpPr/>
+          <p:nvPr/>
+        </p:nvSpPr>
+        <p:spPr>
+          <a:xfrm>
+            <a:off x="8318626" y="4569620"/>
+            <a:ext cx="1357950" cy="662995"/>
+          </a:xfrm>
+          <a:prstGeom prst="roundRect">
+            <a:avLst/>
+          </a:prstGeom>
+          <a:noFill/>
+        </p:spPr>
+        <p:style>
+          <a:lnRef idx="2">
+            <a:schemeClr val="accent1">
+              <a:shade val="50000"/>
+            </a:schemeClr>
+          </a:lnRef>
+          <a:fillRef idx="1">
+            <a:schemeClr val="accent1"/>
+          </a:fillRef>
+          <a:effectRef idx="0">
+            <a:schemeClr val="accent1"/>
+          </a:effectRef>
+          <a:fontRef idx="minor">
+            <a:schemeClr val="lt1"/>
+          </a:fontRef>
+        </p:style>
+        <p:txBody>
+          <a:bodyPr rtlCol="0" anchor="ctr"/>
+          <a:lstStyle/>
+          <a:p>
+            <a:pPr algn="ctr"/>
+            <a:r>
+              <a:rPr lang="en-US" dirty="0">
+                <a:solidFill>
+                  <a:schemeClr val="tx1"/>
+                </a:solidFill>
+              </a:rPr>
+              <a:t>Motor</a:t>
+            </a:r>
+            <a:endParaRPr lang="ru-RU" dirty="0">
+              <a:solidFill>
+                <a:schemeClr val="tx1"/>
+              </a:solidFill>
+            </a:endParaRPr>
+          </a:p>
+        </p:txBody>
+      </p:sp>
+      <p:sp>
+        <p:nvSpPr>
+          <p:cNvPr id="29" name="Прямоугольник: скругленные углы 28">
+            <a:extLst>
+              <a:ext uri="{FF2B5EF4-FFF2-40B4-BE49-F238E27FC236}">
+                <a16:creationId xmlns:a16="http://schemas.microsoft.com/office/drawing/2014/main" id="{460E2A27-4A3E-3297-AF13-A7B5E9F9341A}"/>
+              </a:ext>
+            </a:extLst>
+          </p:cNvPr>
+          <p:cNvSpPr/>
+          <p:nvPr/>
+        </p:nvSpPr>
+        <p:spPr>
+          <a:xfrm>
+            <a:off x="8318336" y="5291689"/>
+            <a:ext cx="1357950" cy="662995"/>
+          </a:xfrm>
+          <a:prstGeom prst="roundRect">
+            <a:avLst/>
+          </a:prstGeom>
+          <a:noFill/>
+        </p:spPr>
+        <p:style>
+          <a:lnRef idx="2">
+            <a:schemeClr val="accent1">
+              <a:shade val="50000"/>
+            </a:schemeClr>
+          </a:lnRef>
+          <a:fillRef idx="1">
+            <a:schemeClr val="accent1"/>
+          </a:fillRef>
+          <a:effectRef idx="0">
+            <a:schemeClr val="accent1"/>
+          </a:effectRef>
+          <a:fontRef idx="minor">
+            <a:schemeClr val="lt1"/>
+          </a:fontRef>
+        </p:style>
+        <p:txBody>
+          <a:bodyPr rtlCol="0" anchor="ctr"/>
+          <a:lstStyle/>
+          <a:p>
+            <a:pPr algn="ctr"/>
+            <a:r>
+              <a:rPr lang="en-US" dirty="0">
+                <a:solidFill>
+                  <a:schemeClr val="tx1"/>
+                </a:solidFill>
+              </a:rPr>
+              <a:t>MPU6050</a:t>
+            </a:r>
+            <a:endParaRPr lang="ru-RU" dirty="0">
+              <a:solidFill>
+                <a:schemeClr val="tx1"/>
+              </a:solidFill>
+            </a:endParaRPr>
+          </a:p>
+        </p:txBody>
+      </p:sp>
+      <p:sp>
+        <p:nvSpPr>
+          <p:cNvPr id="30" name="Прямоугольник: скругленные углы 29">
+            <a:extLst>
+              <a:ext uri="{FF2B5EF4-FFF2-40B4-BE49-F238E27FC236}">
+                <a16:creationId xmlns:a16="http://schemas.microsoft.com/office/drawing/2014/main" id="{FD32D9D1-FF1B-2FC5-194A-F23A2EA3B397}"/>
+              </a:ext>
+            </a:extLst>
+          </p:cNvPr>
+          <p:cNvSpPr/>
+          <p:nvPr/>
+        </p:nvSpPr>
+        <p:spPr>
+          <a:xfrm>
+            <a:off x="9954406" y="5288847"/>
+            <a:ext cx="1358240" cy="662995"/>
+          </a:xfrm>
+          <a:prstGeom prst="roundRect">
+            <a:avLst/>
+          </a:prstGeom>
+          <a:noFill/>
+        </p:spPr>
+        <p:style>
+          <a:lnRef idx="2">
+            <a:schemeClr val="accent1">
+              <a:shade val="50000"/>
+            </a:schemeClr>
+          </a:lnRef>
+          <a:fillRef idx="1">
+            <a:schemeClr val="accent1"/>
+          </a:fillRef>
+          <a:effectRef idx="0">
+            <a:schemeClr val="accent1"/>
+          </a:effectRef>
+          <a:fontRef idx="minor">
+            <a:schemeClr val="lt1"/>
+          </a:fontRef>
+        </p:style>
+        <p:txBody>
+          <a:bodyPr rtlCol="0" anchor="ctr"/>
+          <a:lstStyle/>
+          <a:p>
+            <a:pPr algn="ctr"/>
+            <a:r>
+              <a:rPr lang="en-US" dirty="0">
+                <a:solidFill>
+                  <a:schemeClr val="tx1"/>
+                </a:solidFill>
+              </a:rPr>
+              <a:t>Odometry</a:t>
+            </a:r>
+            <a:endParaRPr lang="ru-RU" dirty="0">
+              <a:solidFill>
+                <a:schemeClr val="tx1"/>
+              </a:solidFill>
+            </a:endParaRPr>
+          </a:p>
+        </p:txBody>
+      </p:sp>
+      <p:sp>
+        <p:nvSpPr>
+          <p:cNvPr id="32" name="Прямоугольник: скругленные углы 31">
+            <a:extLst>
+              <a:ext uri="{FF2B5EF4-FFF2-40B4-BE49-F238E27FC236}">
+                <a16:creationId xmlns:a16="http://schemas.microsoft.com/office/drawing/2014/main" id="{C6D5A5F5-77BD-1777-B48C-8B1F4397A022}"/>
+              </a:ext>
+            </a:extLst>
+          </p:cNvPr>
+          <p:cNvSpPr/>
+          <p:nvPr/>
+        </p:nvSpPr>
+        <p:spPr>
+          <a:xfrm>
+            <a:off x="9984432" y="3843248"/>
+            <a:ext cx="1358240" cy="662995"/>
+          </a:xfrm>
+          <a:prstGeom prst="roundRect">
+            <a:avLst/>
+          </a:prstGeom>
+          <a:noFill/>
+        </p:spPr>
+        <p:style>
+          <a:lnRef idx="2">
+            <a:schemeClr val="accent1">
+              <a:shade val="50000"/>
+            </a:schemeClr>
+          </a:lnRef>
+          <a:fillRef idx="1">
+            <a:schemeClr val="accent1"/>
+          </a:fillRef>
+          <a:effectRef idx="0">
+            <a:schemeClr val="accent1"/>
+          </a:effectRef>
+          <a:fontRef idx="minor">
+            <a:schemeClr val="lt1"/>
+          </a:fontRef>
+        </p:style>
+        <p:txBody>
+          <a:bodyPr rtlCol="0" anchor="ctr"/>
+          <a:lstStyle/>
+          <a:p>
+            <a:pPr algn="ctr"/>
+            <a:r>
+              <a:rPr lang="en-US" dirty="0">
+                <a:solidFill>
+                  <a:schemeClr val="tx1"/>
+                </a:solidFill>
+              </a:rPr>
+              <a:t>Bluetooth</a:t>
+            </a:r>
+            <a:endParaRPr lang="ru-RU" dirty="0">
+              <a:solidFill>
+                <a:schemeClr val="tx1"/>
+              </a:solidFill>
+            </a:endParaRPr>
+          </a:p>
+        </p:txBody>
+      </p:sp>
+      <p:sp>
+        <p:nvSpPr>
+          <p:cNvPr id="33" name="Прямоугольник: скругленные углы 32">
+            <a:extLst>
+              <a:ext uri="{FF2B5EF4-FFF2-40B4-BE49-F238E27FC236}">
+                <a16:creationId xmlns:a16="http://schemas.microsoft.com/office/drawing/2014/main" id="{0730AA36-5D73-96C6-8D60-54BF00874F66}"/>
+              </a:ext>
+            </a:extLst>
+          </p:cNvPr>
+          <p:cNvSpPr/>
+          <p:nvPr/>
+        </p:nvSpPr>
+        <p:spPr>
+          <a:xfrm>
+            <a:off x="9984722" y="4567469"/>
+            <a:ext cx="1357950" cy="662995"/>
+          </a:xfrm>
+          <a:prstGeom prst="roundRect">
+            <a:avLst/>
+          </a:prstGeom>
+          <a:noFill/>
+        </p:spPr>
+        <p:style>
+          <a:lnRef idx="2">
+            <a:schemeClr val="accent1">
+              <a:shade val="50000"/>
+            </a:schemeClr>
+          </a:lnRef>
+          <a:fillRef idx="1">
+            <a:schemeClr val="accent1"/>
+          </a:fillRef>
+          <a:effectRef idx="0">
+            <a:schemeClr val="accent1"/>
+          </a:effectRef>
+          <a:fontRef idx="minor">
+            <a:schemeClr val="lt1"/>
+          </a:fontRef>
+        </p:style>
+        <p:txBody>
+          <a:bodyPr rtlCol="0" anchor="ctr"/>
+          <a:lstStyle/>
+          <a:p>
+            <a:pPr algn="ctr"/>
+            <a:r>
+              <a:rPr lang="en-US" dirty="0">
+                <a:solidFill>
+                  <a:schemeClr val="tx1"/>
+                </a:solidFill>
+              </a:rPr>
+              <a:t>Battery</a:t>
+            </a:r>
+            <a:endParaRPr lang="ru-RU" dirty="0">
+              <a:solidFill>
+                <a:schemeClr val="tx1"/>
+              </a:solidFill>
+            </a:endParaRPr>
           </a:p>
         </p:txBody>
       </p:sp>
@@ -11459,134 +17627,6 @@
     <p:extLst>
       <p:ext uri="{BB962C8B-B14F-4D97-AF65-F5344CB8AC3E}">
         <p14:creationId xmlns:p14="http://schemas.microsoft.com/office/powerpoint/2010/main" val="1273028525"/>
-      </p:ext>
-    </p:extLst>
-  </p:cSld>
-  <p:clrMapOvr>
-    <a:masterClrMapping/>
-  </p:clrMapOvr>
-</p:sld>
-</file>
-
-<file path=ppt/slides/slide9.xml><?xml version="1.0" encoding="utf-8"?>
-<p:sld xmlns:a="http://schemas.openxmlformats.org/drawingml/2006/main" xmlns:r="http://schemas.openxmlformats.org/officeDocument/2006/relationships" xmlns:p="http://schemas.openxmlformats.org/presentationml/2006/main">
-  <p:cSld>
-    <p:spTree>
-      <p:nvGrpSpPr>
-        <p:cNvPr id="1" name=""/>
-        <p:cNvGrpSpPr/>
-        <p:nvPr/>
-      </p:nvGrpSpPr>
-      <p:grpSpPr>
-        <a:xfrm>
-          <a:off x="0" y="0"/>
-          <a:ext cx="0" cy="0"/>
-          <a:chOff x="0" y="0"/>
-          <a:chExt cx="0" cy="0"/>
-        </a:xfrm>
-      </p:grpSpPr>
-      <p:sp>
-        <p:nvSpPr>
-          <p:cNvPr id="6" name="TextBox 5">
-            <a:extLst>
-              <a:ext uri="{FF2B5EF4-FFF2-40B4-BE49-F238E27FC236}">
-                <a16:creationId xmlns:a16="http://schemas.microsoft.com/office/drawing/2014/main" id="{5BB143D9-35D4-B337-E31F-507DA0477727}"/>
-              </a:ext>
-            </a:extLst>
-          </p:cNvPr>
-          <p:cNvSpPr txBox="1"/>
-          <p:nvPr/>
-        </p:nvSpPr>
-        <p:spPr>
-          <a:xfrm>
-            <a:off x="3048000" y="260648"/>
-            <a:ext cx="6096000" cy="646331"/>
-          </a:xfrm>
-          <a:prstGeom prst="rect">
-            <a:avLst/>
-          </a:prstGeom>
-          <a:noFill/>
-        </p:spPr>
-        <p:txBody>
-          <a:bodyPr wrap="square">
-            <a:spAutoFit/>
-          </a:bodyPr>
-          <a:lstStyle/>
-          <a:p>
-            <a:pPr algn="ctr"/>
-            <a:r>
-              <a:rPr lang="ru-RU" sz="3600" dirty="0">
-                <a:solidFill>
-                  <a:srgbClr val="00285D"/>
-                </a:solidFill>
-                <a:latin typeface="Roboto" panose="02000000000000000000" pitchFamily="2" charset="0"/>
-                <a:ea typeface="Roboto" panose="02000000000000000000" pitchFamily="2" charset="0"/>
-              </a:rPr>
-              <a:t>Документирование</a:t>
-            </a:r>
-          </a:p>
-        </p:txBody>
-      </p:sp>
-      <p:sp>
-        <p:nvSpPr>
-          <p:cNvPr id="7" name="TextBox 6">
-            <a:extLst>
-              <a:ext uri="{FF2B5EF4-FFF2-40B4-BE49-F238E27FC236}">
-                <a16:creationId xmlns:a16="http://schemas.microsoft.com/office/drawing/2014/main" id="{74CBBF8A-B00D-7367-67AA-884BF32BBC16}"/>
-              </a:ext>
-            </a:extLst>
-          </p:cNvPr>
-          <p:cNvSpPr txBox="1"/>
-          <p:nvPr/>
-        </p:nvSpPr>
-        <p:spPr>
-          <a:xfrm>
-            <a:off x="2585610" y="1720840"/>
-            <a:ext cx="7020780" cy="3416320"/>
-          </a:xfrm>
-          <a:prstGeom prst="rect">
-            <a:avLst/>
-          </a:prstGeom>
-          <a:noFill/>
-          <a:ln>
-            <a:solidFill>
-              <a:schemeClr val="tx1"/>
-            </a:solidFill>
-          </a:ln>
-        </p:spPr>
-        <p:txBody>
-          <a:bodyPr wrap="square" rtlCol="0">
-            <a:spAutoFit/>
-          </a:bodyPr>
-          <a:lstStyle/>
-          <a:p>
-            <a:pPr algn="ctr"/>
-            <a:r>
-              <a:rPr lang="ru-RU" sz="7200" dirty="0">
-                <a:solidFill>
-                  <a:srgbClr val="FF0000"/>
-                </a:solidFill>
-              </a:rPr>
-              <a:t>ВСТАВИТЬ</a:t>
-            </a:r>
-          </a:p>
-          <a:p>
-            <a:pPr algn="ctr"/>
-            <a:r>
-              <a:rPr lang="ru-RU" sz="7200" dirty="0">
-                <a:solidFill>
-                  <a:srgbClr val="FF0000"/>
-                </a:solidFill>
-              </a:rPr>
-              <a:t>ПРИМЕРЫ ДОКУМЕНТОВ</a:t>
-            </a:r>
-          </a:p>
-        </p:txBody>
-      </p:sp>
-    </p:spTree>
-    <p:extLst>
-      <p:ext uri="{BB962C8B-B14F-4D97-AF65-F5344CB8AC3E}">
-        <p14:creationId xmlns:p14="http://schemas.microsoft.com/office/powerpoint/2010/main" val="26999733"/>
       </p:ext>
     </p:extLst>
   </p:cSld>
